--- a/PPT/蔡政廷目前PTT.pptx
+++ b/PPT/蔡政廷目前PTT.pptx
@@ -11,13 +11,13 @@
     <p:handoutMasterId r:id="rId10"/>
   </p:handoutMasterIdLst>
   <p:sldIdLst>
-    <p:sldId id="270" r:id="rId2"/>
-    <p:sldId id="274" r:id="rId3"/>
-    <p:sldId id="275" r:id="rId4"/>
-    <p:sldId id="276" r:id="rId5"/>
-    <p:sldId id="277" r:id="rId6"/>
-    <p:sldId id="278" r:id="rId7"/>
-    <p:sldId id="282" r:id="rId8"/>
+    <p:sldId id="276" r:id="rId2"/>
+    <p:sldId id="277" r:id="rId3"/>
+    <p:sldId id="278" r:id="rId4"/>
+    <p:sldId id="283" r:id="rId5"/>
+    <p:sldId id="285" r:id="rId6"/>
+    <p:sldId id="284" r:id="rId7"/>
+    <p:sldId id="279" r:id="rId8"/>
   </p:sldIdLst>
   <p:sldSz cx="9906000" cy="6858000" type="A4"/>
   <p:notesSz cx="6807200" cy="9939338"/>
@@ -118,7 +118,7 @@
   </p:defaultTextStyle>
   <p:extLst>
     <p:ext uri="{EFAFB233-063F-42B5-8137-9DF3F51BA10A}">
-      <p15:sldGuideLst xmlns:p15="http://schemas.microsoft.com/office/powerpoint/2012/main" xmlns="">
+      <p15:sldGuideLst xmlns="" xmlns:p15="http://schemas.microsoft.com/office/powerpoint/2012/main">
         <p15:guide id="1" orient="horz" pos="2160">
           <p15:clr>
             <a:srgbClr val="A4A3A4"/>
@@ -218,7 +218,7 @@
             <a:fld id="{05BF5AB9-3463-4E65-AFD3-5431B79ADFDC}" type="datetimeFigureOut">
               <a:rPr lang="zh-TW" altLang="en-US" smtClean="0"/>
               <a:pPr/>
-              <a:t>2022/12/14</a:t>
+              <a:t>2022/12/15</a:t>
             </a:fld>
             <a:endParaRPr lang="zh-TW" altLang="en-US"/>
           </a:p>
@@ -385,7 +385,7 @@
             <a:fld id="{838FF680-7B6B-4655-B6A1-33A8AD0AE8B4}" type="datetimeFigureOut">
               <a:rPr lang="zh-TW" altLang="en-US" smtClean="0"/>
               <a:pPr/>
-              <a:t>2022/12/14</a:t>
+              <a:t>2022/12/15</a:t>
             </a:fld>
             <a:endParaRPr lang="zh-TW" altLang="en-US"/>
           </a:p>
@@ -653,6 +653,362 @@
 </p:notesMaster>
 </file>
 
+<file path=ppt/notesSlides/notesSlide1.xml><?xml version="1.0" encoding="utf-8"?>
+<p:notes xmlns:a="http://schemas.openxmlformats.org/drawingml/2006/main" xmlns:r="http://schemas.openxmlformats.org/officeDocument/2006/relationships" xmlns:p="http://schemas.openxmlformats.org/presentationml/2006/main">
+  <p:cSld>
+    <p:spTree>
+      <p:nvGrpSpPr>
+        <p:cNvPr id="1" name=""/>
+        <p:cNvGrpSpPr/>
+        <p:nvPr/>
+      </p:nvGrpSpPr>
+      <p:grpSpPr>
+        <a:xfrm>
+          <a:off x="0" y="0"/>
+          <a:ext cx="0" cy="0"/>
+          <a:chOff x="0" y="0"/>
+          <a:chExt cx="0" cy="0"/>
+        </a:xfrm>
+      </p:grpSpPr>
+      <p:sp>
+        <p:nvSpPr>
+          <p:cNvPr id="2" name="投影片影像版面配置區 1"/>
+          <p:cNvSpPr>
+            <a:spLocks noGrp="1" noRot="1" noChangeAspect="1"/>
+          </p:cNvSpPr>
+          <p:nvPr>
+            <p:ph type="sldImg"/>
+          </p:nvPr>
+        </p:nvSpPr>
+        <p:spPr/>
+      </p:sp>
+      <p:sp>
+        <p:nvSpPr>
+          <p:cNvPr id="3" name="備忘稿版面配置區 2"/>
+          <p:cNvSpPr>
+            <a:spLocks noGrp="1"/>
+          </p:cNvSpPr>
+          <p:nvPr>
+            <p:ph type="body" idx="1"/>
+          </p:nvPr>
+        </p:nvSpPr>
+        <p:spPr/>
+        <p:txBody>
+          <a:bodyPr/>
+          <a:lstStyle/>
+          <a:p>
+            <a:r>
+              <a:rPr kumimoji="1" lang="zh-TW" altLang="en-US" dirty="0" smtClean="0"/>
+              <a:t>＊字體變大</a:t>
+            </a:r>
+            <a:endParaRPr kumimoji="1" lang="zh-TW" altLang="en-US" dirty="0"/>
+          </a:p>
+        </p:txBody>
+      </p:sp>
+      <p:sp>
+        <p:nvSpPr>
+          <p:cNvPr id="4" name="投影片編號版面配置區 3"/>
+          <p:cNvSpPr>
+            <a:spLocks noGrp="1"/>
+          </p:cNvSpPr>
+          <p:nvPr>
+            <p:ph type="sldNum" sz="quarter" idx="10"/>
+          </p:nvPr>
+        </p:nvSpPr>
+        <p:spPr/>
+        <p:txBody>
+          <a:bodyPr/>
+          <a:lstStyle/>
+          <a:p>
+            <a:fld id="{6F9E9FB9-4D1E-4A88-8F87-B34AFE16905A}" type="slidenum">
+              <a:rPr lang="zh-TW" altLang="en-US" smtClean="0"/>
+              <a:pPr/>
+              <a:t>0</a:t>
+            </a:fld>
+            <a:endParaRPr lang="zh-TW" altLang="en-US"/>
+          </a:p>
+        </p:txBody>
+      </p:sp>
+    </p:spTree>
+    <p:extLst>
+      <p:ext uri="{BB962C8B-B14F-4D97-AF65-F5344CB8AC3E}">
+        <p14:creationId xmlns:p14="http://schemas.microsoft.com/office/powerpoint/2010/main" val="1798445071"/>
+      </p:ext>
+    </p:extLst>
+  </p:cSld>
+  <p:clrMapOvr>
+    <a:masterClrMapping/>
+  </p:clrMapOvr>
+</p:notes>
+</file>
+
+<file path=ppt/notesSlides/notesSlide2.xml><?xml version="1.0" encoding="utf-8"?>
+<p:notes xmlns:a="http://schemas.openxmlformats.org/drawingml/2006/main" xmlns:r="http://schemas.openxmlformats.org/officeDocument/2006/relationships" xmlns:p="http://schemas.openxmlformats.org/presentationml/2006/main">
+  <p:cSld>
+    <p:spTree>
+      <p:nvGrpSpPr>
+        <p:cNvPr id="1" name=""/>
+        <p:cNvGrpSpPr/>
+        <p:nvPr/>
+      </p:nvGrpSpPr>
+      <p:grpSpPr>
+        <a:xfrm>
+          <a:off x="0" y="0"/>
+          <a:ext cx="0" cy="0"/>
+          <a:chOff x="0" y="0"/>
+          <a:chExt cx="0" cy="0"/>
+        </a:xfrm>
+      </p:grpSpPr>
+      <p:sp>
+        <p:nvSpPr>
+          <p:cNvPr id="2" name="投影片影像版面配置區 1"/>
+          <p:cNvSpPr>
+            <a:spLocks noGrp="1" noRot="1" noChangeAspect="1"/>
+          </p:cNvSpPr>
+          <p:nvPr>
+            <p:ph type="sldImg"/>
+          </p:nvPr>
+        </p:nvSpPr>
+        <p:spPr/>
+      </p:sp>
+      <p:sp>
+        <p:nvSpPr>
+          <p:cNvPr id="3" name="備忘稿版面配置區 2"/>
+          <p:cNvSpPr>
+            <a:spLocks noGrp="1"/>
+          </p:cNvSpPr>
+          <p:nvPr>
+            <p:ph type="body" idx="1"/>
+          </p:nvPr>
+        </p:nvSpPr>
+        <p:spPr/>
+        <p:txBody>
+          <a:bodyPr/>
+          <a:lstStyle/>
+          <a:p>
+            <a:r>
+              <a:rPr kumimoji="1" lang="zh-TW" altLang="en-US" dirty="0" smtClean="0"/>
+              <a:t>＊字體變大</a:t>
+            </a:r>
+            <a:endParaRPr kumimoji="1" lang="zh-TW" altLang="en-US" dirty="0"/>
+          </a:p>
+        </p:txBody>
+      </p:sp>
+      <p:sp>
+        <p:nvSpPr>
+          <p:cNvPr id="4" name="投影片編號版面配置區 3"/>
+          <p:cNvSpPr>
+            <a:spLocks noGrp="1"/>
+          </p:cNvSpPr>
+          <p:nvPr>
+            <p:ph type="sldNum" sz="quarter" idx="10"/>
+          </p:nvPr>
+        </p:nvSpPr>
+        <p:spPr/>
+        <p:txBody>
+          <a:bodyPr/>
+          <a:lstStyle/>
+          <a:p>
+            <a:fld id="{6F9E9FB9-4D1E-4A88-8F87-B34AFE16905A}" type="slidenum">
+              <a:rPr lang="zh-TW" altLang="en-US" smtClean="0"/>
+              <a:pPr/>
+              <a:t>2</a:t>
+            </a:fld>
+            <a:endParaRPr lang="zh-TW" altLang="en-US"/>
+          </a:p>
+        </p:txBody>
+      </p:sp>
+    </p:spTree>
+    <p:extLst>
+      <p:ext uri="{BB962C8B-B14F-4D97-AF65-F5344CB8AC3E}">
+        <p14:creationId xmlns:p14="http://schemas.microsoft.com/office/powerpoint/2010/main" val="1798445071"/>
+      </p:ext>
+    </p:extLst>
+  </p:cSld>
+  <p:clrMapOvr>
+    <a:masterClrMapping/>
+  </p:clrMapOvr>
+</p:notes>
+</file>
+
+<file path=ppt/notesSlides/notesSlide3.xml><?xml version="1.0" encoding="utf-8"?>
+<p:notes xmlns:a="http://schemas.openxmlformats.org/drawingml/2006/main" xmlns:r="http://schemas.openxmlformats.org/officeDocument/2006/relationships" xmlns:p="http://schemas.openxmlformats.org/presentationml/2006/main">
+  <p:cSld>
+    <p:spTree>
+      <p:nvGrpSpPr>
+        <p:cNvPr id="1" name=""/>
+        <p:cNvGrpSpPr/>
+        <p:nvPr/>
+      </p:nvGrpSpPr>
+      <p:grpSpPr>
+        <a:xfrm>
+          <a:off x="0" y="0"/>
+          <a:ext cx="0" cy="0"/>
+          <a:chOff x="0" y="0"/>
+          <a:chExt cx="0" cy="0"/>
+        </a:xfrm>
+      </p:grpSpPr>
+      <p:sp>
+        <p:nvSpPr>
+          <p:cNvPr id="2" name="投影片影像版面配置區 1"/>
+          <p:cNvSpPr>
+            <a:spLocks noGrp="1" noRot="1" noChangeAspect="1"/>
+          </p:cNvSpPr>
+          <p:nvPr>
+            <p:ph type="sldImg"/>
+          </p:nvPr>
+        </p:nvSpPr>
+        <p:spPr/>
+      </p:sp>
+      <p:sp>
+        <p:nvSpPr>
+          <p:cNvPr id="3" name="備忘稿版面配置區 2"/>
+          <p:cNvSpPr>
+            <a:spLocks noGrp="1"/>
+          </p:cNvSpPr>
+          <p:nvPr>
+            <p:ph type="body" idx="1"/>
+          </p:nvPr>
+        </p:nvSpPr>
+        <p:spPr/>
+        <p:txBody>
+          <a:bodyPr/>
+          <a:lstStyle/>
+          <a:p>
+            <a:r>
+              <a:rPr kumimoji="1" lang="zh-TW" altLang="en-US" dirty="0" smtClean="0"/>
+              <a:t>＊字體變大</a:t>
+            </a:r>
+            <a:endParaRPr kumimoji="1" lang="zh-TW" altLang="en-US" dirty="0"/>
+          </a:p>
+        </p:txBody>
+      </p:sp>
+      <p:sp>
+        <p:nvSpPr>
+          <p:cNvPr id="4" name="投影片編號版面配置區 3"/>
+          <p:cNvSpPr>
+            <a:spLocks noGrp="1"/>
+          </p:cNvSpPr>
+          <p:nvPr>
+            <p:ph type="sldNum" sz="quarter" idx="10"/>
+          </p:nvPr>
+        </p:nvSpPr>
+        <p:spPr/>
+        <p:txBody>
+          <a:bodyPr/>
+          <a:lstStyle/>
+          <a:p>
+            <a:fld id="{6F9E9FB9-4D1E-4A88-8F87-B34AFE16905A}" type="slidenum">
+              <a:rPr lang="zh-TW" altLang="en-US" smtClean="0"/>
+              <a:pPr/>
+              <a:t>4</a:t>
+            </a:fld>
+            <a:endParaRPr lang="zh-TW" altLang="en-US"/>
+          </a:p>
+        </p:txBody>
+      </p:sp>
+    </p:spTree>
+    <p:extLst>
+      <p:ext uri="{BB962C8B-B14F-4D97-AF65-F5344CB8AC3E}">
+        <p14:creationId xmlns:p14="http://schemas.microsoft.com/office/powerpoint/2010/main" val="1798445071"/>
+      </p:ext>
+    </p:extLst>
+  </p:cSld>
+  <p:clrMapOvr>
+    <a:masterClrMapping/>
+  </p:clrMapOvr>
+</p:notes>
+</file>
+
+<file path=ppt/notesSlides/notesSlide4.xml><?xml version="1.0" encoding="utf-8"?>
+<p:notes xmlns:a="http://schemas.openxmlformats.org/drawingml/2006/main" xmlns:r="http://schemas.openxmlformats.org/officeDocument/2006/relationships" xmlns:p="http://schemas.openxmlformats.org/presentationml/2006/main">
+  <p:cSld>
+    <p:spTree>
+      <p:nvGrpSpPr>
+        <p:cNvPr id="1" name=""/>
+        <p:cNvGrpSpPr/>
+        <p:nvPr/>
+      </p:nvGrpSpPr>
+      <p:grpSpPr>
+        <a:xfrm>
+          <a:off x="0" y="0"/>
+          <a:ext cx="0" cy="0"/>
+          <a:chOff x="0" y="0"/>
+          <a:chExt cx="0" cy="0"/>
+        </a:xfrm>
+      </p:grpSpPr>
+      <p:sp>
+        <p:nvSpPr>
+          <p:cNvPr id="2" name="投影片影像版面配置區 1"/>
+          <p:cNvSpPr>
+            <a:spLocks noGrp="1" noRot="1" noChangeAspect="1"/>
+          </p:cNvSpPr>
+          <p:nvPr>
+            <p:ph type="sldImg"/>
+          </p:nvPr>
+        </p:nvSpPr>
+        <p:spPr/>
+      </p:sp>
+      <p:sp>
+        <p:nvSpPr>
+          <p:cNvPr id="3" name="備忘稿版面配置區 2"/>
+          <p:cNvSpPr>
+            <a:spLocks noGrp="1"/>
+          </p:cNvSpPr>
+          <p:nvPr>
+            <p:ph type="body" idx="1"/>
+          </p:nvPr>
+        </p:nvSpPr>
+        <p:spPr/>
+        <p:txBody>
+          <a:bodyPr/>
+          <a:lstStyle/>
+          <a:p>
+            <a:r>
+              <a:rPr kumimoji="1" lang="zh-TW" altLang="en-US" dirty="0" smtClean="0"/>
+              <a:t>＊字體變大</a:t>
+            </a:r>
+            <a:endParaRPr kumimoji="1" lang="zh-TW" altLang="en-US" dirty="0"/>
+          </a:p>
+        </p:txBody>
+      </p:sp>
+      <p:sp>
+        <p:nvSpPr>
+          <p:cNvPr id="4" name="投影片編號版面配置區 3"/>
+          <p:cNvSpPr>
+            <a:spLocks noGrp="1"/>
+          </p:cNvSpPr>
+          <p:nvPr>
+            <p:ph type="sldNum" sz="quarter" idx="10"/>
+          </p:nvPr>
+        </p:nvSpPr>
+        <p:spPr/>
+        <p:txBody>
+          <a:bodyPr/>
+          <a:lstStyle/>
+          <a:p>
+            <a:fld id="{6F9E9FB9-4D1E-4A88-8F87-B34AFE16905A}" type="slidenum">
+              <a:rPr lang="zh-TW" altLang="en-US" smtClean="0"/>
+              <a:pPr/>
+              <a:t>6</a:t>
+            </a:fld>
+            <a:endParaRPr lang="zh-TW" altLang="en-US"/>
+          </a:p>
+        </p:txBody>
+      </p:sp>
+    </p:spTree>
+    <p:extLst>
+      <p:ext uri="{BB962C8B-B14F-4D97-AF65-F5344CB8AC3E}">
+        <p14:creationId xmlns:p14="http://schemas.microsoft.com/office/powerpoint/2010/main" val="1374903620"/>
+      </p:ext>
+    </p:extLst>
+  </p:cSld>
+  <p:clrMapOvr>
+    <a:masterClrMapping/>
+  </p:clrMapOvr>
+</p:notes>
+</file>
+
 <file path=ppt/slideLayouts/slideLayout1.xml><?xml version="1.0" encoding="utf-8"?>
 <p:sldLayout xmlns:a="http://schemas.openxmlformats.org/drawingml/2006/main" xmlns:r="http://schemas.openxmlformats.org/officeDocument/2006/relationships" xmlns:p="http://schemas.openxmlformats.org/presentationml/2006/main" preserve="1" userDrawn="1">
   <p:cSld name="封面">
@@ -2088,7 +2444,7 @@
   </p:clrMapOvr>
   <p:extLst>
     <p:ext uri="{DCECCB84-F9BA-43D5-87BE-67443E8EF086}">
-      <p15:sldGuideLst xmlns:p15="http://schemas.microsoft.com/office/powerpoint/2012/main" xmlns="">
+      <p15:sldGuideLst xmlns="" xmlns:p15="http://schemas.microsoft.com/office/powerpoint/2012/main">
         <p15:guide id="1" orient="horz" pos="2160">
           <p15:clr>
             <a:srgbClr val="FBAE40"/>
@@ -3489,7 +3845,7 @@
           <p:cNvPr id="6" name="圖片 5">
             <a:extLst>
               <a:ext uri="{FF2B5EF4-FFF2-40B4-BE49-F238E27FC236}">
-                <a16:creationId xmlns:a16="http://schemas.microsoft.com/office/drawing/2014/main" xmlns="" id="{A38F83B7-CC73-4E3F-9287-CF590BE57B63}"/>
+                <a16:creationId xmlns="" xmlns:a16="http://schemas.microsoft.com/office/drawing/2014/main" id="{A38F83B7-CC73-4E3F-9287-CF590BE57B63}"/>
               </a:ext>
             </a:extLst>
           </p:cNvPr>
@@ -3551,7 +3907,7 @@
           <p:cNvPr id="7" name="群組 6">
             <a:extLst>
               <a:ext uri="{FF2B5EF4-FFF2-40B4-BE49-F238E27FC236}">
-                <a16:creationId xmlns:a16="http://schemas.microsoft.com/office/drawing/2014/main" xmlns="" id="{C165526D-DB92-4A98-9E03-1227F7138DBB}"/>
+                <a16:creationId xmlns="" xmlns:a16="http://schemas.microsoft.com/office/drawing/2014/main" id="{C165526D-DB92-4A98-9E03-1227F7138DBB}"/>
               </a:ext>
             </a:extLst>
           </p:cNvPr>
@@ -3571,7 +3927,7 @@
             <p:cNvPr id="8" name="圖片 7">
               <a:extLst>
                 <a:ext uri="{FF2B5EF4-FFF2-40B4-BE49-F238E27FC236}">
-                  <a16:creationId xmlns:a16="http://schemas.microsoft.com/office/drawing/2014/main" xmlns="" id="{15CFBFC1-A069-4FBC-A453-306DD6015A7E}"/>
+                  <a16:creationId xmlns="" xmlns:a16="http://schemas.microsoft.com/office/drawing/2014/main" id="{15CFBFC1-A069-4FBC-A453-306DD6015A7E}"/>
                 </a:ext>
               </a:extLst>
             </p:cNvPr>
@@ -3601,7 +3957,7 @@
             <p:cNvPr id="9" name="文字方塊 8">
               <a:extLst>
                 <a:ext uri="{FF2B5EF4-FFF2-40B4-BE49-F238E27FC236}">
-                  <a16:creationId xmlns:a16="http://schemas.microsoft.com/office/drawing/2014/main" xmlns="" id="{3DEC8BE7-DA71-4BDA-8CB8-33EEA10823B6}"/>
+                  <a16:creationId xmlns="" xmlns:a16="http://schemas.microsoft.com/office/drawing/2014/main" id="{3DEC8BE7-DA71-4BDA-8CB8-33EEA10823B6}"/>
                 </a:ext>
               </a:extLst>
             </p:cNvPr>
@@ -3651,7 +4007,7 @@
             <p:cNvPr id="10" name="矩形 9">
               <a:extLst>
                 <a:ext uri="{FF2B5EF4-FFF2-40B4-BE49-F238E27FC236}">
-                  <a16:creationId xmlns:a16="http://schemas.microsoft.com/office/drawing/2014/main" xmlns="" id="{0E2543E6-D835-43CF-8323-BB5950B7F5DC}"/>
+                  <a16:creationId xmlns="" xmlns:a16="http://schemas.microsoft.com/office/drawing/2014/main" id="{0E2543E6-D835-43CF-8323-BB5950B7F5DC}"/>
                 </a:ext>
               </a:extLst>
             </p:cNvPr>
@@ -3695,7 +4051,7 @@
             <p:cNvPr id="11" name="文字方塊 10">
               <a:extLst>
                 <a:ext uri="{FF2B5EF4-FFF2-40B4-BE49-F238E27FC236}">
-                  <a16:creationId xmlns:a16="http://schemas.microsoft.com/office/drawing/2014/main" xmlns="" id="{56E7BB63-E6A1-4E5D-BBDE-09FA7D686D38}"/>
+                  <a16:creationId xmlns="" xmlns:a16="http://schemas.microsoft.com/office/drawing/2014/main" id="{56E7BB63-E6A1-4E5D-BBDE-09FA7D686D38}"/>
                 </a:ext>
               </a:extLst>
             </p:cNvPr>
@@ -3744,7 +4100,7 @@
             <p:cNvPr id="12" name="文字方塊 11">
               <a:extLst>
                 <a:ext uri="{FF2B5EF4-FFF2-40B4-BE49-F238E27FC236}">
-                  <a16:creationId xmlns:a16="http://schemas.microsoft.com/office/drawing/2014/main" xmlns="" id="{66D811A0-564C-4DD2-8EB6-01EBFFC8B991}"/>
+                  <a16:creationId xmlns="" xmlns:a16="http://schemas.microsoft.com/office/drawing/2014/main" id="{66D811A0-564C-4DD2-8EB6-01EBFFC8B991}"/>
                 </a:ext>
               </a:extLst>
             </p:cNvPr>
@@ -3793,7 +4149,7 @@
             <p:cNvPr id="13" name="文字方塊 12">
               <a:extLst>
                 <a:ext uri="{FF2B5EF4-FFF2-40B4-BE49-F238E27FC236}">
-                  <a16:creationId xmlns:a16="http://schemas.microsoft.com/office/drawing/2014/main" xmlns="" id="{B589B725-0E0C-40CC-9549-C1BDEC14B51E}"/>
+                  <a16:creationId xmlns="" xmlns:a16="http://schemas.microsoft.com/office/drawing/2014/main" id="{B589B725-0E0C-40CC-9549-C1BDEC14B51E}"/>
                 </a:ext>
               </a:extLst>
             </p:cNvPr>
@@ -4180,6 +4536,1051 @@
       </p:grpSpPr>
       <p:sp>
         <p:nvSpPr>
+          <p:cNvPr id="5" name="標題 3"/>
+          <p:cNvSpPr txBox="1">
+            <a:spLocks/>
+          </p:cNvSpPr>
+          <p:nvPr/>
+        </p:nvSpPr>
+        <p:spPr>
+          <a:xfrm>
+            <a:off x="632520" y="548680"/>
+            <a:ext cx="8640960" cy="692696"/>
+          </a:xfrm>
+          <a:prstGeom prst="rect">
+            <a:avLst/>
+          </a:prstGeom>
+        </p:spPr>
+        <p:txBody>
+          <a:bodyPr vert="horz" lIns="91440" tIns="45720" rIns="91440" bIns="45720" rtlCol="0" anchor="ctr">
+            <a:normAutofit/>
+          </a:bodyPr>
+          <a:lstStyle>
+            <a:lvl1pPr algn="ctr" defTabSz="914400" rtl="0" eaLnBrk="1" latinLnBrk="0" hangingPunct="1">
+              <a:spcBef>
+                <a:spcPct val="0"/>
+              </a:spcBef>
+              <a:buNone/>
+              <a:defRPr lang="zh-TW" altLang="en-US" sz="3600" b="1" kern="1200" spc="300" dirty="0">
+                <a:solidFill>
+                  <a:srgbClr val="FFC000"/>
+                </a:solidFill>
+                <a:latin typeface="+mn-ea"/>
+                <a:ea typeface="+mn-ea"/>
+                <a:cs typeface="+mj-cs"/>
+              </a:defRPr>
+            </a:lvl1pPr>
+          </a:lstStyle>
+          <a:p>
+            <a:r>
+              <a:rPr lang="zh-TW" altLang="en-US" dirty="0" smtClean="0"/>
+              <a:t>技術要點</a:t>
+            </a:r>
+            <a:endParaRPr lang="en-US" altLang="zh-TW" dirty="0"/>
+          </a:p>
+        </p:txBody>
+      </p:sp>
+      <p:grpSp>
+        <p:nvGrpSpPr>
+          <p:cNvPr id="99" name="群組 98"/>
+          <p:cNvGrpSpPr/>
+          <p:nvPr/>
+        </p:nvGrpSpPr>
+        <p:grpSpPr>
+          <a:xfrm>
+            <a:off x="1384470" y="1628800"/>
+            <a:ext cx="7137059" cy="3968021"/>
+            <a:chOff x="912285" y="1664804"/>
+            <a:chExt cx="8081429" cy="4493066"/>
+          </a:xfrm>
+        </p:grpSpPr>
+        <p:sp>
+          <p:nvSpPr>
+            <p:cNvPr id="6" name="Google Shape;134;p5"/>
+            <p:cNvSpPr/>
+            <p:nvPr/>
+          </p:nvSpPr>
+          <p:spPr>
+            <a:xfrm>
+              <a:off x="4021106" y="3590424"/>
+              <a:ext cx="1903095" cy="634365"/>
+            </a:xfrm>
+            <a:prstGeom prst="roundRect">
+              <a:avLst/>
+            </a:prstGeom>
+            <a:solidFill>
+              <a:schemeClr val="accent4"/>
+            </a:solidFill>
+            <a:ln w="28575">
+              <a:solidFill>
+                <a:schemeClr val="accent4"/>
+              </a:solidFill>
+            </a:ln>
+          </p:spPr>
+          <p:txBody>
+            <a:bodyPr spcFirstLastPara="1" wrap="square" lIns="91425" tIns="45700" rIns="91425" bIns="45700" anchor="ctr" anchorCtr="0">
+              <a:noAutofit/>
+            </a:bodyPr>
+            <a:lstStyle/>
+            <a:p>
+              <a:pPr marL="0" marR="0" lvl="0" indent="0" algn="ctr" rtl="0">
+                <a:spcBef>
+                  <a:spcPts val="0"/>
+                </a:spcBef>
+                <a:spcAft>
+                  <a:spcPts val="0"/>
+                </a:spcAft>
+                <a:buNone/>
+              </a:pPr>
+              <a:r>
+                <a:rPr lang="zh-TW" altLang="en-US" b="1" dirty="0" smtClean="0">
+                  <a:solidFill>
+                    <a:srgbClr val="292929"/>
+                  </a:solidFill>
+                  <a:latin typeface="Microsoft JhengHei"/>
+                  <a:ea typeface="Microsoft JhengHei"/>
+                  <a:cs typeface="Microsoft JhengHei"/>
+                  <a:sym typeface="Microsoft JhengHei"/>
+                </a:rPr>
+                <a:t>技術要點</a:t>
+              </a:r>
+              <a:endParaRPr dirty="0">
+                <a:solidFill>
+                  <a:srgbClr val="292929"/>
+                </a:solidFill>
+              </a:endParaRPr>
+            </a:p>
+          </p:txBody>
+        </p:sp>
+        <p:sp>
+          <p:nvSpPr>
+            <p:cNvPr id="7" name="Google Shape;134;p5"/>
+            <p:cNvSpPr>
+              <a:spLocks noChangeAspect="1"/>
+            </p:cNvSpPr>
+            <p:nvPr/>
+          </p:nvSpPr>
+          <p:spPr>
+            <a:xfrm>
+              <a:off x="912285" y="1680171"/>
+              <a:ext cx="1903095" cy="613853"/>
+            </a:xfrm>
+            <a:prstGeom prst="roundRect">
+              <a:avLst/>
+            </a:prstGeom>
+            <a:noFill/>
+            <a:ln w="28575">
+              <a:solidFill>
+                <a:schemeClr val="accent4"/>
+              </a:solidFill>
+            </a:ln>
+          </p:spPr>
+          <p:txBody>
+            <a:bodyPr spcFirstLastPara="1" wrap="square" lIns="91425" tIns="45700" rIns="91425" bIns="45700" anchor="ctr" anchorCtr="0">
+              <a:noAutofit/>
+            </a:bodyPr>
+            <a:lstStyle/>
+            <a:p>
+              <a:pPr marL="0" marR="0" lvl="0" indent="0" algn="ctr" rtl="0">
+                <a:spcBef>
+                  <a:spcPts val="0"/>
+                </a:spcBef>
+                <a:spcAft>
+                  <a:spcPts val="0"/>
+                </a:spcAft>
+                <a:buNone/>
+              </a:pPr>
+              <a:r>
+                <a:rPr lang="en-US" b="1" dirty="0" smtClean="0">
+                  <a:solidFill>
+                    <a:schemeClr val="bg1"/>
+                  </a:solidFill>
+                  <a:latin typeface="Microsoft JhengHei"/>
+                  <a:ea typeface="Microsoft JhengHei"/>
+                  <a:cs typeface="Microsoft JhengHei"/>
+                  <a:sym typeface="Microsoft JhengHei"/>
+                </a:rPr>
+                <a:t>UI</a:t>
+              </a:r>
+              <a:r>
+                <a:rPr lang="zh-TW" altLang="en-US" b="1" dirty="0" smtClean="0">
+                  <a:solidFill>
+                    <a:schemeClr val="bg1"/>
+                  </a:solidFill>
+                  <a:latin typeface="Microsoft JhengHei"/>
+                  <a:ea typeface="Microsoft JhengHei"/>
+                  <a:cs typeface="Microsoft JhengHei"/>
+                  <a:sym typeface="Microsoft JhengHei"/>
+                </a:rPr>
+                <a:t>、配色</a:t>
+              </a:r>
+              <a:endParaRPr dirty="0">
+                <a:solidFill>
+                  <a:schemeClr val="bg1"/>
+                </a:solidFill>
+              </a:endParaRPr>
+            </a:p>
+          </p:txBody>
+        </p:sp>
+        <p:cxnSp>
+          <p:nvCxnSpPr>
+            <p:cNvPr id="14" name="肘形接點 13"/>
+            <p:cNvCxnSpPr>
+              <a:stCxn id="6" idx="1"/>
+              <a:endCxn id="7" idx="3"/>
+            </p:cNvCxnSpPr>
+            <p:nvPr/>
+          </p:nvCxnSpPr>
+          <p:spPr>
+            <a:xfrm rot="10800000">
+              <a:off x="2815380" y="1987099"/>
+              <a:ext cx="1205726" cy="1920509"/>
+            </a:xfrm>
+            <a:prstGeom prst="bentConnector3">
+              <a:avLst>
+                <a:gd name="adj1" fmla="val 50000"/>
+              </a:avLst>
+            </a:prstGeom>
+            <a:ln w="19050">
+              <a:tailEnd type="triangle"/>
+            </a:ln>
+          </p:spPr>
+          <p:style>
+            <a:lnRef idx="1">
+              <a:schemeClr val="accent1"/>
+            </a:lnRef>
+            <a:fillRef idx="0">
+              <a:schemeClr val="accent1"/>
+            </a:fillRef>
+            <a:effectRef idx="0">
+              <a:schemeClr val="accent1"/>
+            </a:effectRef>
+            <a:fontRef idx="minor">
+              <a:schemeClr val="tx1"/>
+            </a:fontRef>
+          </p:style>
+        </p:cxnSp>
+        <p:sp>
+          <p:nvSpPr>
+            <p:cNvPr id="15" name="Google Shape;134;p5"/>
+            <p:cNvSpPr/>
+            <p:nvPr/>
+          </p:nvSpPr>
+          <p:spPr>
+            <a:xfrm>
+              <a:off x="912293" y="2644846"/>
+              <a:ext cx="1903095" cy="634365"/>
+            </a:xfrm>
+            <a:prstGeom prst="roundRect">
+              <a:avLst/>
+            </a:prstGeom>
+            <a:noFill/>
+            <a:ln w="28575">
+              <a:solidFill>
+                <a:schemeClr val="accent4"/>
+              </a:solidFill>
+            </a:ln>
+          </p:spPr>
+          <p:txBody>
+            <a:bodyPr spcFirstLastPara="1" wrap="square" lIns="91425" tIns="45700" rIns="91425" bIns="45700" anchor="ctr" anchorCtr="0">
+              <a:noAutofit/>
+            </a:bodyPr>
+            <a:lstStyle/>
+            <a:p>
+              <a:pPr lvl="0" algn="ctr"/>
+              <a:r>
+                <a:rPr lang="zh-TW" altLang="en-US" b="1" dirty="0">
+                  <a:solidFill>
+                    <a:schemeClr val="bg1"/>
+                  </a:solidFill>
+                  <a:latin typeface="Microsoft JhengHei"/>
+                  <a:ea typeface="Microsoft JhengHei"/>
+                  <a:cs typeface="Microsoft JhengHei"/>
+                  <a:sym typeface="Microsoft JhengHei"/>
+                </a:rPr>
+                <a:t>搜尋、輪播</a:t>
+              </a:r>
+              <a:endParaRPr lang="zh-TW" altLang="en-US" dirty="0">
+                <a:solidFill>
+                  <a:schemeClr val="bg1"/>
+                </a:solidFill>
+              </a:endParaRPr>
+            </a:p>
+          </p:txBody>
+        </p:sp>
+        <p:cxnSp>
+          <p:nvCxnSpPr>
+            <p:cNvPr id="16" name="肘形接點 15"/>
+            <p:cNvCxnSpPr>
+              <a:stCxn id="6" idx="1"/>
+            </p:cNvCxnSpPr>
+            <p:nvPr/>
+          </p:nvCxnSpPr>
+          <p:spPr>
+            <a:xfrm rot="10800000">
+              <a:off x="2815390" y="2962029"/>
+              <a:ext cx="1205717" cy="945578"/>
+            </a:xfrm>
+            <a:prstGeom prst="bentConnector3">
+              <a:avLst/>
+            </a:prstGeom>
+            <a:ln w="19050">
+              <a:tailEnd type="triangle"/>
+            </a:ln>
+          </p:spPr>
+          <p:style>
+            <a:lnRef idx="1">
+              <a:schemeClr val="accent1"/>
+            </a:lnRef>
+            <a:fillRef idx="0">
+              <a:schemeClr val="accent1"/>
+            </a:fillRef>
+            <a:effectRef idx="0">
+              <a:schemeClr val="accent1"/>
+            </a:effectRef>
+            <a:fontRef idx="minor">
+              <a:schemeClr val="tx1"/>
+            </a:fontRef>
+          </p:style>
+        </p:cxnSp>
+        <p:sp>
+          <p:nvSpPr>
+            <p:cNvPr id="19" name="Google Shape;134;p5"/>
+            <p:cNvSpPr/>
+            <p:nvPr/>
+          </p:nvSpPr>
+          <p:spPr>
+            <a:xfrm>
+              <a:off x="912293" y="3594153"/>
+              <a:ext cx="1903095" cy="634365"/>
+            </a:xfrm>
+            <a:prstGeom prst="roundRect">
+              <a:avLst/>
+            </a:prstGeom>
+            <a:noFill/>
+            <a:ln w="28575">
+              <a:solidFill>
+                <a:schemeClr val="accent4"/>
+              </a:solidFill>
+            </a:ln>
+          </p:spPr>
+          <p:txBody>
+            <a:bodyPr spcFirstLastPara="1" wrap="square" lIns="91425" tIns="45700" rIns="91425" bIns="45700" anchor="ctr" anchorCtr="0">
+              <a:noAutofit/>
+            </a:bodyPr>
+            <a:lstStyle/>
+            <a:p>
+              <a:pPr lvl="0" algn="ctr"/>
+              <a:r>
+                <a:rPr lang="zh-TW" altLang="en-US" b="1" dirty="0">
+                  <a:solidFill>
+                    <a:schemeClr val="bg1"/>
+                  </a:solidFill>
+                  <a:latin typeface="Microsoft JhengHei"/>
+                  <a:ea typeface="Microsoft JhengHei"/>
+                  <a:cs typeface="Microsoft JhengHei"/>
+                  <a:sym typeface="Microsoft JhengHei"/>
+                </a:rPr>
+                <a:t>切分頁</a:t>
+              </a:r>
+              <a:endParaRPr lang="zh-TW" altLang="en-US" dirty="0">
+                <a:solidFill>
+                  <a:schemeClr val="bg1"/>
+                </a:solidFill>
+              </a:endParaRPr>
+            </a:p>
+          </p:txBody>
+        </p:sp>
+        <p:cxnSp>
+          <p:nvCxnSpPr>
+            <p:cNvPr id="26" name="肘形接點 25"/>
+            <p:cNvCxnSpPr>
+              <a:stCxn id="6" idx="1"/>
+            </p:cNvCxnSpPr>
+            <p:nvPr/>
+          </p:nvCxnSpPr>
+          <p:spPr>
+            <a:xfrm rot="10800000" flipV="1">
+              <a:off x="2815390" y="3907607"/>
+              <a:ext cx="1205717" cy="3728"/>
+            </a:xfrm>
+            <a:prstGeom prst="bentConnector3">
+              <a:avLst/>
+            </a:prstGeom>
+            <a:ln w="19050">
+              <a:tailEnd type="triangle"/>
+            </a:ln>
+          </p:spPr>
+          <p:style>
+            <a:lnRef idx="1">
+              <a:schemeClr val="accent1"/>
+            </a:lnRef>
+            <a:fillRef idx="0">
+              <a:schemeClr val="accent1"/>
+            </a:fillRef>
+            <a:effectRef idx="0">
+              <a:schemeClr val="accent1"/>
+            </a:effectRef>
+            <a:fontRef idx="minor">
+              <a:schemeClr val="tx1"/>
+            </a:fontRef>
+          </p:style>
+        </p:cxnSp>
+        <p:sp>
+          <p:nvSpPr>
+            <p:cNvPr id="29" name="Google Shape;134;p5"/>
+            <p:cNvSpPr/>
+            <p:nvPr/>
+          </p:nvSpPr>
+          <p:spPr>
+            <a:xfrm>
+              <a:off x="912293" y="4558830"/>
+              <a:ext cx="1903095" cy="634365"/>
+            </a:xfrm>
+            <a:prstGeom prst="roundRect">
+              <a:avLst/>
+            </a:prstGeom>
+            <a:noFill/>
+            <a:ln w="28575">
+              <a:solidFill>
+                <a:schemeClr val="accent4"/>
+              </a:solidFill>
+            </a:ln>
+          </p:spPr>
+          <p:txBody>
+            <a:bodyPr spcFirstLastPara="1" wrap="square" lIns="91425" tIns="45700" rIns="91425" bIns="45700" anchor="ctr" anchorCtr="0">
+              <a:noAutofit/>
+            </a:bodyPr>
+            <a:lstStyle/>
+            <a:p>
+              <a:pPr lvl="0" algn="ctr"/>
+              <a:r>
+                <a:rPr lang="zh-TW" altLang="en-US" b="1" dirty="0">
+                  <a:solidFill>
+                    <a:schemeClr val="bg1"/>
+                  </a:solidFill>
+                  <a:latin typeface="Microsoft JhengHei"/>
+                  <a:ea typeface="Microsoft JhengHei"/>
+                  <a:cs typeface="Microsoft JhengHei"/>
+                  <a:sym typeface="Microsoft JhengHei"/>
+                </a:rPr>
+                <a:t>登入、註冊</a:t>
+              </a:r>
+              <a:endParaRPr lang="zh-TW" altLang="en-US" dirty="0">
+                <a:solidFill>
+                  <a:schemeClr val="bg1"/>
+                </a:solidFill>
+              </a:endParaRPr>
+            </a:p>
+          </p:txBody>
+        </p:sp>
+        <p:cxnSp>
+          <p:nvCxnSpPr>
+            <p:cNvPr id="31" name="肘形接點 30"/>
+            <p:cNvCxnSpPr>
+              <a:stCxn id="6" idx="1"/>
+            </p:cNvCxnSpPr>
+            <p:nvPr/>
+          </p:nvCxnSpPr>
+          <p:spPr>
+            <a:xfrm rot="10800000" flipV="1">
+              <a:off x="2815390" y="3907606"/>
+              <a:ext cx="1205717" cy="968405"/>
+            </a:xfrm>
+            <a:prstGeom prst="bentConnector3">
+              <a:avLst/>
+            </a:prstGeom>
+            <a:ln w="19050">
+              <a:tailEnd type="triangle"/>
+            </a:ln>
+          </p:spPr>
+          <p:style>
+            <a:lnRef idx="1">
+              <a:schemeClr val="accent1"/>
+            </a:lnRef>
+            <a:fillRef idx="0">
+              <a:schemeClr val="accent1"/>
+            </a:fillRef>
+            <a:effectRef idx="0">
+              <a:schemeClr val="accent1"/>
+            </a:effectRef>
+            <a:fontRef idx="minor">
+              <a:schemeClr val="tx1"/>
+            </a:fontRef>
+          </p:style>
+        </p:cxnSp>
+        <p:sp>
+          <p:nvSpPr>
+            <p:cNvPr id="42" name="Google Shape;134;p5"/>
+            <p:cNvSpPr/>
+            <p:nvPr/>
+          </p:nvSpPr>
+          <p:spPr>
+            <a:xfrm>
+              <a:off x="7090619" y="1664804"/>
+              <a:ext cx="1903095" cy="634365"/>
+            </a:xfrm>
+            <a:prstGeom prst="roundRect">
+              <a:avLst/>
+            </a:prstGeom>
+            <a:noFill/>
+            <a:ln w="28575">
+              <a:solidFill>
+                <a:schemeClr val="accent4"/>
+              </a:solidFill>
+            </a:ln>
+          </p:spPr>
+          <p:txBody>
+            <a:bodyPr spcFirstLastPara="1" wrap="square" lIns="91425" tIns="45700" rIns="91425" bIns="45700" anchor="ctr" anchorCtr="0">
+              <a:noAutofit/>
+            </a:bodyPr>
+            <a:lstStyle/>
+            <a:p>
+              <a:pPr marL="0" marR="0" lvl="0" indent="0" algn="ctr" rtl="0">
+                <a:spcBef>
+                  <a:spcPts val="0"/>
+                </a:spcBef>
+                <a:spcAft>
+                  <a:spcPts val="0"/>
+                </a:spcAft>
+                <a:buNone/>
+              </a:pPr>
+              <a:r>
+                <a:rPr lang="zh-TW" altLang="en-US" b="1" dirty="0" smtClean="0">
+                  <a:solidFill>
+                    <a:schemeClr val="bg1"/>
+                  </a:solidFill>
+                  <a:latin typeface="Microsoft JhengHei"/>
+                  <a:ea typeface="Microsoft JhengHei"/>
+                  <a:cs typeface="Microsoft JhengHei"/>
+                  <a:sym typeface="Microsoft JhengHei"/>
+                </a:rPr>
+                <a:t>購物車</a:t>
+              </a:r>
+              <a:endParaRPr dirty="0">
+                <a:solidFill>
+                  <a:schemeClr val="bg1"/>
+                </a:solidFill>
+              </a:endParaRPr>
+            </a:p>
+          </p:txBody>
+        </p:sp>
+        <p:sp>
+          <p:nvSpPr>
+            <p:cNvPr id="44" name="Google Shape;134;p5"/>
+            <p:cNvSpPr/>
+            <p:nvPr/>
+          </p:nvSpPr>
+          <p:spPr>
+            <a:xfrm>
+              <a:off x="7089098" y="3594155"/>
+              <a:ext cx="1903095" cy="634365"/>
+            </a:xfrm>
+            <a:prstGeom prst="roundRect">
+              <a:avLst/>
+            </a:prstGeom>
+            <a:noFill/>
+            <a:ln w="28575">
+              <a:solidFill>
+                <a:schemeClr val="accent4"/>
+              </a:solidFill>
+            </a:ln>
+          </p:spPr>
+          <p:txBody>
+            <a:bodyPr spcFirstLastPara="1" wrap="square" lIns="91425" tIns="45700" rIns="91425" bIns="45700" anchor="ctr" anchorCtr="0">
+              <a:noAutofit/>
+            </a:bodyPr>
+            <a:lstStyle/>
+            <a:p>
+              <a:pPr lvl="0" algn="ctr"/>
+              <a:r>
+                <a:rPr lang="zh-TW" altLang="en-US" b="1" dirty="0">
+                  <a:solidFill>
+                    <a:schemeClr val="bg1"/>
+                  </a:solidFill>
+                  <a:latin typeface="Microsoft JhengHei"/>
+                  <a:ea typeface="Microsoft JhengHei"/>
+                  <a:cs typeface="Microsoft JhengHei"/>
+                  <a:sym typeface="Microsoft JhengHei"/>
+                </a:rPr>
+                <a:t>畫面渲染</a:t>
+              </a:r>
+              <a:endParaRPr lang="zh-TW" altLang="en-US" dirty="0">
+                <a:solidFill>
+                  <a:schemeClr val="bg1"/>
+                </a:solidFill>
+              </a:endParaRPr>
+            </a:p>
+          </p:txBody>
+        </p:sp>
+        <p:cxnSp>
+          <p:nvCxnSpPr>
+            <p:cNvPr id="45" name="肘形接點 44"/>
+            <p:cNvCxnSpPr>
+              <a:stCxn id="6" idx="3"/>
+              <a:endCxn id="42" idx="1"/>
+            </p:cNvCxnSpPr>
+            <p:nvPr/>
+          </p:nvCxnSpPr>
+          <p:spPr>
+            <a:xfrm flipV="1">
+              <a:off x="5924201" y="1981987"/>
+              <a:ext cx="1166418" cy="1925620"/>
+            </a:xfrm>
+            <a:prstGeom prst="bentConnector3">
+              <a:avLst>
+                <a:gd name="adj1" fmla="val 50000"/>
+              </a:avLst>
+            </a:prstGeom>
+            <a:ln w="19050">
+              <a:tailEnd type="triangle"/>
+            </a:ln>
+          </p:spPr>
+          <p:style>
+            <a:lnRef idx="1">
+              <a:schemeClr val="accent1"/>
+            </a:lnRef>
+            <a:fillRef idx="0">
+              <a:schemeClr val="accent1"/>
+            </a:fillRef>
+            <a:effectRef idx="0">
+              <a:schemeClr val="accent1"/>
+            </a:effectRef>
+            <a:fontRef idx="minor">
+              <a:schemeClr val="tx1"/>
+            </a:fontRef>
+          </p:style>
+        </p:cxnSp>
+        <p:cxnSp>
+          <p:nvCxnSpPr>
+            <p:cNvPr id="48" name="肘形接點 47"/>
+            <p:cNvCxnSpPr>
+              <a:stCxn id="6" idx="3"/>
+            </p:cNvCxnSpPr>
+            <p:nvPr/>
+          </p:nvCxnSpPr>
+          <p:spPr>
+            <a:xfrm flipV="1">
+              <a:off x="5924201" y="2946663"/>
+              <a:ext cx="1164897" cy="960944"/>
+            </a:xfrm>
+            <a:prstGeom prst="bentConnector3">
+              <a:avLst>
+                <a:gd name="adj1" fmla="val 50000"/>
+              </a:avLst>
+            </a:prstGeom>
+            <a:ln w="19050">
+              <a:tailEnd type="triangle"/>
+            </a:ln>
+          </p:spPr>
+          <p:style>
+            <a:lnRef idx="1">
+              <a:schemeClr val="accent1"/>
+            </a:lnRef>
+            <a:fillRef idx="0">
+              <a:schemeClr val="accent1"/>
+            </a:fillRef>
+            <a:effectRef idx="0">
+              <a:schemeClr val="accent1"/>
+            </a:effectRef>
+            <a:fontRef idx="minor">
+              <a:schemeClr val="tx1"/>
+            </a:fontRef>
+          </p:style>
+        </p:cxnSp>
+        <p:cxnSp>
+          <p:nvCxnSpPr>
+            <p:cNvPr id="51" name="肘形接點 50"/>
+            <p:cNvCxnSpPr>
+              <a:stCxn id="6" idx="3"/>
+            </p:cNvCxnSpPr>
+            <p:nvPr/>
+          </p:nvCxnSpPr>
+          <p:spPr>
+            <a:xfrm>
+              <a:off x="5924201" y="3907607"/>
+              <a:ext cx="1164897" cy="3730"/>
+            </a:xfrm>
+            <a:prstGeom prst="bentConnector3">
+              <a:avLst>
+                <a:gd name="adj1" fmla="val 50000"/>
+              </a:avLst>
+            </a:prstGeom>
+            <a:ln w="19050">
+              <a:tailEnd type="triangle"/>
+            </a:ln>
+          </p:spPr>
+          <p:style>
+            <a:lnRef idx="1">
+              <a:schemeClr val="accent1"/>
+            </a:lnRef>
+            <a:fillRef idx="0">
+              <a:schemeClr val="accent1"/>
+            </a:fillRef>
+            <a:effectRef idx="0">
+              <a:schemeClr val="accent1"/>
+            </a:effectRef>
+            <a:fontRef idx="minor">
+              <a:schemeClr val="tx1"/>
+            </a:fontRef>
+          </p:style>
+        </p:cxnSp>
+        <p:sp>
+          <p:nvSpPr>
+            <p:cNvPr id="57" name="Google Shape;134;p5"/>
+            <p:cNvSpPr/>
+            <p:nvPr/>
+          </p:nvSpPr>
+          <p:spPr>
+            <a:xfrm>
+              <a:off x="7066396" y="4558830"/>
+              <a:ext cx="1903095" cy="634365"/>
+            </a:xfrm>
+            <a:prstGeom prst="roundRect">
+              <a:avLst/>
+            </a:prstGeom>
+            <a:noFill/>
+            <a:ln w="28575">
+              <a:solidFill>
+                <a:schemeClr val="accent4"/>
+              </a:solidFill>
+            </a:ln>
+          </p:spPr>
+          <p:txBody>
+            <a:bodyPr spcFirstLastPara="1" wrap="square" lIns="91425" tIns="45700" rIns="91425" bIns="45700" anchor="ctr" anchorCtr="0">
+              <a:noAutofit/>
+            </a:bodyPr>
+            <a:lstStyle/>
+            <a:p>
+              <a:pPr lvl="0" algn="ctr"/>
+              <a:r>
+                <a:rPr lang="zh-TW" altLang="en-US" b="1" dirty="0" smtClean="0">
+                  <a:solidFill>
+                    <a:schemeClr val="bg1"/>
+                  </a:solidFill>
+                  <a:latin typeface="Microsoft JhengHei"/>
+                  <a:ea typeface="Microsoft JhengHei"/>
+                  <a:cs typeface="Microsoft JhengHei"/>
+                  <a:sym typeface="Microsoft JhengHei"/>
+                </a:rPr>
+                <a:t>指定路由</a:t>
+              </a:r>
+              <a:endParaRPr lang="zh-TW" altLang="en-US" dirty="0">
+                <a:solidFill>
+                  <a:schemeClr val="bg1"/>
+                </a:solidFill>
+              </a:endParaRPr>
+            </a:p>
+          </p:txBody>
+        </p:sp>
+        <p:cxnSp>
+          <p:nvCxnSpPr>
+            <p:cNvPr id="58" name="肘形接點 57"/>
+            <p:cNvCxnSpPr>
+              <a:stCxn id="6" idx="3"/>
+            </p:cNvCxnSpPr>
+            <p:nvPr/>
+          </p:nvCxnSpPr>
+          <p:spPr>
+            <a:xfrm>
+              <a:off x="5924201" y="3907607"/>
+              <a:ext cx="1142195" cy="968406"/>
+            </a:xfrm>
+            <a:prstGeom prst="bentConnector3">
+              <a:avLst>
+                <a:gd name="adj1" fmla="val 50000"/>
+              </a:avLst>
+            </a:prstGeom>
+            <a:ln w="19050">
+              <a:tailEnd type="triangle"/>
+            </a:ln>
+          </p:spPr>
+          <p:style>
+            <a:lnRef idx="1">
+              <a:schemeClr val="accent1"/>
+            </a:lnRef>
+            <a:fillRef idx="0">
+              <a:schemeClr val="accent1"/>
+            </a:fillRef>
+            <a:effectRef idx="0">
+              <a:schemeClr val="accent1"/>
+            </a:effectRef>
+            <a:fontRef idx="minor">
+              <a:schemeClr val="tx1"/>
+            </a:fontRef>
+          </p:style>
+        </p:cxnSp>
+        <p:sp>
+          <p:nvSpPr>
+            <p:cNvPr id="74" name="Google Shape;134;p5"/>
+            <p:cNvSpPr/>
+            <p:nvPr/>
+          </p:nvSpPr>
+          <p:spPr>
+            <a:xfrm>
+              <a:off x="7066396" y="5523505"/>
+              <a:ext cx="1903095" cy="634365"/>
+            </a:xfrm>
+            <a:prstGeom prst="roundRect">
+              <a:avLst/>
+            </a:prstGeom>
+            <a:noFill/>
+            <a:ln w="28575">
+              <a:solidFill>
+                <a:schemeClr val="accent4"/>
+              </a:solidFill>
+            </a:ln>
+          </p:spPr>
+          <p:txBody>
+            <a:bodyPr spcFirstLastPara="1" wrap="square" lIns="91425" tIns="45700" rIns="91425" bIns="45700" anchor="ctr" anchorCtr="0">
+              <a:noAutofit/>
+            </a:bodyPr>
+            <a:lstStyle/>
+            <a:p>
+              <a:pPr marL="0" marR="0" lvl="0" indent="0" algn="ctr" rtl="0">
+                <a:spcBef>
+                  <a:spcPts val="0"/>
+                </a:spcBef>
+                <a:spcAft>
+                  <a:spcPts val="0"/>
+                </a:spcAft>
+                <a:buNone/>
+              </a:pPr>
+              <a:r>
+                <a:rPr lang="zh-TW" altLang="en-US" b="1" dirty="0" smtClean="0">
+                  <a:solidFill>
+                    <a:schemeClr val="bg1"/>
+                  </a:solidFill>
+                  <a:latin typeface="Microsoft JhengHei"/>
+                  <a:ea typeface="Microsoft JhengHei"/>
+                  <a:cs typeface="Microsoft JhengHei"/>
+                  <a:sym typeface="Microsoft JhengHei"/>
+                </a:rPr>
+                <a:t>統計圖表</a:t>
+              </a:r>
+              <a:endParaRPr dirty="0">
+                <a:solidFill>
+                  <a:schemeClr val="bg1"/>
+                </a:solidFill>
+              </a:endParaRPr>
+            </a:p>
+          </p:txBody>
+        </p:sp>
+        <p:cxnSp>
+          <p:nvCxnSpPr>
+            <p:cNvPr id="75" name="肘形接點 74"/>
+            <p:cNvCxnSpPr>
+              <a:stCxn id="6" idx="3"/>
+              <a:endCxn id="74" idx="1"/>
+            </p:cNvCxnSpPr>
+            <p:nvPr/>
+          </p:nvCxnSpPr>
+          <p:spPr>
+            <a:xfrm>
+              <a:off x="5924201" y="3907607"/>
+              <a:ext cx="1142195" cy="1933081"/>
+            </a:xfrm>
+            <a:prstGeom prst="bentConnector3">
+              <a:avLst>
+                <a:gd name="adj1" fmla="val 50000"/>
+              </a:avLst>
+            </a:prstGeom>
+            <a:ln w="19050">
+              <a:tailEnd type="triangle"/>
+            </a:ln>
+          </p:spPr>
+          <p:style>
+            <a:lnRef idx="1">
+              <a:schemeClr val="accent1"/>
+            </a:lnRef>
+            <a:fillRef idx="0">
+              <a:schemeClr val="accent1"/>
+            </a:fillRef>
+            <a:effectRef idx="0">
+              <a:schemeClr val="accent1"/>
+            </a:effectRef>
+            <a:fontRef idx="minor">
+              <a:schemeClr val="tx1"/>
+            </a:fontRef>
+          </p:style>
+        </p:cxnSp>
+        <p:sp>
+          <p:nvSpPr>
+            <p:cNvPr id="78" name="Google Shape;134;p5"/>
+            <p:cNvSpPr/>
+            <p:nvPr/>
+          </p:nvSpPr>
+          <p:spPr>
+            <a:xfrm>
+              <a:off x="912285" y="5502918"/>
+              <a:ext cx="1903095" cy="634365"/>
+            </a:xfrm>
+            <a:prstGeom prst="roundRect">
+              <a:avLst/>
+            </a:prstGeom>
+            <a:noFill/>
+            <a:ln w="28575">
+              <a:solidFill>
+                <a:schemeClr val="accent4"/>
+              </a:solidFill>
+            </a:ln>
+          </p:spPr>
+          <p:txBody>
+            <a:bodyPr spcFirstLastPara="1" wrap="square" lIns="91425" tIns="45700" rIns="91425" bIns="45700" anchor="ctr" anchorCtr="0">
+              <a:noAutofit/>
+            </a:bodyPr>
+            <a:lstStyle/>
+            <a:p>
+              <a:pPr marL="0" marR="0" lvl="0" indent="0" algn="ctr" rtl="0">
+                <a:spcBef>
+                  <a:spcPts val="0"/>
+                </a:spcBef>
+                <a:spcAft>
+                  <a:spcPts val="0"/>
+                </a:spcAft>
+                <a:buNone/>
+              </a:pPr>
+              <a:r>
+                <a:rPr lang="zh-TW" altLang="en-US" b="1" dirty="0" smtClean="0">
+                  <a:solidFill>
+                    <a:schemeClr val="bg1"/>
+                  </a:solidFill>
+                  <a:latin typeface="Microsoft JhengHei"/>
+                  <a:ea typeface="Microsoft JhengHei"/>
+                  <a:cs typeface="Microsoft JhengHei"/>
+                  <a:sym typeface="Microsoft JhengHei"/>
+                </a:rPr>
+                <a:t>會員資料</a:t>
+              </a:r>
+              <a:endParaRPr dirty="0">
+                <a:solidFill>
+                  <a:schemeClr val="bg1"/>
+                </a:solidFill>
+              </a:endParaRPr>
+            </a:p>
+          </p:txBody>
+        </p:sp>
+        <p:cxnSp>
+          <p:nvCxnSpPr>
+            <p:cNvPr id="80" name="肘形接點 79"/>
+            <p:cNvCxnSpPr>
+              <a:stCxn id="6" idx="1"/>
+              <a:endCxn id="78" idx="3"/>
+            </p:cNvCxnSpPr>
+            <p:nvPr/>
+          </p:nvCxnSpPr>
+          <p:spPr>
+            <a:xfrm rot="10800000" flipV="1">
+              <a:off x="2815380" y="3907607"/>
+              <a:ext cx="1205726" cy="1912494"/>
+            </a:xfrm>
+            <a:prstGeom prst="bentConnector3">
+              <a:avLst>
+                <a:gd name="adj1" fmla="val 50000"/>
+              </a:avLst>
+            </a:prstGeom>
+            <a:ln w="19050">
+              <a:tailEnd type="triangle"/>
+            </a:ln>
+          </p:spPr>
+          <p:style>
+            <a:lnRef idx="1">
+              <a:schemeClr val="accent1"/>
+            </a:lnRef>
+            <a:fillRef idx="0">
+              <a:schemeClr val="accent1"/>
+            </a:fillRef>
+            <a:effectRef idx="0">
+              <a:schemeClr val="accent1"/>
+            </a:effectRef>
+            <a:fontRef idx="minor">
+              <a:schemeClr val="tx1"/>
+            </a:fontRef>
+          </p:style>
+        </p:cxnSp>
+      </p:grpSp>
+      <p:sp>
+        <p:nvSpPr>
+          <p:cNvPr id="25" name="Google Shape;134;p5"/>
+          <p:cNvSpPr/>
+          <p:nvPr/>
+        </p:nvSpPr>
+        <p:spPr>
+          <a:xfrm>
+            <a:off x="6819430" y="2494318"/>
+            <a:ext cx="1680705" cy="560235"/>
+          </a:xfrm>
+          <a:prstGeom prst="roundRect">
+            <a:avLst/>
+          </a:prstGeom>
+          <a:solidFill>
+            <a:schemeClr val="accent4"/>
+          </a:solidFill>
+          <a:ln w="28575">
+            <a:solidFill>
+              <a:schemeClr val="accent4"/>
+            </a:solidFill>
+          </a:ln>
+        </p:spPr>
+        <p:txBody>
+          <a:bodyPr spcFirstLastPara="1" wrap="square" lIns="91425" tIns="45700" rIns="91425" bIns="45700" anchor="ctr" anchorCtr="0">
+            <a:noAutofit/>
+          </a:bodyPr>
+          <a:lstStyle/>
+          <a:p>
+            <a:pPr algn="ctr"/>
+            <a:r>
+              <a:rPr lang="zh-TW" altLang="en-US" b="1" dirty="0" smtClean="0">
+                <a:solidFill>
+                  <a:srgbClr val="292929"/>
+                </a:solidFill>
+                <a:latin typeface="Microsoft JhengHei"/>
+                <a:ea typeface="Microsoft JhengHei"/>
+                <a:cs typeface="Microsoft JhengHei"/>
+                <a:sym typeface="Microsoft JhengHei"/>
+              </a:rPr>
+              <a:t>商品放大鏡</a:t>
+            </a:r>
+            <a:endParaRPr lang="zh-TW" altLang="en-US" dirty="0">
+              <a:solidFill>
+                <a:srgbClr val="292929"/>
+              </a:solidFill>
+            </a:endParaRPr>
+          </a:p>
+        </p:txBody>
+      </p:sp>
+    </p:spTree>
+    <p:extLst>
+      <p:ext uri="{BB962C8B-B14F-4D97-AF65-F5344CB8AC3E}">
+        <p14:creationId xmlns:p14="http://schemas.microsoft.com/office/powerpoint/2010/main" val="662606667"/>
+      </p:ext>
+    </p:extLst>
+  </p:cSld>
+  <p:clrMapOvr>
+    <a:masterClrMapping/>
+  </p:clrMapOvr>
+</p:sld>
+</file>
+
+<file path=ppt/slides/slide2.xml><?xml version="1.0" encoding="utf-8"?>
+<p:sld xmlns:a="http://schemas.openxmlformats.org/drawingml/2006/main" xmlns:r="http://schemas.openxmlformats.org/officeDocument/2006/relationships" xmlns:p="http://schemas.openxmlformats.org/presentationml/2006/main">
+  <p:cSld>
+    <p:spTree>
+      <p:nvGrpSpPr>
+        <p:cNvPr id="1" name=""/>
+        <p:cNvGrpSpPr/>
+        <p:nvPr/>
+      </p:nvGrpSpPr>
+      <p:grpSpPr>
+        <a:xfrm>
+          <a:off x="0" y="0"/>
+          <a:ext cx="0" cy="0"/>
+          <a:chOff x="0" y="0"/>
+          <a:chExt cx="0" cy="0"/>
+        </a:xfrm>
+      </p:grpSpPr>
+      <p:sp>
+        <p:nvSpPr>
           <p:cNvPr id="4" name="標題 3"/>
           <p:cNvSpPr>
             <a:spLocks noGrp="1"/>
@@ -4190,7 +5591,7 @@
         </p:nvSpPr>
         <p:spPr>
           <a:xfrm>
-            <a:off x="632520" y="0"/>
+            <a:off x="705120" y="144016"/>
             <a:ext cx="8640960" cy="692696"/>
           </a:xfrm>
           <a:prstGeom prst="rect">
@@ -4203,15 +5604,7 @@
           <a:p>
             <a:r>
               <a:rPr lang="zh-TW" altLang="en-US" dirty="0" smtClean="0"/>
-              <a:t>商品內容頁面</a:t>
-            </a:r>
-            <a:r>
-              <a:rPr lang="en-US" altLang="zh-TW" dirty="0" smtClean="0"/>
-              <a:t>-</a:t>
-            </a:r>
-            <a:r>
-              <a:rPr lang="zh-TW" altLang="en-US" dirty="0" smtClean="0"/>
-              <a:t>商品資訊</a:t>
+              <a:t>商品放大鏡</a:t>
             </a:r>
             <a:endParaRPr lang="zh-TW" altLang="en-US" dirty="0"/>
           </a:p>
@@ -4449,7 +5842,7 @@
       </p:sp>
       <p:pic>
         <p:nvPicPr>
-          <p:cNvPr id="1029" name="Picture 5"/>
+          <p:cNvPr id="1027" name="Picture 3"/>
           <p:cNvPicPr>
             <a:picLocks noChangeAspect="1" noChangeArrowheads="1"/>
           </p:cNvPicPr>
@@ -4470,8 +5863,8 @@
         </p:blipFill>
         <p:spPr bwMode="auto">
           <a:xfrm>
-            <a:off x="525100" y="1052736"/>
-            <a:ext cx="9001000" cy="5216419"/>
+            <a:off x="563733" y="836712"/>
+            <a:ext cx="8778534" cy="5663334"/>
           </a:xfrm>
           <a:prstGeom prst="rect">
             <a:avLst/>
@@ -4514,7 +5907,7 @@
     </p:spTree>
     <p:extLst>
       <p:ext uri="{BB962C8B-B14F-4D97-AF65-F5344CB8AC3E}">
-        <p14:creationId xmlns:p14="http://schemas.microsoft.com/office/powerpoint/2010/main" val="4201328092"/>
+        <p14:creationId xmlns:p14="http://schemas.microsoft.com/office/powerpoint/2010/main" val="1450949233"/>
       </p:ext>
     </p:extLst>
   </p:cSld>
@@ -4524,7 +5917,1056 @@
 </p:sld>
 </file>
 
-<file path=ppt/slides/slide2.xml><?xml version="1.0" encoding="utf-8"?>
+<file path=ppt/slides/slide3.xml><?xml version="1.0" encoding="utf-8"?>
+<p:sld xmlns:a="http://schemas.openxmlformats.org/drawingml/2006/main" xmlns:r="http://schemas.openxmlformats.org/officeDocument/2006/relationships" xmlns:p="http://schemas.openxmlformats.org/presentationml/2006/main">
+  <p:cSld>
+    <p:spTree>
+      <p:nvGrpSpPr>
+        <p:cNvPr id="1" name=""/>
+        <p:cNvGrpSpPr/>
+        <p:nvPr/>
+      </p:nvGrpSpPr>
+      <p:grpSpPr>
+        <a:xfrm>
+          <a:off x="0" y="0"/>
+          <a:ext cx="0" cy="0"/>
+          <a:chOff x="0" y="0"/>
+          <a:chExt cx="0" cy="0"/>
+        </a:xfrm>
+      </p:grpSpPr>
+      <p:sp>
+        <p:nvSpPr>
+          <p:cNvPr id="5" name="標題 3"/>
+          <p:cNvSpPr txBox="1">
+            <a:spLocks/>
+          </p:cNvSpPr>
+          <p:nvPr/>
+        </p:nvSpPr>
+        <p:spPr>
+          <a:xfrm>
+            <a:off x="632520" y="548680"/>
+            <a:ext cx="8640960" cy="692696"/>
+          </a:xfrm>
+          <a:prstGeom prst="rect">
+            <a:avLst/>
+          </a:prstGeom>
+        </p:spPr>
+        <p:txBody>
+          <a:bodyPr vert="horz" lIns="91440" tIns="45720" rIns="91440" bIns="45720" rtlCol="0" anchor="ctr">
+            <a:normAutofit/>
+          </a:bodyPr>
+          <a:lstStyle>
+            <a:lvl1pPr algn="ctr" defTabSz="914400" rtl="0" eaLnBrk="1" latinLnBrk="0" hangingPunct="1">
+              <a:spcBef>
+                <a:spcPct val="0"/>
+              </a:spcBef>
+              <a:buNone/>
+              <a:defRPr lang="zh-TW" altLang="en-US" sz="3600" b="1" kern="1200" spc="300" dirty="0">
+                <a:solidFill>
+                  <a:srgbClr val="FFC000"/>
+                </a:solidFill>
+                <a:latin typeface="+mn-ea"/>
+                <a:ea typeface="+mn-ea"/>
+                <a:cs typeface="+mj-cs"/>
+              </a:defRPr>
+            </a:lvl1pPr>
+          </a:lstStyle>
+          <a:p>
+            <a:r>
+              <a:rPr lang="zh-TW" altLang="en-US" dirty="0" smtClean="0"/>
+              <a:t>技術要點</a:t>
+            </a:r>
+            <a:endParaRPr lang="en-US" altLang="zh-TW" dirty="0"/>
+          </a:p>
+        </p:txBody>
+      </p:sp>
+      <p:grpSp>
+        <p:nvGrpSpPr>
+          <p:cNvPr id="99" name="群組 98"/>
+          <p:cNvGrpSpPr/>
+          <p:nvPr/>
+        </p:nvGrpSpPr>
+        <p:grpSpPr>
+          <a:xfrm>
+            <a:off x="1384470" y="1628800"/>
+            <a:ext cx="7137059" cy="3968021"/>
+            <a:chOff x="912285" y="1664804"/>
+            <a:chExt cx="8081429" cy="4493066"/>
+          </a:xfrm>
+        </p:grpSpPr>
+        <p:sp>
+          <p:nvSpPr>
+            <p:cNvPr id="6" name="Google Shape;134;p5"/>
+            <p:cNvSpPr/>
+            <p:nvPr/>
+          </p:nvSpPr>
+          <p:spPr>
+            <a:xfrm>
+              <a:off x="4021106" y="3590424"/>
+              <a:ext cx="1903095" cy="634365"/>
+            </a:xfrm>
+            <a:prstGeom prst="roundRect">
+              <a:avLst/>
+            </a:prstGeom>
+            <a:solidFill>
+              <a:schemeClr val="accent4"/>
+            </a:solidFill>
+            <a:ln w="28575">
+              <a:solidFill>
+                <a:schemeClr val="accent4"/>
+              </a:solidFill>
+            </a:ln>
+          </p:spPr>
+          <p:txBody>
+            <a:bodyPr spcFirstLastPara="1" wrap="square" lIns="91425" tIns="45700" rIns="91425" bIns="45700" anchor="ctr" anchorCtr="0">
+              <a:noAutofit/>
+            </a:bodyPr>
+            <a:lstStyle/>
+            <a:p>
+              <a:pPr marL="0" marR="0" lvl="0" indent="0" algn="ctr" rtl="0">
+                <a:spcBef>
+                  <a:spcPts val="0"/>
+                </a:spcBef>
+                <a:spcAft>
+                  <a:spcPts val="0"/>
+                </a:spcAft>
+                <a:buNone/>
+              </a:pPr>
+              <a:r>
+                <a:rPr lang="zh-TW" altLang="en-US" b="1" dirty="0" smtClean="0">
+                  <a:solidFill>
+                    <a:srgbClr val="292929"/>
+                  </a:solidFill>
+                  <a:latin typeface="Microsoft JhengHei"/>
+                  <a:ea typeface="Microsoft JhengHei"/>
+                  <a:cs typeface="Microsoft JhengHei"/>
+                  <a:sym typeface="Microsoft JhengHei"/>
+                </a:rPr>
+                <a:t>技術要點</a:t>
+              </a:r>
+              <a:endParaRPr dirty="0">
+                <a:solidFill>
+                  <a:srgbClr val="292929"/>
+                </a:solidFill>
+              </a:endParaRPr>
+            </a:p>
+          </p:txBody>
+        </p:sp>
+        <p:sp>
+          <p:nvSpPr>
+            <p:cNvPr id="7" name="Google Shape;134;p5"/>
+            <p:cNvSpPr>
+              <a:spLocks noChangeAspect="1"/>
+            </p:cNvSpPr>
+            <p:nvPr/>
+          </p:nvSpPr>
+          <p:spPr>
+            <a:xfrm>
+              <a:off x="912285" y="1680171"/>
+              <a:ext cx="1903095" cy="613853"/>
+            </a:xfrm>
+            <a:prstGeom prst="roundRect">
+              <a:avLst/>
+            </a:prstGeom>
+            <a:noFill/>
+            <a:ln w="28575">
+              <a:solidFill>
+                <a:schemeClr val="accent4"/>
+              </a:solidFill>
+            </a:ln>
+          </p:spPr>
+          <p:txBody>
+            <a:bodyPr spcFirstLastPara="1" wrap="square" lIns="91425" tIns="45700" rIns="91425" bIns="45700" anchor="ctr" anchorCtr="0">
+              <a:noAutofit/>
+            </a:bodyPr>
+            <a:lstStyle/>
+            <a:p>
+              <a:pPr marL="0" marR="0" lvl="0" indent="0" algn="ctr" rtl="0">
+                <a:spcBef>
+                  <a:spcPts val="0"/>
+                </a:spcBef>
+                <a:spcAft>
+                  <a:spcPts val="0"/>
+                </a:spcAft>
+                <a:buNone/>
+              </a:pPr>
+              <a:r>
+                <a:rPr lang="en-US" b="1" dirty="0" smtClean="0">
+                  <a:solidFill>
+                    <a:schemeClr val="bg1"/>
+                  </a:solidFill>
+                  <a:latin typeface="Microsoft JhengHei"/>
+                  <a:ea typeface="Microsoft JhengHei"/>
+                  <a:cs typeface="Microsoft JhengHei"/>
+                  <a:sym typeface="Microsoft JhengHei"/>
+                </a:rPr>
+                <a:t>UI</a:t>
+              </a:r>
+              <a:r>
+                <a:rPr lang="zh-TW" altLang="en-US" b="1" dirty="0" smtClean="0">
+                  <a:solidFill>
+                    <a:schemeClr val="bg1"/>
+                  </a:solidFill>
+                  <a:latin typeface="Microsoft JhengHei"/>
+                  <a:ea typeface="Microsoft JhengHei"/>
+                  <a:cs typeface="Microsoft JhengHei"/>
+                  <a:sym typeface="Microsoft JhengHei"/>
+                </a:rPr>
+                <a:t>、配色</a:t>
+              </a:r>
+              <a:endParaRPr dirty="0">
+                <a:solidFill>
+                  <a:schemeClr val="bg1"/>
+                </a:solidFill>
+              </a:endParaRPr>
+            </a:p>
+          </p:txBody>
+        </p:sp>
+        <p:cxnSp>
+          <p:nvCxnSpPr>
+            <p:cNvPr id="14" name="肘形接點 13"/>
+            <p:cNvCxnSpPr>
+              <a:stCxn id="6" idx="1"/>
+              <a:endCxn id="7" idx="3"/>
+            </p:cNvCxnSpPr>
+            <p:nvPr/>
+          </p:nvCxnSpPr>
+          <p:spPr>
+            <a:xfrm rot="10800000">
+              <a:off x="2815380" y="1987099"/>
+              <a:ext cx="1205726" cy="1920509"/>
+            </a:xfrm>
+            <a:prstGeom prst="bentConnector3">
+              <a:avLst>
+                <a:gd name="adj1" fmla="val 50000"/>
+              </a:avLst>
+            </a:prstGeom>
+            <a:ln w="19050">
+              <a:tailEnd type="triangle"/>
+            </a:ln>
+          </p:spPr>
+          <p:style>
+            <a:lnRef idx="1">
+              <a:schemeClr val="accent1"/>
+            </a:lnRef>
+            <a:fillRef idx="0">
+              <a:schemeClr val="accent1"/>
+            </a:fillRef>
+            <a:effectRef idx="0">
+              <a:schemeClr val="accent1"/>
+            </a:effectRef>
+            <a:fontRef idx="minor">
+              <a:schemeClr val="tx1"/>
+            </a:fontRef>
+          </p:style>
+        </p:cxnSp>
+        <p:sp>
+          <p:nvSpPr>
+            <p:cNvPr id="15" name="Google Shape;134;p5"/>
+            <p:cNvSpPr/>
+            <p:nvPr/>
+          </p:nvSpPr>
+          <p:spPr>
+            <a:xfrm>
+              <a:off x="912293" y="2644846"/>
+              <a:ext cx="1903095" cy="634365"/>
+            </a:xfrm>
+            <a:prstGeom prst="roundRect">
+              <a:avLst/>
+            </a:prstGeom>
+            <a:noFill/>
+            <a:ln w="28575">
+              <a:solidFill>
+                <a:schemeClr val="accent4"/>
+              </a:solidFill>
+            </a:ln>
+          </p:spPr>
+          <p:txBody>
+            <a:bodyPr spcFirstLastPara="1" wrap="square" lIns="91425" tIns="45700" rIns="91425" bIns="45700" anchor="ctr" anchorCtr="0">
+              <a:noAutofit/>
+            </a:bodyPr>
+            <a:lstStyle/>
+            <a:p>
+              <a:pPr lvl="0" algn="ctr"/>
+              <a:r>
+                <a:rPr lang="zh-TW" altLang="en-US" b="1" dirty="0">
+                  <a:solidFill>
+                    <a:schemeClr val="bg1"/>
+                  </a:solidFill>
+                  <a:latin typeface="Microsoft JhengHei"/>
+                  <a:ea typeface="Microsoft JhengHei"/>
+                  <a:cs typeface="Microsoft JhengHei"/>
+                  <a:sym typeface="Microsoft JhengHei"/>
+                </a:rPr>
+                <a:t>搜尋、輪播</a:t>
+              </a:r>
+              <a:endParaRPr lang="zh-TW" altLang="en-US" dirty="0">
+                <a:solidFill>
+                  <a:schemeClr val="bg1"/>
+                </a:solidFill>
+              </a:endParaRPr>
+            </a:p>
+          </p:txBody>
+        </p:sp>
+        <p:cxnSp>
+          <p:nvCxnSpPr>
+            <p:cNvPr id="16" name="肘形接點 15"/>
+            <p:cNvCxnSpPr>
+              <a:stCxn id="6" idx="1"/>
+            </p:cNvCxnSpPr>
+            <p:nvPr/>
+          </p:nvCxnSpPr>
+          <p:spPr>
+            <a:xfrm rot="10800000">
+              <a:off x="2815390" y="2962029"/>
+              <a:ext cx="1205717" cy="945578"/>
+            </a:xfrm>
+            <a:prstGeom prst="bentConnector3">
+              <a:avLst/>
+            </a:prstGeom>
+            <a:ln w="19050">
+              <a:tailEnd type="triangle"/>
+            </a:ln>
+          </p:spPr>
+          <p:style>
+            <a:lnRef idx="1">
+              <a:schemeClr val="accent1"/>
+            </a:lnRef>
+            <a:fillRef idx="0">
+              <a:schemeClr val="accent1"/>
+            </a:fillRef>
+            <a:effectRef idx="0">
+              <a:schemeClr val="accent1"/>
+            </a:effectRef>
+            <a:fontRef idx="minor">
+              <a:schemeClr val="tx1"/>
+            </a:fontRef>
+          </p:style>
+        </p:cxnSp>
+        <p:sp>
+          <p:nvSpPr>
+            <p:cNvPr id="19" name="Google Shape;134;p5"/>
+            <p:cNvSpPr/>
+            <p:nvPr/>
+          </p:nvSpPr>
+          <p:spPr>
+            <a:xfrm>
+              <a:off x="912293" y="3594153"/>
+              <a:ext cx="1903095" cy="634365"/>
+            </a:xfrm>
+            <a:prstGeom prst="roundRect">
+              <a:avLst/>
+            </a:prstGeom>
+            <a:noFill/>
+            <a:ln w="28575">
+              <a:solidFill>
+                <a:schemeClr val="accent4"/>
+              </a:solidFill>
+            </a:ln>
+          </p:spPr>
+          <p:txBody>
+            <a:bodyPr spcFirstLastPara="1" wrap="square" lIns="91425" tIns="45700" rIns="91425" bIns="45700" anchor="ctr" anchorCtr="0">
+              <a:noAutofit/>
+            </a:bodyPr>
+            <a:lstStyle/>
+            <a:p>
+              <a:pPr lvl="0" algn="ctr"/>
+              <a:r>
+                <a:rPr lang="zh-TW" altLang="en-US" b="1" dirty="0">
+                  <a:solidFill>
+                    <a:schemeClr val="bg1"/>
+                  </a:solidFill>
+                  <a:latin typeface="Microsoft JhengHei"/>
+                  <a:ea typeface="Microsoft JhengHei"/>
+                  <a:cs typeface="Microsoft JhengHei"/>
+                  <a:sym typeface="Microsoft JhengHei"/>
+                </a:rPr>
+                <a:t>切分頁</a:t>
+              </a:r>
+              <a:endParaRPr lang="zh-TW" altLang="en-US" dirty="0">
+                <a:solidFill>
+                  <a:schemeClr val="bg1"/>
+                </a:solidFill>
+              </a:endParaRPr>
+            </a:p>
+          </p:txBody>
+        </p:sp>
+        <p:cxnSp>
+          <p:nvCxnSpPr>
+            <p:cNvPr id="26" name="肘形接點 25"/>
+            <p:cNvCxnSpPr>
+              <a:stCxn id="6" idx="1"/>
+            </p:cNvCxnSpPr>
+            <p:nvPr/>
+          </p:nvCxnSpPr>
+          <p:spPr>
+            <a:xfrm rot="10800000" flipV="1">
+              <a:off x="2815390" y="3907607"/>
+              <a:ext cx="1205717" cy="3728"/>
+            </a:xfrm>
+            <a:prstGeom prst="bentConnector3">
+              <a:avLst/>
+            </a:prstGeom>
+            <a:ln w="19050">
+              <a:tailEnd type="triangle"/>
+            </a:ln>
+          </p:spPr>
+          <p:style>
+            <a:lnRef idx="1">
+              <a:schemeClr val="accent1"/>
+            </a:lnRef>
+            <a:fillRef idx="0">
+              <a:schemeClr val="accent1"/>
+            </a:fillRef>
+            <a:effectRef idx="0">
+              <a:schemeClr val="accent1"/>
+            </a:effectRef>
+            <a:fontRef idx="minor">
+              <a:schemeClr val="tx1"/>
+            </a:fontRef>
+          </p:style>
+        </p:cxnSp>
+        <p:sp>
+          <p:nvSpPr>
+            <p:cNvPr id="29" name="Google Shape;134;p5"/>
+            <p:cNvSpPr/>
+            <p:nvPr/>
+          </p:nvSpPr>
+          <p:spPr>
+            <a:xfrm>
+              <a:off x="912293" y="4558830"/>
+              <a:ext cx="1903095" cy="634365"/>
+            </a:xfrm>
+            <a:prstGeom prst="roundRect">
+              <a:avLst/>
+            </a:prstGeom>
+            <a:noFill/>
+            <a:ln w="28575">
+              <a:solidFill>
+                <a:schemeClr val="accent4"/>
+              </a:solidFill>
+            </a:ln>
+          </p:spPr>
+          <p:txBody>
+            <a:bodyPr spcFirstLastPara="1" wrap="square" lIns="91425" tIns="45700" rIns="91425" bIns="45700" anchor="ctr" anchorCtr="0">
+              <a:noAutofit/>
+            </a:bodyPr>
+            <a:lstStyle/>
+            <a:p>
+              <a:pPr lvl="0" algn="ctr"/>
+              <a:r>
+                <a:rPr lang="zh-TW" altLang="en-US" b="1" dirty="0">
+                  <a:solidFill>
+                    <a:schemeClr val="bg1"/>
+                  </a:solidFill>
+                  <a:latin typeface="Microsoft JhengHei"/>
+                  <a:ea typeface="Microsoft JhengHei"/>
+                  <a:cs typeface="Microsoft JhengHei"/>
+                  <a:sym typeface="Microsoft JhengHei"/>
+                </a:rPr>
+                <a:t>登入、註冊</a:t>
+              </a:r>
+              <a:endParaRPr lang="zh-TW" altLang="en-US" dirty="0">
+                <a:solidFill>
+                  <a:schemeClr val="bg1"/>
+                </a:solidFill>
+              </a:endParaRPr>
+            </a:p>
+          </p:txBody>
+        </p:sp>
+        <p:cxnSp>
+          <p:nvCxnSpPr>
+            <p:cNvPr id="31" name="肘形接點 30"/>
+            <p:cNvCxnSpPr>
+              <a:stCxn id="6" idx="1"/>
+            </p:cNvCxnSpPr>
+            <p:nvPr/>
+          </p:nvCxnSpPr>
+          <p:spPr>
+            <a:xfrm rot="10800000" flipV="1">
+              <a:off x="2815390" y="3907606"/>
+              <a:ext cx="1205717" cy="968405"/>
+            </a:xfrm>
+            <a:prstGeom prst="bentConnector3">
+              <a:avLst/>
+            </a:prstGeom>
+            <a:ln w="19050">
+              <a:tailEnd type="triangle"/>
+            </a:ln>
+          </p:spPr>
+          <p:style>
+            <a:lnRef idx="1">
+              <a:schemeClr val="accent1"/>
+            </a:lnRef>
+            <a:fillRef idx="0">
+              <a:schemeClr val="accent1"/>
+            </a:fillRef>
+            <a:effectRef idx="0">
+              <a:schemeClr val="accent1"/>
+            </a:effectRef>
+            <a:fontRef idx="minor">
+              <a:schemeClr val="tx1"/>
+            </a:fontRef>
+          </p:style>
+        </p:cxnSp>
+        <p:sp>
+          <p:nvSpPr>
+            <p:cNvPr id="42" name="Google Shape;134;p5"/>
+            <p:cNvSpPr/>
+            <p:nvPr/>
+          </p:nvSpPr>
+          <p:spPr>
+            <a:xfrm>
+              <a:off x="7090619" y="1664804"/>
+              <a:ext cx="1903095" cy="634365"/>
+            </a:xfrm>
+            <a:prstGeom prst="roundRect">
+              <a:avLst/>
+            </a:prstGeom>
+            <a:noFill/>
+            <a:ln w="28575">
+              <a:solidFill>
+                <a:schemeClr val="accent4"/>
+              </a:solidFill>
+            </a:ln>
+          </p:spPr>
+          <p:txBody>
+            <a:bodyPr spcFirstLastPara="1" wrap="square" lIns="91425" tIns="45700" rIns="91425" bIns="45700" anchor="ctr" anchorCtr="0">
+              <a:noAutofit/>
+            </a:bodyPr>
+            <a:lstStyle/>
+            <a:p>
+              <a:pPr marL="0" marR="0" lvl="0" indent="0" algn="ctr" rtl="0">
+                <a:spcBef>
+                  <a:spcPts val="0"/>
+                </a:spcBef>
+                <a:spcAft>
+                  <a:spcPts val="0"/>
+                </a:spcAft>
+                <a:buNone/>
+              </a:pPr>
+              <a:r>
+                <a:rPr lang="zh-TW" altLang="en-US" b="1" dirty="0" smtClean="0">
+                  <a:solidFill>
+                    <a:schemeClr val="bg1"/>
+                  </a:solidFill>
+                  <a:latin typeface="Microsoft JhengHei"/>
+                  <a:ea typeface="Microsoft JhengHei"/>
+                  <a:cs typeface="Microsoft JhengHei"/>
+                  <a:sym typeface="Microsoft JhengHei"/>
+                </a:rPr>
+                <a:t>購物車</a:t>
+              </a:r>
+              <a:endParaRPr dirty="0">
+                <a:solidFill>
+                  <a:schemeClr val="bg1"/>
+                </a:solidFill>
+              </a:endParaRPr>
+            </a:p>
+          </p:txBody>
+        </p:sp>
+        <p:sp>
+          <p:nvSpPr>
+            <p:cNvPr id="44" name="Google Shape;134;p5"/>
+            <p:cNvSpPr/>
+            <p:nvPr/>
+          </p:nvSpPr>
+          <p:spPr>
+            <a:xfrm>
+              <a:off x="7090619" y="2630172"/>
+              <a:ext cx="1903095" cy="634365"/>
+            </a:xfrm>
+            <a:prstGeom prst="roundRect">
+              <a:avLst/>
+            </a:prstGeom>
+            <a:noFill/>
+            <a:ln w="28575">
+              <a:solidFill>
+                <a:schemeClr val="accent4"/>
+              </a:solidFill>
+            </a:ln>
+          </p:spPr>
+          <p:txBody>
+            <a:bodyPr spcFirstLastPara="1" wrap="square" lIns="91425" tIns="45700" rIns="91425" bIns="45700" anchor="ctr" anchorCtr="0">
+              <a:noAutofit/>
+            </a:bodyPr>
+            <a:lstStyle/>
+            <a:p>
+              <a:pPr algn="ctr"/>
+              <a:r>
+                <a:rPr lang="zh-TW" altLang="en-US" b="1" dirty="0" smtClean="0">
+                  <a:solidFill>
+                    <a:schemeClr val="bg1"/>
+                  </a:solidFill>
+                  <a:latin typeface="Microsoft JhengHei"/>
+                  <a:ea typeface="Microsoft JhengHei"/>
+                  <a:cs typeface="Microsoft JhengHei"/>
+                  <a:sym typeface="Microsoft JhengHei"/>
+                </a:rPr>
+                <a:t>商品放大鏡</a:t>
+              </a:r>
+              <a:endParaRPr lang="zh-TW" altLang="en-US" dirty="0">
+                <a:solidFill>
+                  <a:schemeClr val="bg1"/>
+                </a:solidFill>
+              </a:endParaRPr>
+            </a:p>
+          </p:txBody>
+        </p:sp>
+        <p:cxnSp>
+          <p:nvCxnSpPr>
+            <p:cNvPr id="45" name="肘形接點 44"/>
+            <p:cNvCxnSpPr>
+              <a:stCxn id="6" idx="3"/>
+              <a:endCxn id="42" idx="1"/>
+            </p:cNvCxnSpPr>
+            <p:nvPr/>
+          </p:nvCxnSpPr>
+          <p:spPr>
+            <a:xfrm flipV="1">
+              <a:off x="5924201" y="1981987"/>
+              <a:ext cx="1166418" cy="1925620"/>
+            </a:xfrm>
+            <a:prstGeom prst="bentConnector3">
+              <a:avLst>
+                <a:gd name="adj1" fmla="val 50000"/>
+              </a:avLst>
+            </a:prstGeom>
+            <a:ln w="19050">
+              <a:tailEnd type="triangle"/>
+            </a:ln>
+          </p:spPr>
+          <p:style>
+            <a:lnRef idx="1">
+              <a:schemeClr val="accent1"/>
+            </a:lnRef>
+            <a:fillRef idx="0">
+              <a:schemeClr val="accent1"/>
+            </a:fillRef>
+            <a:effectRef idx="0">
+              <a:schemeClr val="accent1"/>
+            </a:effectRef>
+            <a:fontRef idx="minor">
+              <a:schemeClr val="tx1"/>
+            </a:fontRef>
+          </p:style>
+        </p:cxnSp>
+        <p:cxnSp>
+          <p:nvCxnSpPr>
+            <p:cNvPr id="48" name="肘形接點 47"/>
+            <p:cNvCxnSpPr>
+              <a:stCxn id="6" idx="3"/>
+            </p:cNvCxnSpPr>
+            <p:nvPr/>
+          </p:nvCxnSpPr>
+          <p:spPr>
+            <a:xfrm flipV="1">
+              <a:off x="5924201" y="2946663"/>
+              <a:ext cx="1164897" cy="960944"/>
+            </a:xfrm>
+            <a:prstGeom prst="bentConnector3">
+              <a:avLst>
+                <a:gd name="adj1" fmla="val 50000"/>
+              </a:avLst>
+            </a:prstGeom>
+            <a:ln w="19050">
+              <a:tailEnd type="triangle"/>
+            </a:ln>
+          </p:spPr>
+          <p:style>
+            <a:lnRef idx="1">
+              <a:schemeClr val="accent1"/>
+            </a:lnRef>
+            <a:fillRef idx="0">
+              <a:schemeClr val="accent1"/>
+            </a:fillRef>
+            <a:effectRef idx="0">
+              <a:schemeClr val="accent1"/>
+            </a:effectRef>
+            <a:fontRef idx="minor">
+              <a:schemeClr val="tx1"/>
+            </a:fontRef>
+          </p:style>
+        </p:cxnSp>
+        <p:cxnSp>
+          <p:nvCxnSpPr>
+            <p:cNvPr id="51" name="肘形接點 50"/>
+            <p:cNvCxnSpPr>
+              <a:stCxn id="6" idx="3"/>
+            </p:cNvCxnSpPr>
+            <p:nvPr/>
+          </p:nvCxnSpPr>
+          <p:spPr>
+            <a:xfrm>
+              <a:off x="5924201" y="3907607"/>
+              <a:ext cx="1164897" cy="3730"/>
+            </a:xfrm>
+            <a:prstGeom prst="bentConnector3">
+              <a:avLst>
+                <a:gd name="adj1" fmla="val 50000"/>
+              </a:avLst>
+            </a:prstGeom>
+            <a:ln w="19050">
+              <a:tailEnd type="triangle"/>
+            </a:ln>
+          </p:spPr>
+          <p:style>
+            <a:lnRef idx="1">
+              <a:schemeClr val="accent1"/>
+            </a:lnRef>
+            <a:fillRef idx="0">
+              <a:schemeClr val="accent1"/>
+            </a:fillRef>
+            <a:effectRef idx="0">
+              <a:schemeClr val="accent1"/>
+            </a:effectRef>
+            <a:fontRef idx="minor">
+              <a:schemeClr val="tx1"/>
+            </a:fontRef>
+          </p:style>
+        </p:cxnSp>
+        <p:sp>
+          <p:nvSpPr>
+            <p:cNvPr id="57" name="Google Shape;134;p5"/>
+            <p:cNvSpPr/>
+            <p:nvPr/>
+          </p:nvSpPr>
+          <p:spPr>
+            <a:xfrm>
+              <a:off x="7066396" y="4558830"/>
+              <a:ext cx="1903095" cy="634365"/>
+            </a:xfrm>
+            <a:prstGeom prst="roundRect">
+              <a:avLst/>
+            </a:prstGeom>
+            <a:noFill/>
+            <a:ln w="28575">
+              <a:solidFill>
+                <a:schemeClr val="accent4"/>
+              </a:solidFill>
+            </a:ln>
+          </p:spPr>
+          <p:txBody>
+            <a:bodyPr spcFirstLastPara="1" wrap="square" lIns="91425" tIns="45700" rIns="91425" bIns="45700" anchor="ctr" anchorCtr="0">
+              <a:noAutofit/>
+            </a:bodyPr>
+            <a:lstStyle/>
+            <a:p>
+              <a:pPr lvl="0" algn="ctr"/>
+              <a:r>
+                <a:rPr lang="zh-TW" altLang="en-US" b="1" dirty="0" smtClean="0">
+                  <a:solidFill>
+                    <a:schemeClr val="bg1"/>
+                  </a:solidFill>
+                  <a:latin typeface="Microsoft JhengHei"/>
+                  <a:ea typeface="Microsoft JhengHei"/>
+                  <a:cs typeface="Microsoft JhengHei"/>
+                  <a:sym typeface="Microsoft JhengHei"/>
+                </a:rPr>
+                <a:t>指定路由</a:t>
+              </a:r>
+              <a:endParaRPr lang="zh-TW" altLang="en-US" dirty="0">
+                <a:solidFill>
+                  <a:schemeClr val="bg1"/>
+                </a:solidFill>
+              </a:endParaRPr>
+            </a:p>
+          </p:txBody>
+        </p:sp>
+        <p:cxnSp>
+          <p:nvCxnSpPr>
+            <p:cNvPr id="58" name="肘形接點 57"/>
+            <p:cNvCxnSpPr>
+              <a:stCxn id="6" idx="3"/>
+            </p:cNvCxnSpPr>
+            <p:nvPr/>
+          </p:nvCxnSpPr>
+          <p:spPr>
+            <a:xfrm>
+              <a:off x="5924201" y="3907607"/>
+              <a:ext cx="1142195" cy="968406"/>
+            </a:xfrm>
+            <a:prstGeom prst="bentConnector3">
+              <a:avLst>
+                <a:gd name="adj1" fmla="val 50000"/>
+              </a:avLst>
+            </a:prstGeom>
+            <a:ln w="19050">
+              <a:tailEnd type="triangle"/>
+            </a:ln>
+          </p:spPr>
+          <p:style>
+            <a:lnRef idx="1">
+              <a:schemeClr val="accent1"/>
+            </a:lnRef>
+            <a:fillRef idx="0">
+              <a:schemeClr val="accent1"/>
+            </a:fillRef>
+            <a:effectRef idx="0">
+              <a:schemeClr val="accent1"/>
+            </a:effectRef>
+            <a:fontRef idx="minor">
+              <a:schemeClr val="tx1"/>
+            </a:fontRef>
+          </p:style>
+        </p:cxnSp>
+        <p:sp>
+          <p:nvSpPr>
+            <p:cNvPr id="74" name="Google Shape;134;p5"/>
+            <p:cNvSpPr/>
+            <p:nvPr/>
+          </p:nvSpPr>
+          <p:spPr>
+            <a:xfrm>
+              <a:off x="7066396" y="5523505"/>
+              <a:ext cx="1903095" cy="634365"/>
+            </a:xfrm>
+            <a:prstGeom prst="roundRect">
+              <a:avLst/>
+            </a:prstGeom>
+            <a:noFill/>
+            <a:ln w="28575">
+              <a:solidFill>
+                <a:schemeClr val="accent4"/>
+              </a:solidFill>
+            </a:ln>
+          </p:spPr>
+          <p:txBody>
+            <a:bodyPr spcFirstLastPara="1" wrap="square" lIns="91425" tIns="45700" rIns="91425" bIns="45700" anchor="ctr" anchorCtr="0">
+              <a:noAutofit/>
+            </a:bodyPr>
+            <a:lstStyle/>
+            <a:p>
+              <a:pPr marL="0" marR="0" lvl="0" indent="0" algn="ctr" rtl="0">
+                <a:spcBef>
+                  <a:spcPts val="0"/>
+                </a:spcBef>
+                <a:spcAft>
+                  <a:spcPts val="0"/>
+                </a:spcAft>
+                <a:buNone/>
+              </a:pPr>
+              <a:r>
+                <a:rPr lang="zh-TW" altLang="en-US" b="1" dirty="0" smtClean="0">
+                  <a:solidFill>
+                    <a:schemeClr val="bg1"/>
+                  </a:solidFill>
+                  <a:latin typeface="Microsoft JhengHei"/>
+                  <a:ea typeface="Microsoft JhengHei"/>
+                  <a:cs typeface="Microsoft JhengHei"/>
+                  <a:sym typeface="Microsoft JhengHei"/>
+                </a:rPr>
+                <a:t>統計圖表</a:t>
+              </a:r>
+              <a:endParaRPr dirty="0">
+                <a:solidFill>
+                  <a:schemeClr val="bg1"/>
+                </a:solidFill>
+              </a:endParaRPr>
+            </a:p>
+          </p:txBody>
+        </p:sp>
+        <p:cxnSp>
+          <p:nvCxnSpPr>
+            <p:cNvPr id="75" name="肘形接點 74"/>
+            <p:cNvCxnSpPr>
+              <a:stCxn id="6" idx="3"/>
+              <a:endCxn id="74" idx="1"/>
+            </p:cNvCxnSpPr>
+            <p:nvPr/>
+          </p:nvCxnSpPr>
+          <p:spPr>
+            <a:xfrm>
+              <a:off x="5924201" y="3907607"/>
+              <a:ext cx="1142195" cy="1933081"/>
+            </a:xfrm>
+            <a:prstGeom prst="bentConnector3">
+              <a:avLst>
+                <a:gd name="adj1" fmla="val 50000"/>
+              </a:avLst>
+            </a:prstGeom>
+            <a:ln w="19050">
+              <a:tailEnd type="triangle"/>
+            </a:ln>
+          </p:spPr>
+          <p:style>
+            <a:lnRef idx="1">
+              <a:schemeClr val="accent1"/>
+            </a:lnRef>
+            <a:fillRef idx="0">
+              <a:schemeClr val="accent1"/>
+            </a:fillRef>
+            <a:effectRef idx="0">
+              <a:schemeClr val="accent1"/>
+            </a:effectRef>
+            <a:fontRef idx="minor">
+              <a:schemeClr val="tx1"/>
+            </a:fontRef>
+          </p:style>
+        </p:cxnSp>
+        <p:sp>
+          <p:nvSpPr>
+            <p:cNvPr id="78" name="Google Shape;134;p5"/>
+            <p:cNvSpPr/>
+            <p:nvPr/>
+          </p:nvSpPr>
+          <p:spPr>
+            <a:xfrm>
+              <a:off x="912285" y="5502918"/>
+              <a:ext cx="1903095" cy="634365"/>
+            </a:xfrm>
+            <a:prstGeom prst="roundRect">
+              <a:avLst/>
+            </a:prstGeom>
+            <a:noFill/>
+            <a:ln w="28575">
+              <a:solidFill>
+                <a:schemeClr val="accent4"/>
+              </a:solidFill>
+            </a:ln>
+          </p:spPr>
+          <p:txBody>
+            <a:bodyPr spcFirstLastPara="1" wrap="square" lIns="91425" tIns="45700" rIns="91425" bIns="45700" anchor="ctr" anchorCtr="0">
+              <a:noAutofit/>
+            </a:bodyPr>
+            <a:lstStyle/>
+            <a:p>
+              <a:pPr marL="0" marR="0" lvl="0" indent="0" algn="ctr" rtl="0">
+                <a:spcBef>
+                  <a:spcPts val="0"/>
+                </a:spcBef>
+                <a:spcAft>
+                  <a:spcPts val="0"/>
+                </a:spcAft>
+                <a:buNone/>
+              </a:pPr>
+              <a:r>
+                <a:rPr lang="zh-TW" altLang="en-US" b="1" dirty="0" smtClean="0">
+                  <a:solidFill>
+                    <a:schemeClr val="bg1"/>
+                  </a:solidFill>
+                  <a:latin typeface="Microsoft JhengHei"/>
+                  <a:ea typeface="Microsoft JhengHei"/>
+                  <a:cs typeface="Microsoft JhengHei"/>
+                  <a:sym typeface="Microsoft JhengHei"/>
+                </a:rPr>
+                <a:t>會員資料</a:t>
+              </a:r>
+              <a:endParaRPr dirty="0">
+                <a:solidFill>
+                  <a:schemeClr val="bg1"/>
+                </a:solidFill>
+              </a:endParaRPr>
+            </a:p>
+          </p:txBody>
+        </p:sp>
+        <p:cxnSp>
+          <p:nvCxnSpPr>
+            <p:cNvPr id="80" name="肘形接點 79"/>
+            <p:cNvCxnSpPr>
+              <a:stCxn id="6" idx="1"/>
+              <a:endCxn id="78" idx="3"/>
+            </p:cNvCxnSpPr>
+            <p:nvPr/>
+          </p:nvCxnSpPr>
+          <p:spPr>
+            <a:xfrm rot="10800000" flipV="1">
+              <a:off x="2815380" y="3907607"/>
+              <a:ext cx="1205726" cy="1912494"/>
+            </a:xfrm>
+            <a:prstGeom prst="bentConnector3">
+              <a:avLst>
+                <a:gd name="adj1" fmla="val 50000"/>
+              </a:avLst>
+            </a:prstGeom>
+            <a:ln w="19050">
+              <a:tailEnd type="triangle"/>
+            </a:ln>
+          </p:spPr>
+          <p:style>
+            <a:lnRef idx="1">
+              <a:schemeClr val="accent1"/>
+            </a:lnRef>
+            <a:fillRef idx="0">
+              <a:schemeClr val="accent1"/>
+            </a:fillRef>
+            <a:effectRef idx="0">
+              <a:schemeClr val="accent1"/>
+            </a:effectRef>
+            <a:fontRef idx="minor">
+              <a:schemeClr val="tx1"/>
+            </a:fontRef>
+          </p:style>
+        </p:cxnSp>
+      </p:grpSp>
+      <p:sp>
+        <p:nvSpPr>
+          <p:cNvPr id="25" name="Google Shape;134;p5"/>
+          <p:cNvSpPr/>
+          <p:nvPr/>
+        </p:nvSpPr>
+        <p:spPr>
+          <a:xfrm>
+            <a:off x="6840824" y="3329397"/>
+            <a:ext cx="1680705" cy="560235"/>
+          </a:xfrm>
+          <a:prstGeom prst="roundRect">
+            <a:avLst/>
+          </a:prstGeom>
+          <a:solidFill>
+            <a:schemeClr val="accent4"/>
+          </a:solidFill>
+          <a:ln w="28575">
+            <a:solidFill>
+              <a:schemeClr val="accent4"/>
+            </a:solidFill>
+          </a:ln>
+        </p:spPr>
+        <p:txBody>
+          <a:bodyPr spcFirstLastPara="1" wrap="square" lIns="91425" tIns="45700" rIns="91425" bIns="45700" anchor="ctr" anchorCtr="0">
+            <a:noAutofit/>
+          </a:bodyPr>
+          <a:lstStyle/>
+          <a:p>
+            <a:pPr algn="ctr"/>
+            <a:r>
+              <a:rPr lang="zh-TW" altLang="en-US" b="1" dirty="0">
+                <a:solidFill>
+                  <a:schemeClr val="bg2">
+                    <a:lumMod val="10000"/>
+                  </a:schemeClr>
+                </a:solidFill>
+                <a:latin typeface="Microsoft JhengHei"/>
+                <a:ea typeface="Microsoft JhengHei"/>
+                <a:cs typeface="Microsoft JhengHei"/>
+                <a:sym typeface="Microsoft JhengHei"/>
+              </a:rPr>
+              <a:t>畫面渲染</a:t>
+            </a:r>
+            <a:endParaRPr lang="zh-TW" altLang="en-US" dirty="0">
+              <a:solidFill>
+                <a:schemeClr val="bg2">
+                  <a:lumMod val="10000"/>
+                </a:schemeClr>
+              </a:solidFill>
+            </a:endParaRPr>
+          </a:p>
+        </p:txBody>
+      </p:sp>
+    </p:spTree>
+    <p:extLst>
+      <p:ext uri="{BB962C8B-B14F-4D97-AF65-F5344CB8AC3E}">
+        <p14:creationId xmlns:p14="http://schemas.microsoft.com/office/powerpoint/2010/main" val="1553690328"/>
+      </p:ext>
+    </p:extLst>
+  </p:cSld>
+  <p:clrMapOvr>
+    <a:masterClrMapping/>
+  </p:clrMapOvr>
+</p:sld>
+</file>
+
+<file path=ppt/slides/slide4.xml><?xml version="1.0" encoding="utf-8"?>
 <p:sld xmlns:a="http://schemas.openxmlformats.org/drawingml/2006/main" xmlns:r="http://schemas.openxmlformats.org/officeDocument/2006/relationships" xmlns:p="http://schemas.openxmlformats.org/presentationml/2006/main">
   <p:cSld>
     <p:spTree>
@@ -4553,7 +6995,7 @@
         </p:nvSpPr>
         <p:spPr>
           <a:xfrm>
-            <a:off x="632520" y="0"/>
+            <a:off x="705120" y="144016"/>
             <a:ext cx="8640960" cy="692696"/>
           </a:xfrm>
           <a:prstGeom prst="rect">
@@ -4566,15 +7008,7 @@
           <a:p>
             <a:r>
               <a:rPr lang="zh-TW" altLang="en-US" dirty="0" smtClean="0"/>
-              <a:t>商品內容頁面</a:t>
-            </a:r>
-            <a:r>
-              <a:rPr lang="en-US" altLang="zh-TW" dirty="0" smtClean="0"/>
-              <a:t>-</a:t>
-            </a:r>
-            <a:r>
-              <a:rPr lang="zh-TW" altLang="en-US" dirty="0" smtClean="0"/>
-              <a:t>放大功能</a:t>
+              <a:t>畫面渲染</a:t>
             </a:r>
             <a:endParaRPr lang="zh-TW" altLang="en-US" dirty="0"/>
           </a:p>
@@ -4810,9 +7244,92 @@
           </a:p>
         </p:txBody>
       </p:sp>
+      <p:sp>
+        <p:nvSpPr>
+          <p:cNvPr id="8" name="標題 3"/>
+          <p:cNvSpPr txBox="1">
+            <a:spLocks/>
+          </p:cNvSpPr>
+          <p:nvPr/>
+        </p:nvSpPr>
+        <p:spPr>
+          <a:xfrm>
+            <a:off x="444218" y="812032"/>
+            <a:ext cx="8640960" cy="1464840"/>
+          </a:xfrm>
+          <a:prstGeom prst="rect">
+            <a:avLst/>
+          </a:prstGeom>
+        </p:spPr>
+        <p:txBody>
+          <a:bodyPr vert="horz" lIns="91440" tIns="45720" rIns="91440" bIns="45720" rtlCol="0" anchor="ctr">
+            <a:normAutofit/>
+          </a:bodyPr>
+          <a:lstStyle>
+            <a:lvl1pPr algn="ctr" defTabSz="914400" rtl="0" eaLnBrk="1" latinLnBrk="0" hangingPunct="1">
+              <a:spcBef>
+                <a:spcPct val="0"/>
+              </a:spcBef>
+              <a:buNone/>
+              <a:defRPr lang="zh-TW" altLang="en-US" sz="3600" b="1" kern="1200" spc="300" dirty="0">
+                <a:solidFill>
+                  <a:srgbClr val="FFC000"/>
+                </a:solidFill>
+                <a:latin typeface="+mn-ea"/>
+                <a:ea typeface="+mn-ea"/>
+                <a:cs typeface="+mj-cs"/>
+              </a:defRPr>
+            </a:lvl1pPr>
+          </a:lstStyle>
+          <a:p>
+            <a:pPr algn="l"/>
+            <a:r>
+              <a:rPr lang="zh-TW" altLang="en-US" sz="2800" dirty="0" smtClean="0"/>
+              <a:t>用</a:t>
+            </a:r>
+            <a:r>
+              <a:rPr lang="en-US" altLang="zh-TW" sz="2800" dirty="0" smtClean="0"/>
+              <a:t>Vue.js </a:t>
+            </a:r>
+            <a:r>
+              <a:rPr lang="zh-TW" altLang="en-US" sz="2800" dirty="0" smtClean="0"/>
+              <a:t>搭配 </a:t>
+            </a:r>
+            <a:r>
+              <a:rPr lang="en-US" altLang="zh-TW" sz="2800" dirty="0" err="1" smtClean="0"/>
+              <a:t>axios</a:t>
+            </a:r>
+            <a:r>
+              <a:rPr lang="zh-TW" altLang="en-US" sz="2800" dirty="0" smtClean="0"/>
+              <a:t> 與</a:t>
+            </a:r>
+            <a:r>
+              <a:rPr lang="en-US" altLang="zh-TW" sz="2800" dirty="0" smtClean="0"/>
+              <a:t>Node.js</a:t>
+            </a:r>
+            <a:r>
+              <a:rPr lang="zh-TW" altLang="en-US" sz="2800" dirty="0" smtClean="0"/>
+              <a:t> 獲取資料庫資料，將資料一筆筆渲染至頁面呈現。</a:t>
+            </a:r>
+            <a:endParaRPr lang="en-US" altLang="zh-TW" sz="2800" dirty="0" smtClean="0"/>
+          </a:p>
+          <a:p>
+            <a:pPr algn="l"/>
+            <a:r>
+              <a:rPr lang="zh-TW" altLang="en-US" sz="2800" dirty="0" smtClean="0"/>
+              <a:t> </a:t>
+            </a:r>
+            <a:r>
+              <a:rPr lang="en-US" altLang="zh-TW" sz="2800" dirty="0" smtClean="0"/>
+              <a:t> </a:t>
+            </a:r>
+            <a:endParaRPr lang="zh-TW" altLang="en-US" sz="2800" dirty="0"/>
+          </a:p>
+        </p:txBody>
+      </p:sp>
       <p:pic>
         <p:nvPicPr>
-          <p:cNvPr id="1027" name="Picture 3"/>
+          <p:cNvPr id="9" name="Picture 2"/>
           <p:cNvPicPr>
             <a:picLocks noChangeAspect="1" noChangeArrowheads="1"/>
           </p:cNvPicPr>
@@ -4833,8 +7350,136 @@
         </p:blipFill>
         <p:spPr bwMode="auto">
           <a:xfrm>
-            <a:off x="636333" y="836712"/>
-            <a:ext cx="8778534" cy="5663334"/>
+            <a:off x="776536" y="1752010"/>
+            <a:ext cx="2592288" cy="4752529"/>
+          </a:xfrm>
+          <a:prstGeom prst="rect">
+            <a:avLst/>
+          </a:prstGeom>
+          <a:noFill/>
+          <a:ln>
+            <a:noFill/>
+          </a:ln>
+          <a:effectLst/>
+          <a:extLst>
+            <a:ext uri="{909E8E84-426E-40DD-AFC4-6F175D3DCCD1}">
+              <a14:hiddenFill xmlns:a14="http://schemas.microsoft.com/office/drawing/2010/main">
+                <a:solidFill>
+                  <a:schemeClr val="accent1"/>
+                </a:solidFill>
+              </a14:hiddenFill>
+            </a:ext>
+            <a:ext uri="{91240B29-F687-4F45-9708-019B960494DF}">
+              <a14:hiddenLine xmlns:a14="http://schemas.microsoft.com/office/drawing/2010/main" w="9525">
+                <a:solidFill>
+                  <a:schemeClr val="tx1"/>
+                </a:solidFill>
+                <a:miter lim="800000"/>
+                <a:headEnd/>
+                <a:tailEnd/>
+              </a14:hiddenLine>
+            </a:ext>
+            <a:ext uri="{AF507438-7753-43E0-B8FC-AC1667EBCBE1}">
+              <a14:hiddenEffects xmlns:a14="http://schemas.microsoft.com/office/drawing/2010/main">
+                <a:effectLst>
+                  <a:outerShdw dist="35921" dir="2700000" algn="ctr" rotWithShape="0">
+                    <a:schemeClr val="bg2"/>
+                  </a:outerShdw>
+                </a:effectLst>
+              </a14:hiddenEffects>
+            </a:ext>
+          </a:extLst>
+        </p:spPr>
+      </p:pic>
+      <p:pic>
+        <p:nvPicPr>
+          <p:cNvPr id="10" name="Picture 3"/>
+          <p:cNvPicPr>
+            <a:picLocks noChangeAspect="1" noChangeArrowheads="1"/>
+          </p:cNvPicPr>
+          <p:nvPr/>
+        </p:nvPicPr>
+        <p:blipFill>
+          <a:blip r:embed="rId3">
+            <a:extLst>
+              <a:ext uri="{28A0092B-C50C-407E-A947-70E740481C1C}">
+                <a14:useLocalDpi xmlns:a14="http://schemas.microsoft.com/office/drawing/2010/main" val="0"/>
+              </a:ext>
+            </a:extLst>
+          </a:blip>
+          <a:srcRect/>
+          <a:stretch>
+            <a:fillRect/>
+          </a:stretch>
+        </p:blipFill>
+        <p:spPr bwMode="auto">
+          <a:xfrm>
+            <a:off x="3872880" y="2492896"/>
+            <a:ext cx="5611419" cy="3528392"/>
+          </a:xfrm>
+          <a:prstGeom prst="rect">
+            <a:avLst/>
+          </a:prstGeom>
+          <a:noFill/>
+          <a:ln>
+            <a:noFill/>
+          </a:ln>
+          <a:effectLst/>
+          <a:extLst>
+            <a:ext uri="{909E8E84-426E-40DD-AFC4-6F175D3DCCD1}">
+              <a14:hiddenFill xmlns:a14="http://schemas.microsoft.com/office/drawing/2010/main">
+                <a:solidFill>
+                  <a:schemeClr val="accent1"/>
+                </a:solidFill>
+              </a14:hiddenFill>
+            </a:ext>
+            <a:ext uri="{91240B29-F687-4F45-9708-019B960494DF}">
+              <a14:hiddenLine xmlns:a14="http://schemas.microsoft.com/office/drawing/2010/main" w="9525">
+                <a:solidFill>
+                  <a:schemeClr val="tx1"/>
+                </a:solidFill>
+                <a:miter lim="800000"/>
+                <a:headEnd/>
+                <a:tailEnd/>
+              </a14:hiddenLine>
+            </a:ext>
+            <a:ext uri="{AF507438-7753-43E0-B8FC-AC1667EBCBE1}">
+              <a14:hiddenEffects xmlns:a14="http://schemas.microsoft.com/office/drawing/2010/main">
+                <a:effectLst>
+                  <a:outerShdw dist="35921" dir="2700000" algn="ctr" rotWithShape="0">
+                    <a:schemeClr val="bg2"/>
+                  </a:outerShdw>
+                </a:effectLst>
+              </a14:hiddenEffects>
+            </a:ext>
+          </a:extLst>
+        </p:spPr>
+      </p:pic>
+      <p:pic>
+        <p:nvPicPr>
+          <p:cNvPr id="11" name="Picture 4"/>
+          <p:cNvPicPr>
+            <a:picLocks noChangeAspect="1" noChangeArrowheads="1"/>
+          </p:cNvPicPr>
+          <p:nvPr/>
+        </p:nvPicPr>
+        <p:blipFill>
+          <a:blip r:embed="rId4">
+            <a:extLst>
+              <a:ext uri="{28A0092B-C50C-407E-A947-70E740481C1C}">
+                <a14:useLocalDpi xmlns:a14="http://schemas.microsoft.com/office/drawing/2010/main" val="0"/>
+              </a:ext>
+            </a:extLst>
+          </a:blip>
+          <a:srcRect/>
+          <a:stretch>
+            <a:fillRect/>
+          </a:stretch>
+        </p:blipFill>
+        <p:spPr bwMode="auto">
+          <a:xfrm>
+            <a:off x="1724393" y="2297183"/>
+            <a:ext cx="6602413" cy="3181350"/>
           </a:xfrm>
           <a:prstGeom prst="rect">
             <a:avLst/>
@@ -4877,7 +7522,7 @@
     </p:spTree>
     <p:extLst>
       <p:ext uri="{BB962C8B-B14F-4D97-AF65-F5344CB8AC3E}">
-        <p14:creationId xmlns:p14="http://schemas.microsoft.com/office/powerpoint/2010/main" val="2168302433"/>
+        <p14:creationId xmlns:p14="http://schemas.microsoft.com/office/powerpoint/2010/main" val="320194135"/>
       </p:ext>
     </p:extLst>
   </p:cSld>
@@ -4887,7 +7532,1118 @@
 </p:sld>
 </file>
 
-<file path=ppt/slides/slide3.xml><?xml version="1.0" encoding="utf-8"?>
+<file path=ppt/slides/slide5.xml><?xml version="1.0" encoding="utf-8"?>
+<p:sld xmlns:a="http://schemas.openxmlformats.org/drawingml/2006/main" xmlns:r="http://schemas.openxmlformats.org/officeDocument/2006/relationships" xmlns:p="http://schemas.openxmlformats.org/presentationml/2006/main">
+  <p:cSld>
+    <p:spTree>
+      <p:nvGrpSpPr>
+        <p:cNvPr id="1" name=""/>
+        <p:cNvGrpSpPr/>
+        <p:nvPr/>
+      </p:nvGrpSpPr>
+      <p:grpSpPr>
+        <a:xfrm>
+          <a:off x="0" y="0"/>
+          <a:ext cx="0" cy="0"/>
+          <a:chOff x="0" y="0"/>
+          <a:chExt cx="0" cy="0"/>
+        </a:xfrm>
+      </p:grpSpPr>
+      <p:sp>
+        <p:nvSpPr>
+          <p:cNvPr id="5" name="標題 3"/>
+          <p:cNvSpPr txBox="1">
+            <a:spLocks/>
+          </p:cNvSpPr>
+          <p:nvPr/>
+        </p:nvSpPr>
+        <p:spPr>
+          <a:xfrm>
+            <a:off x="632520" y="548680"/>
+            <a:ext cx="8640960" cy="692696"/>
+          </a:xfrm>
+          <a:prstGeom prst="rect">
+            <a:avLst/>
+          </a:prstGeom>
+        </p:spPr>
+        <p:txBody>
+          <a:bodyPr vert="horz" lIns="91440" tIns="45720" rIns="91440" bIns="45720" rtlCol="0" anchor="ctr">
+            <a:normAutofit/>
+          </a:bodyPr>
+          <a:lstStyle>
+            <a:lvl1pPr algn="ctr" defTabSz="914400" rtl="0" eaLnBrk="1" latinLnBrk="0" hangingPunct="1">
+              <a:spcBef>
+                <a:spcPct val="0"/>
+              </a:spcBef>
+              <a:buNone/>
+              <a:defRPr lang="zh-TW" altLang="en-US" sz="3600" b="1" kern="1200" spc="300" dirty="0">
+                <a:solidFill>
+                  <a:srgbClr val="FFC000"/>
+                </a:solidFill>
+                <a:latin typeface="+mn-ea"/>
+                <a:ea typeface="+mn-ea"/>
+                <a:cs typeface="+mj-cs"/>
+              </a:defRPr>
+            </a:lvl1pPr>
+          </a:lstStyle>
+          <a:p>
+            <a:r>
+              <a:rPr lang="zh-TW" altLang="en-US" dirty="0" smtClean="0"/>
+              <a:t>技術要點</a:t>
+            </a:r>
+            <a:endParaRPr lang="en-US" altLang="zh-TW" dirty="0"/>
+          </a:p>
+        </p:txBody>
+      </p:sp>
+      <p:grpSp>
+        <p:nvGrpSpPr>
+          <p:cNvPr id="99" name="群組 98"/>
+          <p:cNvGrpSpPr/>
+          <p:nvPr/>
+        </p:nvGrpSpPr>
+        <p:grpSpPr>
+          <a:xfrm>
+            <a:off x="1384470" y="1628800"/>
+            <a:ext cx="7137059" cy="3968021"/>
+            <a:chOff x="912285" y="1664804"/>
+            <a:chExt cx="8081429" cy="4493066"/>
+          </a:xfrm>
+        </p:grpSpPr>
+        <p:sp>
+          <p:nvSpPr>
+            <p:cNvPr id="6" name="Google Shape;134;p5"/>
+            <p:cNvSpPr/>
+            <p:nvPr/>
+          </p:nvSpPr>
+          <p:spPr>
+            <a:xfrm>
+              <a:off x="4021106" y="3590424"/>
+              <a:ext cx="1903095" cy="634365"/>
+            </a:xfrm>
+            <a:prstGeom prst="roundRect">
+              <a:avLst/>
+            </a:prstGeom>
+            <a:solidFill>
+              <a:schemeClr val="accent4"/>
+            </a:solidFill>
+            <a:ln w="28575">
+              <a:solidFill>
+                <a:schemeClr val="accent4"/>
+              </a:solidFill>
+            </a:ln>
+          </p:spPr>
+          <p:txBody>
+            <a:bodyPr spcFirstLastPara="1" wrap="square" lIns="91425" tIns="45700" rIns="91425" bIns="45700" anchor="ctr" anchorCtr="0">
+              <a:noAutofit/>
+            </a:bodyPr>
+            <a:lstStyle/>
+            <a:p>
+              <a:pPr marL="0" marR="0" lvl="0" indent="0" algn="ctr" rtl="0">
+                <a:spcBef>
+                  <a:spcPts val="0"/>
+                </a:spcBef>
+                <a:spcAft>
+                  <a:spcPts val="0"/>
+                </a:spcAft>
+                <a:buNone/>
+              </a:pPr>
+              <a:r>
+                <a:rPr lang="zh-TW" altLang="en-US" b="1" dirty="0" smtClean="0">
+                  <a:solidFill>
+                    <a:srgbClr val="292929"/>
+                  </a:solidFill>
+                  <a:latin typeface="Microsoft JhengHei"/>
+                  <a:ea typeface="Microsoft JhengHei"/>
+                  <a:cs typeface="Microsoft JhengHei"/>
+                  <a:sym typeface="Microsoft JhengHei"/>
+                </a:rPr>
+                <a:t>技術要點</a:t>
+              </a:r>
+              <a:endParaRPr dirty="0">
+                <a:solidFill>
+                  <a:srgbClr val="292929"/>
+                </a:solidFill>
+              </a:endParaRPr>
+            </a:p>
+          </p:txBody>
+        </p:sp>
+        <p:sp>
+          <p:nvSpPr>
+            <p:cNvPr id="7" name="Google Shape;134;p5"/>
+            <p:cNvSpPr>
+              <a:spLocks noChangeAspect="1"/>
+            </p:cNvSpPr>
+            <p:nvPr/>
+          </p:nvSpPr>
+          <p:spPr>
+            <a:xfrm>
+              <a:off x="912285" y="1680171"/>
+              <a:ext cx="1903095" cy="613853"/>
+            </a:xfrm>
+            <a:prstGeom prst="roundRect">
+              <a:avLst/>
+            </a:prstGeom>
+            <a:noFill/>
+            <a:ln w="28575">
+              <a:solidFill>
+                <a:schemeClr val="accent4"/>
+              </a:solidFill>
+            </a:ln>
+          </p:spPr>
+          <p:txBody>
+            <a:bodyPr spcFirstLastPara="1" wrap="square" lIns="91425" tIns="45700" rIns="91425" bIns="45700" anchor="ctr" anchorCtr="0">
+              <a:noAutofit/>
+            </a:bodyPr>
+            <a:lstStyle/>
+            <a:p>
+              <a:pPr marL="0" marR="0" lvl="0" indent="0" algn="ctr" rtl="0">
+                <a:spcBef>
+                  <a:spcPts val="0"/>
+                </a:spcBef>
+                <a:spcAft>
+                  <a:spcPts val="0"/>
+                </a:spcAft>
+                <a:buNone/>
+              </a:pPr>
+              <a:r>
+                <a:rPr lang="en-US" b="1" dirty="0" smtClean="0">
+                  <a:solidFill>
+                    <a:schemeClr val="bg1"/>
+                  </a:solidFill>
+                  <a:latin typeface="Microsoft JhengHei"/>
+                  <a:ea typeface="Microsoft JhengHei"/>
+                  <a:cs typeface="Microsoft JhengHei"/>
+                  <a:sym typeface="Microsoft JhengHei"/>
+                </a:rPr>
+                <a:t>UI</a:t>
+              </a:r>
+              <a:r>
+                <a:rPr lang="zh-TW" altLang="en-US" b="1" dirty="0" smtClean="0">
+                  <a:solidFill>
+                    <a:schemeClr val="bg1"/>
+                  </a:solidFill>
+                  <a:latin typeface="Microsoft JhengHei"/>
+                  <a:ea typeface="Microsoft JhengHei"/>
+                  <a:cs typeface="Microsoft JhengHei"/>
+                  <a:sym typeface="Microsoft JhengHei"/>
+                </a:rPr>
+                <a:t>、配色</a:t>
+              </a:r>
+              <a:endParaRPr dirty="0">
+                <a:solidFill>
+                  <a:schemeClr val="bg1"/>
+                </a:solidFill>
+              </a:endParaRPr>
+            </a:p>
+          </p:txBody>
+        </p:sp>
+        <p:cxnSp>
+          <p:nvCxnSpPr>
+            <p:cNvPr id="14" name="肘形接點 13"/>
+            <p:cNvCxnSpPr>
+              <a:stCxn id="6" idx="1"/>
+              <a:endCxn id="7" idx="3"/>
+            </p:cNvCxnSpPr>
+            <p:nvPr/>
+          </p:nvCxnSpPr>
+          <p:spPr>
+            <a:xfrm rot="10800000">
+              <a:off x="2815380" y="1987099"/>
+              <a:ext cx="1205726" cy="1920509"/>
+            </a:xfrm>
+            <a:prstGeom prst="bentConnector3">
+              <a:avLst>
+                <a:gd name="adj1" fmla="val 50000"/>
+              </a:avLst>
+            </a:prstGeom>
+            <a:ln w="19050">
+              <a:tailEnd type="triangle"/>
+            </a:ln>
+          </p:spPr>
+          <p:style>
+            <a:lnRef idx="1">
+              <a:schemeClr val="accent1"/>
+            </a:lnRef>
+            <a:fillRef idx="0">
+              <a:schemeClr val="accent1"/>
+            </a:fillRef>
+            <a:effectRef idx="0">
+              <a:schemeClr val="accent1"/>
+            </a:effectRef>
+            <a:fontRef idx="minor">
+              <a:schemeClr val="tx1"/>
+            </a:fontRef>
+          </p:style>
+        </p:cxnSp>
+        <p:sp>
+          <p:nvSpPr>
+            <p:cNvPr id="15" name="Google Shape;134;p5"/>
+            <p:cNvSpPr/>
+            <p:nvPr/>
+          </p:nvSpPr>
+          <p:spPr>
+            <a:xfrm>
+              <a:off x="912293" y="2644846"/>
+              <a:ext cx="1903095" cy="634365"/>
+            </a:xfrm>
+            <a:prstGeom prst="roundRect">
+              <a:avLst/>
+            </a:prstGeom>
+            <a:noFill/>
+            <a:ln w="28575">
+              <a:solidFill>
+                <a:schemeClr val="accent4"/>
+              </a:solidFill>
+            </a:ln>
+          </p:spPr>
+          <p:txBody>
+            <a:bodyPr spcFirstLastPara="1" wrap="square" lIns="91425" tIns="45700" rIns="91425" bIns="45700" anchor="ctr" anchorCtr="0">
+              <a:noAutofit/>
+            </a:bodyPr>
+            <a:lstStyle/>
+            <a:p>
+              <a:pPr lvl="0" algn="ctr"/>
+              <a:r>
+                <a:rPr lang="zh-TW" altLang="en-US" b="1" dirty="0">
+                  <a:solidFill>
+                    <a:schemeClr val="bg1"/>
+                  </a:solidFill>
+                  <a:latin typeface="Microsoft JhengHei"/>
+                  <a:ea typeface="Microsoft JhengHei"/>
+                  <a:cs typeface="Microsoft JhengHei"/>
+                  <a:sym typeface="Microsoft JhengHei"/>
+                </a:rPr>
+                <a:t>搜尋、輪播</a:t>
+              </a:r>
+              <a:endParaRPr lang="zh-TW" altLang="en-US" dirty="0">
+                <a:solidFill>
+                  <a:schemeClr val="bg1"/>
+                </a:solidFill>
+              </a:endParaRPr>
+            </a:p>
+          </p:txBody>
+        </p:sp>
+        <p:cxnSp>
+          <p:nvCxnSpPr>
+            <p:cNvPr id="16" name="肘形接點 15"/>
+            <p:cNvCxnSpPr>
+              <a:stCxn id="6" idx="1"/>
+            </p:cNvCxnSpPr>
+            <p:nvPr/>
+          </p:nvCxnSpPr>
+          <p:spPr>
+            <a:xfrm rot="10800000">
+              <a:off x="2815390" y="2962029"/>
+              <a:ext cx="1205717" cy="945578"/>
+            </a:xfrm>
+            <a:prstGeom prst="bentConnector3">
+              <a:avLst/>
+            </a:prstGeom>
+            <a:ln w="19050">
+              <a:tailEnd type="triangle"/>
+            </a:ln>
+          </p:spPr>
+          <p:style>
+            <a:lnRef idx="1">
+              <a:schemeClr val="accent1"/>
+            </a:lnRef>
+            <a:fillRef idx="0">
+              <a:schemeClr val="accent1"/>
+            </a:fillRef>
+            <a:effectRef idx="0">
+              <a:schemeClr val="accent1"/>
+            </a:effectRef>
+            <a:fontRef idx="minor">
+              <a:schemeClr val="tx1"/>
+            </a:fontRef>
+          </p:style>
+        </p:cxnSp>
+        <p:sp>
+          <p:nvSpPr>
+            <p:cNvPr id="19" name="Google Shape;134;p5"/>
+            <p:cNvSpPr/>
+            <p:nvPr/>
+          </p:nvSpPr>
+          <p:spPr>
+            <a:xfrm>
+              <a:off x="912293" y="3594153"/>
+              <a:ext cx="1903095" cy="634365"/>
+            </a:xfrm>
+            <a:prstGeom prst="roundRect">
+              <a:avLst/>
+            </a:prstGeom>
+            <a:noFill/>
+            <a:ln w="28575">
+              <a:solidFill>
+                <a:schemeClr val="accent4"/>
+              </a:solidFill>
+            </a:ln>
+          </p:spPr>
+          <p:txBody>
+            <a:bodyPr spcFirstLastPara="1" wrap="square" lIns="91425" tIns="45700" rIns="91425" bIns="45700" anchor="ctr" anchorCtr="0">
+              <a:noAutofit/>
+            </a:bodyPr>
+            <a:lstStyle/>
+            <a:p>
+              <a:pPr lvl="0" algn="ctr"/>
+              <a:r>
+                <a:rPr lang="zh-TW" altLang="en-US" b="1" dirty="0">
+                  <a:solidFill>
+                    <a:schemeClr val="bg1"/>
+                  </a:solidFill>
+                  <a:latin typeface="Microsoft JhengHei"/>
+                  <a:ea typeface="Microsoft JhengHei"/>
+                  <a:cs typeface="Microsoft JhengHei"/>
+                  <a:sym typeface="Microsoft JhengHei"/>
+                </a:rPr>
+                <a:t>切分頁</a:t>
+              </a:r>
+              <a:endParaRPr lang="zh-TW" altLang="en-US" dirty="0">
+                <a:solidFill>
+                  <a:schemeClr val="bg1"/>
+                </a:solidFill>
+              </a:endParaRPr>
+            </a:p>
+          </p:txBody>
+        </p:sp>
+        <p:cxnSp>
+          <p:nvCxnSpPr>
+            <p:cNvPr id="26" name="肘形接點 25"/>
+            <p:cNvCxnSpPr>
+              <a:stCxn id="6" idx="1"/>
+            </p:cNvCxnSpPr>
+            <p:nvPr/>
+          </p:nvCxnSpPr>
+          <p:spPr>
+            <a:xfrm rot="10800000" flipV="1">
+              <a:off x="2815390" y="3907607"/>
+              <a:ext cx="1205717" cy="3728"/>
+            </a:xfrm>
+            <a:prstGeom prst="bentConnector3">
+              <a:avLst/>
+            </a:prstGeom>
+            <a:ln w="19050">
+              <a:tailEnd type="triangle"/>
+            </a:ln>
+          </p:spPr>
+          <p:style>
+            <a:lnRef idx="1">
+              <a:schemeClr val="accent1"/>
+            </a:lnRef>
+            <a:fillRef idx="0">
+              <a:schemeClr val="accent1"/>
+            </a:fillRef>
+            <a:effectRef idx="0">
+              <a:schemeClr val="accent1"/>
+            </a:effectRef>
+            <a:fontRef idx="minor">
+              <a:schemeClr val="tx1"/>
+            </a:fontRef>
+          </p:style>
+        </p:cxnSp>
+        <p:sp>
+          <p:nvSpPr>
+            <p:cNvPr id="29" name="Google Shape;134;p5"/>
+            <p:cNvSpPr/>
+            <p:nvPr/>
+          </p:nvSpPr>
+          <p:spPr>
+            <a:xfrm>
+              <a:off x="912293" y="4558830"/>
+              <a:ext cx="1903095" cy="634365"/>
+            </a:xfrm>
+            <a:prstGeom prst="roundRect">
+              <a:avLst/>
+            </a:prstGeom>
+            <a:noFill/>
+            <a:ln w="28575">
+              <a:solidFill>
+                <a:schemeClr val="accent4"/>
+              </a:solidFill>
+            </a:ln>
+          </p:spPr>
+          <p:txBody>
+            <a:bodyPr spcFirstLastPara="1" wrap="square" lIns="91425" tIns="45700" rIns="91425" bIns="45700" anchor="ctr" anchorCtr="0">
+              <a:noAutofit/>
+            </a:bodyPr>
+            <a:lstStyle/>
+            <a:p>
+              <a:pPr lvl="0" algn="ctr"/>
+              <a:r>
+                <a:rPr lang="zh-TW" altLang="en-US" b="1" dirty="0">
+                  <a:solidFill>
+                    <a:schemeClr val="bg1"/>
+                  </a:solidFill>
+                  <a:latin typeface="Microsoft JhengHei"/>
+                  <a:ea typeface="Microsoft JhengHei"/>
+                  <a:cs typeface="Microsoft JhengHei"/>
+                  <a:sym typeface="Microsoft JhengHei"/>
+                </a:rPr>
+                <a:t>登入、註冊</a:t>
+              </a:r>
+              <a:endParaRPr lang="zh-TW" altLang="en-US" dirty="0">
+                <a:solidFill>
+                  <a:schemeClr val="bg1"/>
+                </a:solidFill>
+              </a:endParaRPr>
+            </a:p>
+          </p:txBody>
+        </p:sp>
+        <p:cxnSp>
+          <p:nvCxnSpPr>
+            <p:cNvPr id="31" name="肘形接點 30"/>
+            <p:cNvCxnSpPr>
+              <a:stCxn id="6" idx="1"/>
+            </p:cNvCxnSpPr>
+            <p:nvPr/>
+          </p:nvCxnSpPr>
+          <p:spPr>
+            <a:xfrm rot="10800000" flipV="1">
+              <a:off x="2815390" y="3907606"/>
+              <a:ext cx="1205717" cy="968405"/>
+            </a:xfrm>
+            <a:prstGeom prst="bentConnector3">
+              <a:avLst/>
+            </a:prstGeom>
+            <a:ln w="19050">
+              <a:tailEnd type="triangle"/>
+            </a:ln>
+          </p:spPr>
+          <p:style>
+            <a:lnRef idx="1">
+              <a:schemeClr val="accent1"/>
+            </a:lnRef>
+            <a:fillRef idx="0">
+              <a:schemeClr val="accent1"/>
+            </a:fillRef>
+            <a:effectRef idx="0">
+              <a:schemeClr val="accent1"/>
+            </a:effectRef>
+            <a:fontRef idx="minor">
+              <a:schemeClr val="tx1"/>
+            </a:fontRef>
+          </p:style>
+        </p:cxnSp>
+        <p:sp>
+          <p:nvSpPr>
+            <p:cNvPr id="42" name="Google Shape;134;p5"/>
+            <p:cNvSpPr/>
+            <p:nvPr/>
+          </p:nvSpPr>
+          <p:spPr>
+            <a:xfrm>
+              <a:off x="7090619" y="1664804"/>
+              <a:ext cx="1903095" cy="634365"/>
+            </a:xfrm>
+            <a:prstGeom prst="roundRect">
+              <a:avLst/>
+            </a:prstGeom>
+            <a:noFill/>
+            <a:ln w="28575">
+              <a:solidFill>
+                <a:schemeClr val="accent4"/>
+              </a:solidFill>
+            </a:ln>
+          </p:spPr>
+          <p:txBody>
+            <a:bodyPr spcFirstLastPara="1" wrap="square" lIns="91425" tIns="45700" rIns="91425" bIns="45700" anchor="ctr" anchorCtr="0">
+              <a:noAutofit/>
+            </a:bodyPr>
+            <a:lstStyle/>
+            <a:p>
+              <a:pPr marL="0" marR="0" lvl="0" indent="0" algn="ctr" rtl="0">
+                <a:spcBef>
+                  <a:spcPts val="0"/>
+                </a:spcBef>
+                <a:spcAft>
+                  <a:spcPts val="0"/>
+                </a:spcAft>
+                <a:buNone/>
+              </a:pPr>
+              <a:r>
+                <a:rPr lang="zh-TW" altLang="en-US" b="1" dirty="0" smtClean="0">
+                  <a:solidFill>
+                    <a:schemeClr val="bg1"/>
+                  </a:solidFill>
+                  <a:latin typeface="Microsoft JhengHei"/>
+                  <a:ea typeface="Microsoft JhengHei"/>
+                  <a:cs typeface="Microsoft JhengHei"/>
+                  <a:sym typeface="Microsoft JhengHei"/>
+                </a:rPr>
+                <a:t>購物車</a:t>
+              </a:r>
+              <a:endParaRPr dirty="0">
+                <a:solidFill>
+                  <a:schemeClr val="bg1"/>
+                </a:solidFill>
+              </a:endParaRPr>
+            </a:p>
+          </p:txBody>
+        </p:sp>
+        <p:sp>
+          <p:nvSpPr>
+            <p:cNvPr id="44" name="Google Shape;134;p5"/>
+            <p:cNvSpPr/>
+            <p:nvPr/>
+          </p:nvSpPr>
+          <p:spPr>
+            <a:xfrm>
+              <a:off x="7090619" y="2630172"/>
+              <a:ext cx="1903095" cy="634365"/>
+            </a:xfrm>
+            <a:prstGeom prst="roundRect">
+              <a:avLst/>
+            </a:prstGeom>
+            <a:noFill/>
+            <a:ln w="28575">
+              <a:solidFill>
+                <a:schemeClr val="accent4"/>
+              </a:solidFill>
+            </a:ln>
+          </p:spPr>
+          <p:txBody>
+            <a:bodyPr spcFirstLastPara="1" wrap="square" lIns="91425" tIns="45700" rIns="91425" bIns="45700" anchor="ctr" anchorCtr="0">
+              <a:noAutofit/>
+            </a:bodyPr>
+            <a:lstStyle/>
+            <a:p>
+              <a:pPr algn="ctr"/>
+              <a:r>
+                <a:rPr lang="zh-TW" altLang="en-US" b="1" dirty="0" smtClean="0">
+                  <a:solidFill>
+                    <a:schemeClr val="bg1"/>
+                  </a:solidFill>
+                  <a:latin typeface="Microsoft JhengHei"/>
+                  <a:ea typeface="Microsoft JhengHei"/>
+                  <a:cs typeface="Microsoft JhengHei"/>
+                  <a:sym typeface="Microsoft JhengHei"/>
+                </a:rPr>
+                <a:t>商品放大鏡</a:t>
+              </a:r>
+              <a:endParaRPr lang="zh-TW" altLang="en-US" dirty="0">
+                <a:solidFill>
+                  <a:schemeClr val="bg1"/>
+                </a:solidFill>
+              </a:endParaRPr>
+            </a:p>
+          </p:txBody>
+        </p:sp>
+        <p:cxnSp>
+          <p:nvCxnSpPr>
+            <p:cNvPr id="45" name="肘形接點 44"/>
+            <p:cNvCxnSpPr>
+              <a:stCxn id="6" idx="3"/>
+              <a:endCxn id="42" idx="1"/>
+            </p:cNvCxnSpPr>
+            <p:nvPr/>
+          </p:nvCxnSpPr>
+          <p:spPr>
+            <a:xfrm flipV="1">
+              <a:off x="5924201" y="1981987"/>
+              <a:ext cx="1166418" cy="1925620"/>
+            </a:xfrm>
+            <a:prstGeom prst="bentConnector3">
+              <a:avLst>
+                <a:gd name="adj1" fmla="val 50000"/>
+              </a:avLst>
+            </a:prstGeom>
+            <a:ln w="19050">
+              <a:tailEnd type="triangle"/>
+            </a:ln>
+          </p:spPr>
+          <p:style>
+            <a:lnRef idx="1">
+              <a:schemeClr val="accent1"/>
+            </a:lnRef>
+            <a:fillRef idx="0">
+              <a:schemeClr val="accent1"/>
+            </a:fillRef>
+            <a:effectRef idx="0">
+              <a:schemeClr val="accent1"/>
+            </a:effectRef>
+            <a:fontRef idx="minor">
+              <a:schemeClr val="tx1"/>
+            </a:fontRef>
+          </p:style>
+        </p:cxnSp>
+        <p:cxnSp>
+          <p:nvCxnSpPr>
+            <p:cNvPr id="48" name="肘形接點 47"/>
+            <p:cNvCxnSpPr>
+              <a:stCxn id="6" idx="3"/>
+            </p:cNvCxnSpPr>
+            <p:nvPr/>
+          </p:nvCxnSpPr>
+          <p:spPr>
+            <a:xfrm flipV="1">
+              <a:off x="5924201" y="2946663"/>
+              <a:ext cx="1164897" cy="960944"/>
+            </a:xfrm>
+            <a:prstGeom prst="bentConnector3">
+              <a:avLst>
+                <a:gd name="adj1" fmla="val 50000"/>
+              </a:avLst>
+            </a:prstGeom>
+            <a:ln w="19050">
+              <a:tailEnd type="triangle"/>
+            </a:ln>
+          </p:spPr>
+          <p:style>
+            <a:lnRef idx="1">
+              <a:schemeClr val="accent1"/>
+            </a:lnRef>
+            <a:fillRef idx="0">
+              <a:schemeClr val="accent1"/>
+            </a:fillRef>
+            <a:effectRef idx="0">
+              <a:schemeClr val="accent1"/>
+            </a:effectRef>
+            <a:fontRef idx="minor">
+              <a:schemeClr val="tx1"/>
+            </a:fontRef>
+          </p:style>
+        </p:cxnSp>
+        <p:cxnSp>
+          <p:nvCxnSpPr>
+            <p:cNvPr id="51" name="肘形接點 50"/>
+            <p:cNvCxnSpPr>
+              <a:stCxn id="6" idx="3"/>
+            </p:cNvCxnSpPr>
+            <p:nvPr/>
+          </p:nvCxnSpPr>
+          <p:spPr>
+            <a:xfrm>
+              <a:off x="5924201" y="3907607"/>
+              <a:ext cx="1164897" cy="3730"/>
+            </a:xfrm>
+            <a:prstGeom prst="bentConnector3">
+              <a:avLst>
+                <a:gd name="adj1" fmla="val 50000"/>
+              </a:avLst>
+            </a:prstGeom>
+            <a:ln w="19050">
+              <a:tailEnd type="triangle"/>
+            </a:ln>
+          </p:spPr>
+          <p:style>
+            <a:lnRef idx="1">
+              <a:schemeClr val="accent1"/>
+            </a:lnRef>
+            <a:fillRef idx="0">
+              <a:schemeClr val="accent1"/>
+            </a:fillRef>
+            <a:effectRef idx="0">
+              <a:schemeClr val="accent1"/>
+            </a:effectRef>
+            <a:fontRef idx="minor">
+              <a:schemeClr val="tx1"/>
+            </a:fontRef>
+          </p:style>
+        </p:cxnSp>
+        <p:sp>
+          <p:nvSpPr>
+            <p:cNvPr id="57" name="Google Shape;134;p5"/>
+            <p:cNvSpPr/>
+            <p:nvPr/>
+          </p:nvSpPr>
+          <p:spPr>
+            <a:xfrm>
+              <a:off x="7066395" y="3590422"/>
+              <a:ext cx="1903095" cy="634365"/>
+            </a:xfrm>
+            <a:prstGeom prst="roundRect">
+              <a:avLst/>
+            </a:prstGeom>
+            <a:noFill/>
+            <a:ln w="28575">
+              <a:solidFill>
+                <a:schemeClr val="accent4"/>
+              </a:solidFill>
+            </a:ln>
+          </p:spPr>
+          <p:txBody>
+            <a:bodyPr spcFirstLastPara="1" wrap="square" lIns="91425" tIns="45700" rIns="91425" bIns="45700" anchor="ctr" anchorCtr="0">
+              <a:noAutofit/>
+            </a:bodyPr>
+            <a:lstStyle/>
+            <a:p>
+              <a:pPr lvl="0" algn="ctr"/>
+              <a:endParaRPr lang="zh-TW" altLang="en-US" dirty="0">
+                <a:solidFill>
+                  <a:schemeClr val="bg1"/>
+                </a:solidFill>
+              </a:endParaRPr>
+            </a:p>
+          </p:txBody>
+        </p:sp>
+        <p:cxnSp>
+          <p:nvCxnSpPr>
+            <p:cNvPr id="58" name="肘形接點 57"/>
+            <p:cNvCxnSpPr>
+              <a:stCxn id="6" idx="3"/>
+            </p:cNvCxnSpPr>
+            <p:nvPr/>
+          </p:nvCxnSpPr>
+          <p:spPr>
+            <a:xfrm>
+              <a:off x="5924201" y="3907607"/>
+              <a:ext cx="1142195" cy="968406"/>
+            </a:xfrm>
+            <a:prstGeom prst="bentConnector3">
+              <a:avLst>
+                <a:gd name="adj1" fmla="val 50000"/>
+              </a:avLst>
+            </a:prstGeom>
+            <a:ln w="19050">
+              <a:tailEnd type="triangle"/>
+            </a:ln>
+          </p:spPr>
+          <p:style>
+            <a:lnRef idx="1">
+              <a:schemeClr val="accent1"/>
+            </a:lnRef>
+            <a:fillRef idx="0">
+              <a:schemeClr val="accent1"/>
+            </a:fillRef>
+            <a:effectRef idx="0">
+              <a:schemeClr val="accent1"/>
+            </a:effectRef>
+            <a:fontRef idx="minor">
+              <a:schemeClr val="tx1"/>
+            </a:fontRef>
+          </p:style>
+        </p:cxnSp>
+        <p:sp>
+          <p:nvSpPr>
+            <p:cNvPr id="74" name="Google Shape;134;p5"/>
+            <p:cNvSpPr/>
+            <p:nvPr/>
+          </p:nvSpPr>
+          <p:spPr>
+            <a:xfrm>
+              <a:off x="7066396" y="5523505"/>
+              <a:ext cx="1903095" cy="634365"/>
+            </a:xfrm>
+            <a:prstGeom prst="roundRect">
+              <a:avLst/>
+            </a:prstGeom>
+            <a:noFill/>
+            <a:ln w="28575">
+              <a:solidFill>
+                <a:schemeClr val="accent4"/>
+              </a:solidFill>
+            </a:ln>
+          </p:spPr>
+          <p:txBody>
+            <a:bodyPr spcFirstLastPara="1" wrap="square" lIns="91425" tIns="45700" rIns="91425" bIns="45700" anchor="ctr" anchorCtr="0">
+              <a:noAutofit/>
+            </a:bodyPr>
+            <a:lstStyle/>
+            <a:p>
+              <a:pPr marL="0" marR="0" lvl="0" indent="0" algn="ctr" rtl="0">
+                <a:spcBef>
+                  <a:spcPts val="0"/>
+                </a:spcBef>
+                <a:spcAft>
+                  <a:spcPts val="0"/>
+                </a:spcAft>
+                <a:buNone/>
+              </a:pPr>
+              <a:r>
+                <a:rPr lang="zh-TW" altLang="en-US" b="1" dirty="0" smtClean="0">
+                  <a:solidFill>
+                    <a:schemeClr val="bg1"/>
+                  </a:solidFill>
+                  <a:latin typeface="Microsoft JhengHei"/>
+                  <a:ea typeface="Microsoft JhengHei"/>
+                  <a:cs typeface="Microsoft JhengHei"/>
+                  <a:sym typeface="Microsoft JhengHei"/>
+                </a:rPr>
+                <a:t>統計圖表</a:t>
+              </a:r>
+              <a:endParaRPr dirty="0">
+                <a:solidFill>
+                  <a:schemeClr val="bg1"/>
+                </a:solidFill>
+              </a:endParaRPr>
+            </a:p>
+          </p:txBody>
+        </p:sp>
+        <p:cxnSp>
+          <p:nvCxnSpPr>
+            <p:cNvPr id="75" name="肘形接點 74"/>
+            <p:cNvCxnSpPr>
+              <a:stCxn id="6" idx="3"/>
+              <a:endCxn id="74" idx="1"/>
+            </p:cNvCxnSpPr>
+            <p:nvPr/>
+          </p:nvCxnSpPr>
+          <p:spPr>
+            <a:xfrm>
+              <a:off x="5924201" y="3907607"/>
+              <a:ext cx="1142195" cy="1933081"/>
+            </a:xfrm>
+            <a:prstGeom prst="bentConnector3">
+              <a:avLst>
+                <a:gd name="adj1" fmla="val 50000"/>
+              </a:avLst>
+            </a:prstGeom>
+            <a:ln w="19050">
+              <a:tailEnd type="triangle"/>
+            </a:ln>
+          </p:spPr>
+          <p:style>
+            <a:lnRef idx="1">
+              <a:schemeClr val="accent1"/>
+            </a:lnRef>
+            <a:fillRef idx="0">
+              <a:schemeClr val="accent1"/>
+            </a:fillRef>
+            <a:effectRef idx="0">
+              <a:schemeClr val="accent1"/>
+            </a:effectRef>
+            <a:fontRef idx="minor">
+              <a:schemeClr val="tx1"/>
+            </a:fontRef>
+          </p:style>
+        </p:cxnSp>
+        <p:sp>
+          <p:nvSpPr>
+            <p:cNvPr id="78" name="Google Shape;134;p5"/>
+            <p:cNvSpPr/>
+            <p:nvPr/>
+          </p:nvSpPr>
+          <p:spPr>
+            <a:xfrm>
+              <a:off x="912285" y="5502918"/>
+              <a:ext cx="1903095" cy="634365"/>
+            </a:xfrm>
+            <a:prstGeom prst="roundRect">
+              <a:avLst/>
+            </a:prstGeom>
+            <a:noFill/>
+            <a:ln w="28575">
+              <a:solidFill>
+                <a:schemeClr val="accent4"/>
+              </a:solidFill>
+            </a:ln>
+          </p:spPr>
+          <p:txBody>
+            <a:bodyPr spcFirstLastPara="1" wrap="square" lIns="91425" tIns="45700" rIns="91425" bIns="45700" anchor="ctr" anchorCtr="0">
+              <a:noAutofit/>
+            </a:bodyPr>
+            <a:lstStyle/>
+            <a:p>
+              <a:pPr marL="0" marR="0" lvl="0" indent="0" algn="ctr" rtl="0">
+                <a:spcBef>
+                  <a:spcPts val="0"/>
+                </a:spcBef>
+                <a:spcAft>
+                  <a:spcPts val="0"/>
+                </a:spcAft>
+                <a:buNone/>
+              </a:pPr>
+              <a:r>
+                <a:rPr lang="zh-TW" altLang="en-US" b="1" dirty="0" smtClean="0">
+                  <a:solidFill>
+                    <a:schemeClr val="bg1"/>
+                  </a:solidFill>
+                  <a:latin typeface="Microsoft JhengHei"/>
+                  <a:ea typeface="Microsoft JhengHei"/>
+                  <a:cs typeface="Microsoft JhengHei"/>
+                  <a:sym typeface="Microsoft JhengHei"/>
+                </a:rPr>
+                <a:t>會員資料</a:t>
+              </a:r>
+              <a:endParaRPr dirty="0">
+                <a:solidFill>
+                  <a:schemeClr val="bg1"/>
+                </a:solidFill>
+              </a:endParaRPr>
+            </a:p>
+          </p:txBody>
+        </p:sp>
+        <p:cxnSp>
+          <p:nvCxnSpPr>
+            <p:cNvPr id="80" name="肘形接點 79"/>
+            <p:cNvCxnSpPr>
+              <a:stCxn id="6" idx="1"/>
+              <a:endCxn id="78" idx="3"/>
+            </p:cNvCxnSpPr>
+            <p:nvPr/>
+          </p:nvCxnSpPr>
+          <p:spPr>
+            <a:xfrm rot="10800000" flipV="1">
+              <a:off x="2815380" y="3907607"/>
+              <a:ext cx="1205726" cy="1912494"/>
+            </a:xfrm>
+            <a:prstGeom prst="bentConnector3">
+              <a:avLst>
+                <a:gd name="adj1" fmla="val 50000"/>
+              </a:avLst>
+            </a:prstGeom>
+            <a:ln w="19050">
+              <a:tailEnd type="triangle"/>
+            </a:ln>
+          </p:spPr>
+          <p:style>
+            <a:lnRef idx="1">
+              <a:schemeClr val="accent1"/>
+            </a:lnRef>
+            <a:fillRef idx="0">
+              <a:schemeClr val="accent1"/>
+            </a:fillRef>
+            <a:effectRef idx="0">
+              <a:schemeClr val="accent1"/>
+            </a:effectRef>
+            <a:fontRef idx="minor">
+              <a:schemeClr val="tx1"/>
+            </a:fontRef>
+          </p:style>
+        </p:cxnSp>
+      </p:grpSp>
+      <p:sp>
+        <p:nvSpPr>
+          <p:cNvPr id="25" name="Google Shape;134;p5"/>
+          <p:cNvSpPr/>
+          <p:nvPr/>
+        </p:nvSpPr>
+        <p:spPr>
+          <a:xfrm>
+            <a:off x="6839480" y="4184640"/>
+            <a:ext cx="1680705" cy="560235"/>
+          </a:xfrm>
+          <a:prstGeom prst="roundRect">
+            <a:avLst/>
+          </a:prstGeom>
+          <a:solidFill>
+            <a:schemeClr val="accent4"/>
+          </a:solidFill>
+          <a:ln w="28575">
+            <a:solidFill>
+              <a:schemeClr val="accent4"/>
+            </a:solidFill>
+          </a:ln>
+        </p:spPr>
+        <p:txBody>
+          <a:bodyPr spcFirstLastPara="1" wrap="square" lIns="91425" tIns="45700" rIns="91425" bIns="45700" anchor="ctr" anchorCtr="0">
+            <a:noAutofit/>
+          </a:bodyPr>
+          <a:lstStyle/>
+          <a:p>
+            <a:pPr algn="ctr"/>
+            <a:endParaRPr lang="zh-TW" altLang="en-US" dirty="0">
+              <a:solidFill>
+                <a:schemeClr val="bg2">
+                  <a:lumMod val="10000"/>
+                </a:schemeClr>
+              </a:solidFill>
+            </a:endParaRPr>
+          </a:p>
+        </p:txBody>
+      </p:sp>
+      <p:sp>
+        <p:nvSpPr>
+          <p:cNvPr id="2" name="矩形 1"/>
+          <p:cNvSpPr/>
+          <p:nvPr/>
+        </p:nvSpPr>
+        <p:spPr>
+          <a:xfrm>
+            <a:off x="7127178" y="4269353"/>
+            <a:ext cx="1107996" cy="369332"/>
+          </a:xfrm>
+          <a:prstGeom prst="rect">
+            <a:avLst/>
+          </a:prstGeom>
+        </p:spPr>
+        <p:txBody>
+          <a:bodyPr wrap="none">
+            <a:spAutoFit/>
+          </a:bodyPr>
+          <a:lstStyle/>
+          <a:p>
+            <a:pPr lvl="0" algn="ctr"/>
+            <a:r>
+              <a:rPr lang="zh-TW" altLang="en-US" b="1" dirty="0">
+                <a:solidFill>
+                  <a:schemeClr val="bg2">
+                    <a:lumMod val="10000"/>
+                  </a:schemeClr>
+                </a:solidFill>
+                <a:latin typeface="Microsoft JhengHei"/>
+                <a:ea typeface="Microsoft JhengHei"/>
+                <a:cs typeface="Microsoft JhengHei"/>
+                <a:sym typeface="Microsoft JhengHei"/>
+              </a:rPr>
+              <a:t>指定路由</a:t>
+            </a:r>
+            <a:endParaRPr lang="zh-TW" altLang="en-US" dirty="0">
+              <a:solidFill>
+                <a:schemeClr val="bg2">
+                  <a:lumMod val="10000"/>
+                </a:schemeClr>
+              </a:solidFill>
+            </a:endParaRPr>
+          </a:p>
+        </p:txBody>
+      </p:sp>
+      <p:sp>
+        <p:nvSpPr>
+          <p:cNvPr id="3" name="矩形 2"/>
+          <p:cNvSpPr/>
+          <p:nvPr/>
+        </p:nvSpPr>
+        <p:spPr>
+          <a:xfrm>
+            <a:off x="7105784" y="3424848"/>
+            <a:ext cx="1107996" cy="369332"/>
+          </a:xfrm>
+          <a:prstGeom prst="rect">
+            <a:avLst/>
+          </a:prstGeom>
+        </p:spPr>
+        <p:txBody>
+          <a:bodyPr wrap="none">
+            <a:spAutoFit/>
+          </a:bodyPr>
+          <a:lstStyle/>
+          <a:p>
+            <a:pPr lvl="0" algn="ctr"/>
+            <a:r>
+              <a:rPr lang="zh-TW" altLang="en-US" b="1" dirty="0">
+                <a:solidFill>
+                  <a:schemeClr val="bg1"/>
+                </a:solidFill>
+                <a:latin typeface="Microsoft JhengHei"/>
+                <a:ea typeface="Microsoft JhengHei"/>
+                <a:cs typeface="Microsoft JhengHei"/>
+                <a:sym typeface="Microsoft JhengHei"/>
+              </a:rPr>
+              <a:t>畫面渲染</a:t>
+            </a:r>
+            <a:endParaRPr lang="zh-TW" altLang="en-US" dirty="0">
+              <a:solidFill>
+                <a:schemeClr val="bg1"/>
+              </a:solidFill>
+            </a:endParaRPr>
+          </a:p>
+        </p:txBody>
+      </p:sp>
+    </p:spTree>
+    <p:extLst>
+      <p:ext uri="{BB962C8B-B14F-4D97-AF65-F5344CB8AC3E}">
+        <p14:creationId xmlns:p14="http://schemas.microsoft.com/office/powerpoint/2010/main" val="3360471094"/>
+      </p:ext>
+    </p:extLst>
+  </p:cSld>
+  <p:clrMapOvr>
+    <a:masterClrMapping/>
+  </p:clrMapOvr>
+</p:sld>
+</file>
+
+<file path=ppt/slides/slide6.xml><?xml version="1.0" encoding="utf-8"?>
 <p:sld xmlns:a="http://schemas.openxmlformats.org/drawingml/2006/main" xmlns:r="http://schemas.openxmlformats.org/officeDocument/2006/relationships" xmlns:p="http://schemas.openxmlformats.org/presentationml/2006/main">
   <p:cSld>
     <p:spTree>
@@ -4916,7 +8672,7 @@
         </p:nvSpPr>
         <p:spPr>
           <a:xfrm>
-            <a:off x="632520" y="0"/>
+            <a:off x="705120" y="144016"/>
             <a:ext cx="8640960" cy="692696"/>
           </a:xfrm>
           <a:prstGeom prst="rect">
@@ -4928,16 +8684,8 @@
           <a:lstStyle/>
           <a:p>
             <a:r>
-              <a:rPr lang="zh-TW" altLang="en-US" dirty="0" smtClean="0"/>
-              <a:t>商品內容頁面</a:t>
-            </a:r>
-            <a:r>
-              <a:rPr lang="en-US" altLang="zh-TW" dirty="0" smtClean="0"/>
-              <a:t>-</a:t>
-            </a:r>
-            <a:r>
-              <a:rPr lang="zh-TW" altLang="en-US" dirty="0" smtClean="0"/>
-              <a:t>書本詳情</a:t>
+              <a:rPr lang="zh-TW" altLang="en-US" dirty="0"/>
+              <a:t>指定路由</a:t>
             </a:r>
             <a:endParaRPr lang="zh-TW" altLang="en-US" dirty="0"/>
           </a:p>
@@ -5173,9 +8921,72 @@
           </a:p>
         </p:txBody>
       </p:sp>
+      <p:sp>
+        <p:nvSpPr>
+          <p:cNvPr id="9" name="標題 3"/>
+          <p:cNvSpPr txBox="1">
+            <a:spLocks/>
+          </p:cNvSpPr>
+          <p:nvPr/>
+        </p:nvSpPr>
+        <p:spPr>
+          <a:xfrm>
+            <a:off x="705120" y="812032"/>
+            <a:ext cx="8640960" cy="1464840"/>
+          </a:xfrm>
+          <a:prstGeom prst="rect">
+            <a:avLst/>
+          </a:prstGeom>
+        </p:spPr>
+        <p:txBody>
+          <a:bodyPr vert="horz" lIns="91440" tIns="45720" rIns="91440" bIns="45720" rtlCol="0" anchor="ctr">
+            <a:normAutofit/>
+          </a:bodyPr>
+          <a:lstStyle>
+            <a:lvl1pPr algn="ctr" defTabSz="914400" rtl="0" eaLnBrk="1" latinLnBrk="0" hangingPunct="1">
+              <a:spcBef>
+                <a:spcPct val="0"/>
+              </a:spcBef>
+              <a:buNone/>
+              <a:defRPr lang="zh-TW" altLang="en-US" sz="3600" b="1" kern="1200" spc="300" dirty="0">
+                <a:solidFill>
+                  <a:srgbClr val="FFC000"/>
+                </a:solidFill>
+                <a:latin typeface="+mn-ea"/>
+                <a:ea typeface="+mn-ea"/>
+                <a:cs typeface="+mj-cs"/>
+              </a:defRPr>
+            </a:lvl1pPr>
+          </a:lstStyle>
+          <a:p>
+            <a:pPr algn="l"/>
+            <a:r>
+              <a:rPr lang="zh-TW" altLang="en-US" sz="2800" dirty="0"/>
+              <a:t>透過路由、</a:t>
+            </a:r>
+            <a:r>
+              <a:rPr lang="en-US" altLang="zh-TW" sz="2800" dirty="0" err="1"/>
+              <a:t>axios</a:t>
+            </a:r>
+            <a:r>
+              <a:rPr lang="zh-TW" altLang="en-US" sz="2800" dirty="0"/>
+              <a:t>請求後端</a:t>
+            </a:r>
+            <a:r>
+              <a:rPr lang="en-US" altLang="zh-TW" sz="2800" dirty="0"/>
+              <a:t>Node.js </a:t>
+            </a:r>
+            <a:r>
+              <a:rPr lang="zh-TW" altLang="en-US" sz="2800" dirty="0"/>
+              <a:t>回傳之資料 實現跨頁面傳遞資料，使影片或商品超聯結點選後，正確跳轉至該影片或商品詳情頁面。</a:t>
+            </a:r>
+            <a:endParaRPr lang="zh-TW" altLang="en-US" sz="2800" dirty="0"/>
+          </a:p>
+        </p:txBody>
+      </p:sp>
       <p:pic>
         <p:nvPicPr>
-          <p:cNvPr id="2050" name="Picture 2"/>
+          <p:cNvPr id="2053" name="Picture 5"/>
           <p:cNvPicPr>
             <a:picLocks noChangeAspect="1" noChangeArrowheads="1"/>
           </p:cNvPicPr>
@@ -5196,8 +9007,101 @@
         </p:blipFill>
         <p:spPr bwMode="auto">
           <a:xfrm>
-            <a:off x="813132" y="979200"/>
-            <a:ext cx="8424936" cy="5426874"/>
+            <a:off x="272480" y="2425153"/>
+            <a:ext cx="9505056" cy="978012"/>
+          </a:xfrm>
+          <a:prstGeom prst="rect">
+            <a:avLst/>
+          </a:prstGeom>
+          <a:noFill/>
+          <a:ln>
+            <a:noFill/>
+          </a:ln>
+          <a:extLst>
+            <a:ext uri="{909E8E84-426E-40DD-AFC4-6F175D3DCCD1}">
+              <a14:hiddenFill xmlns:a14="http://schemas.microsoft.com/office/drawing/2010/main">
+                <a:solidFill>
+                  <a:schemeClr val="accent1"/>
+                </a:solidFill>
+              </a14:hiddenFill>
+            </a:ext>
+            <a:ext uri="{91240B29-F687-4F45-9708-019B960494DF}">
+              <a14:hiddenLine xmlns:a14="http://schemas.microsoft.com/office/drawing/2010/main" w="9525">
+                <a:solidFill>
+                  <a:schemeClr val="tx1"/>
+                </a:solidFill>
+                <a:miter lim="800000"/>
+                <a:headEnd/>
+                <a:tailEnd/>
+              </a14:hiddenLine>
+            </a:ext>
+          </a:extLst>
+        </p:spPr>
+      </p:pic>
+      <p:sp>
+        <p:nvSpPr>
+          <p:cNvPr id="11" name="向下箭號 10"/>
+          <p:cNvSpPr/>
+          <p:nvPr/>
+        </p:nvSpPr>
+        <p:spPr>
+          <a:xfrm>
+            <a:off x="4629556" y="3453334"/>
+            <a:ext cx="792088" cy="720080"/>
+          </a:xfrm>
+          <a:prstGeom prst="downArrow">
+            <a:avLst/>
+          </a:prstGeom>
+          <a:ln/>
+        </p:spPr>
+        <p:style>
+          <a:lnRef idx="1">
+            <a:schemeClr val="accent4"/>
+          </a:lnRef>
+          <a:fillRef idx="3">
+            <a:schemeClr val="accent4"/>
+          </a:fillRef>
+          <a:effectRef idx="2">
+            <a:schemeClr val="accent4"/>
+          </a:effectRef>
+          <a:fontRef idx="minor">
+            <a:schemeClr val="lt1"/>
+          </a:fontRef>
+        </p:style>
+        <p:txBody>
+          <a:bodyPr rtlCol="0" anchor="ctr"/>
+          <a:lstStyle/>
+          <a:p>
+            <a:pPr algn="ctr"/>
+            <a:endParaRPr lang="zh-TW" altLang="en-US"/>
+          </a:p>
+        </p:txBody>
+      </p:sp>
+      <p:pic>
+        <p:nvPicPr>
+          <p:cNvPr id="2054" name="Picture 6"/>
+          <p:cNvPicPr>
+            <a:picLocks noChangeAspect="1" noChangeArrowheads="1"/>
+          </p:cNvPicPr>
+          <p:nvPr/>
+        </p:nvPicPr>
+        <p:blipFill>
+          <a:blip r:embed="rId3">
+            <a:extLst>
+              <a:ext uri="{28A0092B-C50C-407E-A947-70E740481C1C}">
+                <a14:useLocalDpi xmlns:a14="http://schemas.microsoft.com/office/drawing/2010/main" val="0"/>
+              </a:ext>
+            </a:extLst>
+          </a:blip>
+          <a:srcRect/>
+          <a:stretch>
+            <a:fillRect/>
+          </a:stretch>
+        </p:blipFill>
+        <p:spPr bwMode="auto">
+          <a:xfrm>
+            <a:off x="2360428" y="4274534"/>
+            <a:ext cx="5329159" cy="2266186"/>
           </a:xfrm>
           <a:prstGeom prst="rect">
             <a:avLst/>
@@ -5240,1100 +9144,7 @@
     </p:spTree>
     <p:extLst>
       <p:ext uri="{BB962C8B-B14F-4D97-AF65-F5344CB8AC3E}">
-        <p14:creationId xmlns:p14="http://schemas.microsoft.com/office/powerpoint/2010/main" val="2168302433"/>
-      </p:ext>
-    </p:extLst>
-  </p:cSld>
-  <p:clrMapOvr>
-    <a:masterClrMapping/>
-  </p:clrMapOvr>
-</p:sld>
-</file>
-
-<file path=ppt/slides/slide4.xml><?xml version="1.0" encoding="utf-8"?>
-<p:sld xmlns:a="http://schemas.openxmlformats.org/drawingml/2006/main" xmlns:r="http://schemas.openxmlformats.org/officeDocument/2006/relationships" xmlns:p="http://schemas.openxmlformats.org/presentationml/2006/main">
-  <p:cSld>
-    <p:spTree>
-      <p:nvGrpSpPr>
-        <p:cNvPr id="1" name=""/>
-        <p:cNvGrpSpPr/>
-        <p:nvPr/>
-      </p:nvGrpSpPr>
-      <p:grpSpPr>
-        <a:xfrm>
-          <a:off x="0" y="0"/>
-          <a:ext cx="0" cy="0"/>
-          <a:chOff x="0" y="0"/>
-          <a:chExt cx="0" cy="0"/>
-        </a:xfrm>
-      </p:grpSpPr>
-      <p:sp>
-        <p:nvSpPr>
-          <p:cNvPr id="4" name="標題 3"/>
-          <p:cNvSpPr>
-            <a:spLocks noGrp="1"/>
-          </p:cNvSpPr>
-          <p:nvPr>
-            <p:ph type="title" idx="4294967295"/>
-          </p:nvPr>
-        </p:nvSpPr>
-        <p:spPr>
-          <a:xfrm>
-            <a:off x="632520" y="0"/>
-            <a:ext cx="8640960" cy="692696"/>
-          </a:xfrm>
-          <a:prstGeom prst="rect">
-            <a:avLst/>
-          </a:prstGeom>
-        </p:spPr>
-        <p:txBody>
-          <a:bodyPr/>
-          <a:lstStyle/>
-          <a:p>
-            <a:r>
-              <a:rPr lang="zh-TW" altLang="en-US" dirty="0" smtClean="0"/>
-              <a:t>商品內容頁面</a:t>
-            </a:r>
-            <a:r>
-              <a:rPr lang="en-US" altLang="zh-TW" dirty="0" smtClean="0"/>
-              <a:t>-</a:t>
-            </a:r>
-            <a:r>
-              <a:rPr lang="zh-TW" altLang="en-US" dirty="0" smtClean="0"/>
-              <a:t>相關影片連結</a:t>
-            </a:r>
-            <a:endParaRPr lang="zh-TW" altLang="en-US" dirty="0"/>
-          </a:p>
-        </p:txBody>
-      </p:sp>
-      <p:sp>
-        <p:nvSpPr>
-          <p:cNvPr id="6" name="內容版面配置區 1"/>
-          <p:cNvSpPr txBox="1">
-            <a:spLocks/>
-          </p:cNvSpPr>
-          <p:nvPr/>
-        </p:nvSpPr>
-        <p:spPr bwMode="ltGray">
-          <a:xfrm>
-            <a:off x="1065600" y="979200"/>
-            <a:ext cx="7920000" cy="4824536"/>
-          </a:xfrm>
-          <a:prstGeom prst="rect">
-            <a:avLst/>
-          </a:prstGeom>
-        </p:spPr>
-        <p:txBody>
-          <a:bodyPr vert="horz" lIns="91440" tIns="45720" rIns="91440" bIns="45720" rtlCol="0">
-            <a:normAutofit/>
-          </a:bodyPr>
-          <a:lstStyle>
-            <a:lvl1pPr marL="342900" indent="-342900" algn="l" defTabSz="914400" rtl="0" eaLnBrk="1" latinLnBrk="0" hangingPunct="1">
-              <a:lnSpc>
-                <a:spcPct val="100000"/>
-              </a:lnSpc>
-              <a:spcBef>
-                <a:spcPts val="600"/>
-              </a:spcBef>
-              <a:spcAft>
-                <a:spcPts val="600"/>
-              </a:spcAft>
-              <a:buClr>
-                <a:schemeClr val="accent1"/>
-              </a:buClr>
-              <a:buFont typeface="Arial" pitchFamily="34" charset="0"/>
-              <a:buChar char="•"/>
-              <a:defRPr sz="2800" b="1" kern="1200">
-                <a:solidFill>
-                  <a:srgbClr val="393939"/>
-                </a:solidFill>
-                <a:latin typeface="微軟正黑體" pitchFamily="34" charset="-120"/>
-                <a:ea typeface="微軟正黑體" pitchFamily="34" charset="-120"/>
-                <a:cs typeface="+mn-cs"/>
-              </a:defRPr>
-            </a:lvl1pPr>
-            <a:lvl2pPr marL="714375" indent="-352425" algn="l" defTabSz="914400" rtl="0" eaLnBrk="1" latinLnBrk="0" hangingPunct="1">
-              <a:lnSpc>
-                <a:spcPct val="100000"/>
-              </a:lnSpc>
-              <a:spcBef>
-                <a:spcPts val="600"/>
-              </a:spcBef>
-              <a:spcAft>
-                <a:spcPts val="600"/>
-              </a:spcAft>
-              <a:buClr>
-                <a:schemeClr val="accent2"/>
-              </a:buClr>
-              <a:buFont typeface="Arial" pitchFamily="34" charset="0"/>
-              <a:buChar char="–"/>
-              <a:defRPr sz="2400" b="1" kern="1200">
-                <a:solidFill>
-                  <a:srgbClr val="393939"/>
-                </a:solidFill>
-                <a:latin typeface="微軟正黑體" pitchFamily="34" charset="-120"/>
-                <a:ea typeface="微軟正黑體" pitchFamily="34" charset="-120"/>
-                <a:cs typeface="+mn-cs"/>
-              </a:defRPr>
-            </a:lvl2pPr>
-            <a:lvl3pPr marL="1076325" indent="-266700" algn="l" defTabSz="914400" rtl="0" eaLnBrk="1" latinLnBrk="0" hangingPunct="1">
-              <a:lnSpc>
-                <a:spcPct val="100000"/>
-              </a:lnSpc>
-              <a:spcBef>
-                <a:spcPts val="600"/>
-              </a:spcBef>
-              <a:spcAft>
-                <a:spcPts val="600"/>
-              </a:spcAft>
-              <a:buClr>
-                <a:schemeClr val="accent3"/>
-              </a:buClr>
-              <a:buFont typeface="Arial" pitchFamily="34" charset="0"/>
-              <a:buChar char="•"/>
-              <a:defRPr sz="2000" kern="1200">
-                <a:solidFill>
-                  <a:srgbClr val="393939"/>
-                </a:solidFill>
-                <a:latin typeface="微軟正黑體" pitchFamily="34" charset="-120"/>
-                <a:ea typeface="微軟正黑體" pitchFamily="34" charset="-120"/>
-                <a:cs typeface="+mn-cs"/>
-              </a:defRPr>
-            </a:lvl3pPr>
-            <a:lvl4pPr marL="1343025" indent="-180975" algn="l" defTabSz="914400" rtl="0" eaLnBrk="1" latinLnBrk="0" hangingPunct="1">
-              <a:lnSpc>
-                <a:spcPct val="100000"/>
-              </a:lnSpc>
-              <a:spcBef>
-                <a:spcPts val="600"/>
-              </a:spcBef>
-              <a:spcAft>
-                <a:spcPts val="600"/>
-              </a:spcAft>
-              <a:buClr>
-                <a:schemeClr val="accent4"/>
-              </a:buClr>
-              <a:buFont typeface="Arial" pitchFamily="34" charset="0"/>
-              <a:buChar char="–"/>
-              <a:defRPr sz="1800" kern="1200">
-                <a:solidFill>
-                  <a:srgbClr val="393939"/>
-                </a:solidFill>
-                <a:latin typeface="微軟正黑體" pitchFamily="34" charset="-120"/>
-                <a:ea typeface="微軟正黑體" pitchFamily="34" charset="-120"/>
-                <a:cs typeface="+mn-cs"/>
-              </a:defRPr>
-            </a:lvl4pPr>
-            <a:lvl5pPr marL="1619250" indent="-276225" algn="l" defTabSz="914400" rtl="0" eaLnBrk="1" latinLnBrk="0" hangingPunct="1">
-              <a:lnSpc>
-                <a:spcPct val="100000"/>
-              </a:lnSpc>
-              <a:spcBef>
-                <a:spcPts val="600"/>
-              </a:spcBef>
-              <a:spcAft>
-                <a:spcPts val="600"/>
-              </a:spcAft>
-              <a:buClr>
-                <a:schemeClr val="accent5"/>
-              </a:buClr>
-              <a:buFont typeface="Arial" pitchFamily="34" charset="0"/>
-              <a:buChar char="»"/>
-              <a:tabLst>
-                <a:tab pos="7981950" algn="l"/>
-              </a:tabLst>
-              <a:defRPr sz="1800" kern="1200">
-                <a:solidFill>
-                  <a:srgbClr val="393939"/>
-                </a:solidFill>
-                <a:latin typeface="微軟正黑體" pitchFamily="34" charset="-120"/>
-                <a:ea typeface="微軟正黑體" pitchFamily="34" charset="-120"/>
-                <a:cs typeface="+mn-cs"/>
-              </a:defRPr>
-            </a:lvl5pPr>
-            <a:lvl6pPr marL="2514600" indent="-228600" algn="l" defTabSz="914400" rtl="0" eaLnBrk="1" latinLnBrk="0" hangingPunct="1">
-              <a:spcBef>
-                <a:spcPct val="20000"/>
-              </a:spcBef>
-              <a:buFont typeface="Arial" pitchFamily="34" charset="0"/>
-              <a:buChar char="•"/>
-              <a:defRPr sz="2000" kern="1200">
-                <a:solidFill>
-                  <a:schemeClr val="tx1"/>
-                </a:solidFill>
-                <a:latin typeface="+mn-lt"/>
-                <a:ea typeface="+mn-ea"/>
-                <a:cs typeface="+mn-cs"/>
-              </a:defRPr>
-            </a:lvl6pPr>
-            <a:lvl7pPr marL="2971800" indent="-228600" algn="l" defTabSz="914400" rtl="0" eaLnBrk="1" latinLnBrk="0" hangingPunct="1">
-              <a:spcBef>
-                <a:spcPct val="20000"/>
-              </a:spcBef>
-              <a:buFont typeface="Arial" pitchFamily="34" charset="0"/>
-              <a:buChar char="•"/>
-              <a:defRPr sz="2000" kern="1200">
-                <a:solidFill>
-                  <a:schemeClr val="tx1"/>
-                </a:solidFill>
-                <a:latin typeface="+mn-lt"/>
-                <a:ea typeface="+mn-ea"/>
-                <a:cs typeface="+mn-cs"/>
-              </a:defRPr>
-            </a:lvl7pPr>
-            <a:lvl8pPr marL="3429000" indent="-228600" algn="l" defTabSz="914400" rtl="0" eaLnBrk="1" latinLnBrk="0" hangingPunct="1">
-              <a:spcBef>
-                <a:spcPct val="20000"/>
-              </a:spcBef>
-              <a:buFont typeface="Arial" pitchFamily="34" charset="0"/>
-              <a:buChar char="•"/>
-              <a:defRPr sz="2000" kern="1200">
-                <a:solidFill>
-                  <a:schemeClr val="tx1"/>
-                </a:solidFill>
-                <a:latin typeface="+mn-lt"/>
-                <a:ea typeface="+mn-ea"/>
-                <a:cs typeface="+mn-cs"/>
-              </a:defRPr>
-            </a:lvl8pPr>
-            <a:lvl9pPr marL="3886200" indent="-228600" algn="l" defTabSz="914400" rtl="0" eaLnBrk="1" latinLnBrk="0" hangingPunct="1">
-              <a:spcBef>
-                <a:spcPct val="20000"/>
-              </a:spcBef>
-              <a:buFont typeface="Arial" pitchFamily="34" charset="0"/>
-              <a:buChar char="•"/>
-              <a:defRPr sz="2000" kern="1200">
-                <a:solidFill>
-                  <a:schemeClr val="tx1"/>
-                </a:solidFill>
-                <a:latin typeface="+mn-lt"/>
-                <a:ea typeface="+mn-ea"/>
-                <a:cs typeface="+mn-cs"/>
-              </a:defRPr>
-            </a:lvl9pPr>
-          </a:lstStyle>
-          <a:p>
-            <a:pPr marL="0" indent="0">
-              <a:lnSpc>
-                <a:spcPts val="3600"/>
-              </a:lnSpc>
-              <a:buNone/>
-            </a:pPr>
-            <a:endParaRPr kumimoji="0" lang="en-US" altLang="zh-TW" sz="2800" b="1" i="0" u="none" strike="noStrike" kern="1200" cap="none" spc="0" normalizeH="0" baseline="0" noProof="0" dirty="0">
-              <a:ln>
-                <a:noFill/>
-              </a:ln>
-              <a:solidFill>
-                <a:schemeClr val="bg1"/>
-              </a:solidFill>
-              <a:effectLst/>
-              <a:uLnTx/>
-              <a:uFillTx/>
-              <a:latin typeface="微軟正黑體" pitchFamily="34" charset="-120"/>
-              <a:ea typeface="微軟正黑體" pitchFamily="34" charset="-120"/>
-              <a:cs typeface="+mn-cs"/>
-            </a:endParaRPr>
-          </a:p>
-        </p:txBody>
-      </p:sp>
-      <p:pic>
-        <p:nvPicPr>
-          <p:cNvPr id="3075" name="Picture 3"/>
-          <p:cNvPicPr>
-            <a:picLocks noChangeAspect="1" noChangeArrowheads="1"/>
-          </p:cNvPicPr>
-          <p:nvPr/>
-        </p:nvPicPr>
-        <p:blipFill>
-          <a:blip r:embed="rId2">
-            <a:extLst>
-              <a:ext uri="{28A0092B-C50C-407E-A947-70E740481C1C}">
-                <a14:useLocalDpi xmlns:a14="http://schemas.microsoft.com/office/drawing/2010/main" val="0"/>
-              </a:ext>
-            </a:extLst>
-          </a:blip>
-          <a:srcRect/>
-          <a:stretch>
-            <a:fillRect/>
-          </a:stretch>
-        </p:blipFill>
-        <p:spPr bwMode="auto">
-          <a:xfrm>
-            <a:off x="656708" y="1340768"/>
-            <a:ext cx="8737783" cy="4597301"/>
-          </a:xfrm>
-          <a:prstGeom prst="rect">
-            <a:avLst/>
-          </a:prstGeom>
-          <a:noFill/>
-          <a:ln>
-            <a:noFill/>
-          </a:ln>
-          <a:effectLst/>
-          <a:extLst>
-            <a:ext uri="{909E8E84-426E-40DD-AFC4-6F175D3DCCD1}">
-              <a14:hiddenFill xmlns:a14="http://schemas.microsoft.com/office/drawing/2010/main">
-                <a:solidFill>
-                  <a:schemeClr val="accent1"/>
-                </a:solidFill>
-              </a14:hiddenFill>
-            </a:ext>
-            <a:ext uri="{91240B29-F687-4F45-9708-019B960494DF}">
-              <a14:hiddenLine xmlns:a14="http://schemas.microsoft.com/office/drawing/2010/main" w="9525">
-                <a:solidFill>
-                  <a:schemeClr val="tx1"/>
-                </a:solidFill>
-                <a:miter lim="800000"/>
-                <a:headEnd/>
-                <a:tailEnd/>
-              </a14:hiddenLine>
-            </a:ext>
-            <a:ext uri="{AF507438-7753-43E0-B8FC-AC1667EBCBE1}">
-              <a14:hiddenEffects xmlns:a14="http://schemas.microsoft.com/office/drawing/2010/main">
-                <a:effectLst>
-                  <a:outerShdw dist="35921" dir="2700000" algn="ctr" rotWithShape="0">
-                    <a:schemeClr val="bg2"/>
-                  </a:outerShdw>
-                </a:effectLst>
-              </a14:hiddenEffects>
-            </a:ext>
-          </a:extLst>
-        </p:spPr>
-      </p:pic>
-    </p:spTree>
-    <p:extLst>
-      <p:ext uri="{BB962C8B-B14F-4D97-AF65-F5344CB8AC3E}">
-        <p14:creationId xmlns:p14="http://schemas.microsoft.com/office/powerpoint/2010/main" val="2168302433"/>
-      </p:ext>
-    </p:extLst>
-  </p:cSld>
-  <p:clrMapOvr>
-    <a:masterClrMapping/>
-  </p:clrMapOvr>
-</p:sld>
-</file>
-
-<file path=ppt/slides/slide5.xml><?xml version="1.0" encoding="utf-8"?>
-<p:sld xmlns:a="http://schemas.openxmlformats.org/drawingml/2006/main" xmlns:r="http://schemas.openxmlformats.org/officeDocument/2006/relationships" xmlns:p="http://schemas.openxmlformats.org/presentationml/2006/main">
-  <p:cSld>
-    <p:spTree>
-      <p:nvGrpSpPr>
-        <p:cNvPr id="1" name=""/>
-        <p:cNvGrpSpPr/>
-        <p:nvPr/>
-      </p:nvGrpSpPr>
-      <p:grpSpPr>
-        <a:xfrm>
-          <a:off x="0" y="0"/>
-          <a:ext cx="0" cy="0"/>
-          <a:chOff x="0" y="0"/>
-          <a:chExt cx="0" cy="0"/>
-        </a:xfrm>
-      </p:grpSpPr>
-      <p:sp>
-        <p:nvSpPr>
-          <p:cNvPr id="4" name="標題 3"/>
-          <p:cNvSpPr>
-            <a:spLocks noGrp="1"/>
-          </p:cNvSpPr>
-          <p:nvPr>
-            <p:ph type="title" idx="4294967295"/>
-          </p:nvPr>
-        </p:nvSpPr>
-        <p:spPr>
-          <a:xfrm>
-            <a:off x="632520" y="0"/>
-            <a:ext cx="8640960" cy="692696"/>
-          </a:xfrm>
-          <a:prstGeom prst="rect">
-            <a:avLst/>
-          </a:prstGeom>
-        </p:spPr>
-        <p:txBody>
-          <a:bodyPr/>
-          <a:lstStyle/>
-          <a:p>
-            <a:r>
-              <a:rPr lang="zh-TW" altLang="en-US" dirty="0"/>
-              <a:t>影片</a:t>
-            </a:r>
-            <a:r>
-              <a:rPr lang="zh-TW" altLang="en-US" dirty="0" smtClean="0"/>
-              <a:t>總覽</a:t>
-            </a:r>
-            <a:r>
-              <a:rPr lang="zh-TW" altLang="en-US" dirty="0" smtClean="0"/>
-              <a:t>頁面</a:t>
-            </a:r>
-            <a:endParaRPr lang="zh-TW" altLang="en-US" dirty="0"/>
-          </a:p>
-        </p:txBody>
-      </p:sp>
-      <p:sp>
-        <p:nvSpPr>
-          <p:cNvPr id="6" name="內容版面配置區 1"/>
-          <p:cNvSpPr txBox="1">
-            <a:spLocks/>
-          </p:cNvSpPr>
-          <p:nvPr/>
-        </p:nvSpPr>
-        <p:spPr bwMode="ltGray">
-          <a:xfrm>
-            <a:off x="1065600" y="979200"/>
-            <a:ext cx="7920000" cy="4824536"/>
-          </a:xfrm>
-          <a:prstGeom prst="rect">
-            <a:avLst/>
-          </a:prstGeom>
-        </p:spPr>
-        <p:txBody>
-          <a:bodyPr vert="horz" lIns="91440" tIns="45720" rIns="91440" bIns="45720" rtlCol="0">
-            <a:normAutofit/>
-          </a:bodyPr>
-          <a:lstStyle>
-            <a:lvl1pPr marL="342900" indent="-342900" algn="l" defTabSz="914400" rtl="0" eaLnBrk="1" latinLnBrk="0" hangingPunct="1">
-              <a:lnSpc>
-                <a:spcPct val="100000"/>
-              </a:lnSpc>
-              <a:spcBef>
-                <a:spcPts val="600"/>
-              </a:spcBef>
-              <a:spcAft>
-                <a:spcPts val="600"/>
-              </a:spcAft>
-              <a:buClr>
-                <a:schemeClr val="accent1"/>
-              </a:buClr>
-              <a:buFont typeface="Arial" pitchFamily="34" charset="0"/>
-              <a:buChar char="•"/>
-              <a:defRPr sz="2800" b="1" kern="1200">
-                <a:solidFill>
-                  <a:srgbClr val="393939"/>
-                </a:solidFill>
-                <a:latin typeface="微軟正黑體" pitchFamily="34" charset="-120"/>
-                <a:ea typeface="微軟正黑體" pitchFamily="34" charset="-120"/>
-                <a:cs typeface="+mn-cs"/>
-              </a:defRPr>
-            </a:lvl1pPr>
-            <a:lvl2pPr marL="714375" indent="-352425" algn="l" defTabSz="914400" rtl="0" eaLnBrk="1" latinLnBrk="0" hangingPunct="1">
-              <a:lnSpc>
-                <a:spcPct val="100000"/>
-              </a:lnSpc>
-              <a:spcBef>
-                <a:spcPts val="600"/>
-              </a:spcBef>
-              <a:spcAft>
-                <a:spcPts val="600"/>
-              </a:spcAft>
-              <a:buClr>
-                <a:schemeClr val="accent2"/>
-              </a:buClr>
-              <a:buFont typeface="Arial" pitchFamily="34" charset="0"/>
-              <a:buChar char="–"/>
-              <a:defRPr sz="2400" b="1" kern="1200">
-                <a:solidFill>
-                  <a:srgbClr val="393939"/>
-                </a:solidFill>
-                <a:latin typeface="微軟正黑體" pitchFamily="34" charset="-120"/>
-                <a:ea typeface="微軟正黑體" pitchFamily="34" charset="-120"/>
-                <a:cs typeface="+mn-cs"/>
-              </a:defRPr>
-            </a:lvl2pPr>
-            <a:lvl3pPr marL="1076325" indent="-266700" algn="l" defTabSz="914400" rtl="0" eaLnBrk="1" latinLnBrk="0" hangingPunct="1">
-              <a:lnSpc>
-                <a:spcPct val="100000"/>
-              </a:lnSpc>
-              <a:spcBef>
-                <a:spcPts val="600"/>
-              </a:spcBef>
-              <a:spcAft>
-                <a:spcPts val="600"/>
-              </a:spcAft>
-              <a:buClr>
-                <a:schemeClr val="accent3"/>
-              </a:buClr>
-              <a:buFont typeface="Arial" pitchFamily="34" charset="0"/>
-              <a:buChar char="•"/>
-              <a:defRPr sz="2000" kern="1200">
-                <a:solidFill>
-                  <a:srgbClr val="393939"/>
-                </a:solidFill>
-                <a:latin typeface="微軟正黑體" pitchFamily="34" charset="-120"/>
-                <a:ea typeface="微軟正黑體" pitchFamily="34" charset="-120"/>
-                <a:cs typeface="+mn-cs"/>
-              </a:defRPr>
-            </a:lvl3pPr>
-            <a:lvl4pPr marL="1343025" indent="-180975" algn="l" defTabSz="914400" rtl="0" eaLnBrk="1" latinLnBrk="0" hangingPunct="1">
-              <a:lnSpc>
-                <a:spcPct val="100000"/>
-              </a:lnSpc>
-              <a:spcBef>
-                <a:spcPts val="600"/>
-              </a:spcBef>
-              <a:spcAft>
-                <a:spcPts val="600"/>
-              </a:spcAft>
-              <a:buClr>
-                <a:schemeClr val="accent4"/>
-              </a:buClr>
-              <a:buFont typeface="Arial" pitchFamily="34" charset="0"/>
-              <a:buChar char="–"/>
-              <a:defRPr sz="1800" kern="1200">
-                <a:solidFill>
-                  <a:srgbClr val="393939"/>
-                </a:solidFill>
-                <a:latin typeface="微軟正黑體" pitchFamily="34" charset="-120"/>
-                <a:ea typeface="微軟正黑體" pitchFamily="34" charset="-120"/>
-                <a:cs typeface="+mn-cs"/>
-              </a:defRPr>
-            </a:lvl4pPr>
-            <a:lvl5pPr marL="1619250" indent="-276225" algn="l" defTabSz="914400" rtl="0" eaLnBrk="1" latinLnBrk="0" hangingPunct="1">
-              <a:lnSpc>
-                <a:spcPct val="100000"/>
-              </a:lnSpc>
-              <a:spcBef>
-                <a:spcPts val="600"/>
-              </a:spcBef>
-              <a:spcAft>
-                <a:spcPts val="600"/>
-              </a:spcAft>
-              <a:buClr>
-                <a:schemeClr val="accent5"/>
-              </a:buClr>
-              <a:buFont typeface="Arial" pitchFamily="34" charset="0"/>
-              <a:buChar char="»"/>
-              <a:tabLst>
-                <a:tab pos="7981950" algn="l"/>
-              </a:tabLst>
-              <a:defRPr sz="1800" kern="1200">
-                <a:solidFill>
-                  <a:srgbClr val="393939"/>
-                </a:solidFill>
-                <a:latin typeface="微軟正黑體" pitchFamily="34" charset="-120"/>
-                <a:ea typeface="微軟正黑體" pitchFamily="34" charset="-120"/>
-                <a:cs typeface="+mn-cs"/>
-              </a:defRPr>
-            </a:lvl5pPr>
-            <a:lvl6pPr marL="2514600" indent="-228600" algn="l" defTabSz="914400" rtl="0" eaLnBrk="1" latinLnBrk="0" hangingPunct="1">
-              <a:spcBef>
-                <a:spcPct val="20000"/>
-              </a:spcBef>
-              <a:buFont typeface="Arial" pitchFamily="34" charset="0"/>
-              <a:buChar char="•"/>
-              <a:defRPr sz="2000" kern="1200">
-                <a:solidFill>
-                  <a:schemeClr val="tx1"/>
-                </a:solidFill>
-                <a:latin typeface="+mn-lt"/>
-                <a:ea typeface="+mn-ea"/>
-                <a:cs typeface="+mn-cs"/>
-              </a:defRPr>
-            </a:lvl6pPr>
-            <a:lvl7pPr marL="2971800" indent="-228600" algn="l" defTabSz="914400" rtl="0" eaLnBrk="1" latinLnBrk="0" hangingPunct="1">
-              <a:spcBef>
-                <a:spcPct val="20000"/>
-              </a:spcBef>
-              <a:buFont typeface="Arial" pitchFamily="34" charset="0"/>
-              <a:buChar char="•"/>
-              <a:defRPr sz="2000" kern="1200">
-                <a:solidFill>
-                  <a:schemeClr val="tx1"/>
-                </a:solidFill>
-                <a:latin typeface="+mn-lt"/>
-                <a:ea typeface="+mn-ea"/>
-                <a:cs typeface="+mn-cs"/>
-              </a:defRPr>
-            </a:lvl7pPr>
-            <a:lvl8pPr marL="3429000" indent="-228600" algn="l" defTabSz="914400" rtl="0" eaLnBrk="1" latinLnBrk="0" hangingPunct="1">
-              <a:spcBef>
-                <a:spcPct val="20000"/>
-              </a:spcBef>
-              <a:buFont typeface="Arial" pitchFamily="34" charset="0"/>
-              <a:buChar char="•"/>
-              <a:defRPr sz="2000" kern="1200">
-                <a:solidFill>
-                  <a:schemeClr val="tx1"/>
-                </a:solidFill>
-                <a:latin typeface="+mn-lt"/>
-                <a:ea typeface="+mn-ea"/>
-                <a:cs typeface="+mn-cs"/>
-              </a:defRPr>
-            </a:lvl8pPr>
-            <a:lvl9pPr marL="3886200" indent="-228600" algn="l" defTabSz="914400" rtl="0" eaLnBrk="1" latinLnBrk="0" hangingPunct="1">
-              <a:spcBef>
-                <a:spcPct val="20000"/>
-              </a:spcBef>
-              <a:buFont typeface="Arial" pitchFamily="34" charset="0"/>
-              <a:buChar char="•"/>
-              <a:defRPr sz="2000" kern="1200">
-                <a:solidFill>
-                  <a:schemeClr val="tx1"/>
-                </a:solidFill>
-                <a:latin typeface="+mn-lt"/>
-                <a:ea typeface="+mn-ea"/>
-                <a:cs typeface="+mn-cs"/>
-              </a:defRPr>
-            </a:lvl9pPr>
-          </a:lstStyle>
-          <a:p>
-            <a:pPr marL="0" indent="0">
-              <a:lnSpc>
-                <a:spcPts val="3600"/>
-              </a:lnSpc>
-              <a:buNone/>
-            </a:pPr>
-            <a:endParaRPr kumimoji="0" lang="en-US" altLang="zh-TW" sz="2800" b="1" i="0" u="none" strike="noStrike" kern="1200" cap="none" spc="0" normalizeH="0" baseline="0" noProof="0" dirty="0">
-              <a:ln>
-                <a:noFill/>
-              </a:ln>
-              <a:solidFill>
-                <a:schemeClr val="bg1"/>
-              </a:solidFill>
-              <a:effectLst/>
-              <a:uLnTx/>
-              <a:uFillTx/>
-              <a:latin typeface="微軟正黑體" pitchFamily="34" charset="-120"/>
-              <a:ea typeface="微軟正黑體" pitchFamily="34" charset="-120"/>
-              <a:cs typeface="+mn-cs"/>
-            </a:endParaRPr>
-          </a:p>
-        </p:txBody>
-      </p:sp>
-      <p:pic>
-        <p:nvPicPr>
-          <p:cNvPr id="4098" name="Picture 2"/>
-          <p:cNvPicPr>
-            <a:picLocks noChangeAspect="1" noChangeArrowheads="1"/>
-          </p:cNvPicPr>
-          <p:nvPr/>
-        </p:nvPicPr>
-        <p:blipFill>
-          <a:blip r:embed="rId2">
-            <a:extLst>
-              <a:ext uri="{28A0092B-C50C-407E-A947-70E740481C1C}">
-                <a14:useLocalDpi xmlns:a14="http://schemas.microsoft.com/office/drawing/2010/main" val="0"/>
-              </a:ext>
-            </a:extLst>
-          </a:blip>
-          <a:srcRect/>
-          <a:stretch>
-            <a:fillRect/>
-          </a:stretch>
-        </p:blipFill>
-        <p:spPr bwMode="auto">
-          <a:xfrm>
-            <a:off x="1010018" y="836712"/>
-            <a:ext cx="8031163" cy="5419725"/>
-          </a:xfrm>
-          <a:prstGeom prst="rect">
-            <a:avLst/>
-          </a:prstGeom>
-          <a:noFill/>
-          <a:ln>
-            <a:noFill/>
-          </a:ln>
-          <a:effectLst/>
-          <a:extLst>
-            <a:ext uri="{909E8E84-426E-40DD-AFC4-6F175D3DCCD1}">
-              <a14:hiddenFill xmlns:a14="http://schemas.microsoft.com/office/drawing/2010/main">
-                <a:solidFill>
-                  <a:schemeClr val="accent1"/>
-                </a:solidFill>
-              </a14:hiddenFill>
-            </a:ext>
-            <a:ext uri="{91240B29-F687-4F45-9708-019B960494DF}">
-              <a14:hiddenLine xmlns:a14="http://schemas.microsoft.com/office/drawing/2010/main" w="9525">
-                <a:solidFill>
-                  <a:schemeClr val="tx1"/>
-                </a:solidFill>
-                <a:miter lim="800000"/>
-                <a:headEnd/>
-                <a:tailEnd/>
-              </a14:hiddenLine>
-            </a:ext>
-            <a:ext uri="{AF507438-7753-43E0-B8FC-AC1667EBCBE1}">
-              <a14:hiddenEffects xmlns:a14="http://schemas.microsoft.com/office/drawing/2010/main">
-                <a:effectLst>
-                  <a:outerShdw dist="35921" dir="2700000" algn="ctr" rotWithShape="0">
-                    <a:schemeClr val="bg2"/>
-                  </a:outerShdw>
-                </a:effectLst>
-              </a14:hiddenEffects>
-            </a:ext>
-          </a:extLst>
-        </p:spPr>
-      </p:pic>
-    </p:spTree>
-    <p:extLst>
-      <p:ext uri="{BB962C8B-B14F-4D97-AF65-F5344CB8AC3E}">
-        <p14:creationId xmlns:p14="http://schemas.microsoft.com/office/powerpoint/2010/main" val="2168302433"/>
-      </p:ext>
-    </p:extLst>
-  </p:cSld>
-  <p:clrMapOvr>
-    <a:masterClrMapping/>
-  </p:clrMapOvr>
-</p:sld>
-</file>
-
-<file path=ppt/slides/slide6.xml><?xml version="1.0" encoding="utf-8"?>
-<p:sld xmlns:a="http://schemas.openxmlformats.org/drawingml/2006/main" xmlns:r="http://schemas.openxmlformats.org/officeDocument/2006/relationships" xmlns:p="http://schemas.openxmlformats.org/presentationml/2006/main">
-  <p:cSld>
-    <p:spTree>
-      <p:nvGrpSpPr>
-        <p:cNvPr id="1" name=""/>
-        <p:cNvGrpSpPr/>
-        <p:nvPr/>
-      </p:nvGrpSpPr>
-      <p:grpSpPr>
-        <a:xfrm>
-          <a:off x="0" y="0"/>
-          <a:ext cx="0" cy="0"/>
-          <a:chOff x="0" y="0"/>
-          <a:chExt cx="0" cy="0"/>
-        </a:xfrm>
-      </p:grpSpPr>
-      <p:sp>
-        <p:nvSpPr>
-          <p:cNvPr id="4" name="標題 3"/>
-          <p:cNvSpPr>
-            <a:spLocks noGrp="1"/>
-          </p:cNvSpPr>
-          <p:nvPr>
-            <p:ph type="title" idx="4294967295"/>
-          </p:nvPr>
-        </p:nvSpPr>
-        <p:spPr>
-          <a:xfrm>
-            <a:off x="632520" y="0"/>
-            <a:ext cx="8640960" cy="692696"/>
-          </a:xfrm>
-          <a:prstGeom prst="rect">
-            <a:avLst/>
-          </a:prstGeom>
-        </p:spPr>
-        <p:txBody>
-          <a:bodyPr/>
-          <a:lstStyle/>
-          <a:p>
-            <a:r>
-              <a:rPr lang="zh-TW" altLang="en-US" dirty="0" smtClean="0"/>
-              <a:t>影片內容</a:t>
-            </a:r>
-            <a:r>
-              <a:rPr lang="zh-TW" altLang="en-US" dirty="0" smtClean="0"/>
-              <a:t>頁面</a:t>
-            </a:r>
-            <a:r>
-              <a:rPr lang="en-US" altLang="zh-TW" dirty="0" smtClean="0"/>
-              <a:t>-</a:t>
-            </a:r>
-            <a:r>
-              <a:rPr lang="zh-TW" altLang="en-US" dirty="0" smtClean="0"/>
-              <a:t>上</a:t>
-            </a:r>
-            <a:endParaRPr lang="zh-TW" altLang="en-US" dirty="0"/>
-          </a:p>
-        </p:txBody>
-      </p:sp>
-      <p:sp>
-        <p:nvSpPr>
-          <p:cNvPr id="6" name="內容版面配置區 1"/>
-          <p:cNvSpPr txBox="1">
-            <a:spLocks/>
-          </p:cNvSpPr>
-          <p:nvPr/>
-        </p:nvSpPr>
-        <p:spPr bwMode="ltGray">
-          <a:xfrm>
-            <a:off x="1065600" y="979200"/>
-            <a:ext cx="7920000" cy="4824536"/>
-          </a:xfrm>
-          <a:prstGeom prst="rect">
-            <a:avLst/>
-          </a:prstGeom>
-        </p:spPr>
-        <p:txBody>
-          <a:bodyPr vert="horz" lIns="91440" tIns="45720" rIns="91440" bIns="45720" rtlCol="0">
-            <a:normAutofit/>
-          </a:bodyPr>
-          <a:lstStyle>
-            <a:lvl1pPr marL="342900" indent="-342900" algn="l" defTabSz="914400" rtl="0" eaLnBrk="1" latinLnBrk="0" hangingPunct="1">
-              <a:lnSpc>
-                <a:spcPct val="100000"/>
-              </a:lnSpc>
-              <a:spcBef>
-                <a:spcPts val="600"/>
-              </a:spcBef>
-              <a:spcAft>
-                <a:spcPts val="600"/>
-              </a:spcAft>
-              <a:buClr>
-                <a:schemeClr val="accent1"/>
-              </a:buClr>
-              <a:buFont typeface="Arial" pitchFamily="34" charset="0"/>
-              <a:buChar char="•"/>
-              <a:defRPr sz="2800" b="1" kern="1200">
-                <a:solidFill>
-                  <a:srgbClr val="393939"/>
-                </a:solidFill>
-                <a:latin typeface="微軟正黑體" pitchFamily="34" charset="-120"/>
-                <a:ea typeface="微軟正黑體" pitchFamily="34" charset="-120"/>
-                <a:cs typeface="+mn-cs"/>
-              </a:defRPr>
-            </a:lvl1pPr>
-            <a:lvl2pPr marL="714375" indent="-352425" algn="l" defTabSz="914400" rtl="0" eaLnBrk="1" latinLnBrk="0" hangingPunct="1">
-              <a:lnSpc>
-                <a:spcPct val="100000"/>
-              </a:lnSpc>
-              <a:spcBef>
-                <a:spcPts val="600"/>
-              </a:spcBef>
-              <a:spcAft>
-                <a:spcPts val="600"/>
-              </a:spcAft>
-              <a:buClr>
-                <a:schemeClr val="accent2"/>
-              </a:buClr>
-              <a:buFont typeface="Arial" pitchFamily="34" charset="0"/>
-              <a:buChar char="–"/>
-              <a:defRPr sz="2400" b="1" kern="1200">
-                <a:solidFill>
-                  <a:srgbClr val="393939"/>
-                </a:solidFill>
-                <a:latin typeface="微軟正黑體" pitchFamily="34" charset="-120"/>
-                <a:ea typeface="微軟正黑體" pitchFamily="34" charset="-120"/>
-                <a:cs typeface="+mn-cs"/>
-              </a:defRPr>
-            </a:lvl2pPr>
-            <a:lvl3pPr marL="1076325" indent="-266700" algn="l" defTabSz="914400" rtl="0" eaLnBrk="1" latinLnBrk="0" hangingPunct="1">
-              <a:lnSpc>
-                <a:spcPct val="100000"/>
-              </a:lnSpc>
-              <a:spcBef>
-                <a:spcPts val="600"/>
-              </a:spcBef>
-              <a:spcAft>
-                <a:spcPts val="600"/>
-              </a:spcAft>
-              <a:buClr>
-                <a:schemeClr val="accent3"/>
-              </a:buClr>
-              <a:buFont typeface="Arial" pitchFamily="34" charset="0"/>
-              <a:buChar char="•"/>
-              <a:defRPr sz="2000" kern="1200">
-                <a:solidFill>
-                  <a:srgbClr val="393939"/>
-                </a:solidFill>
-                <a:latin typeface="微軟正黑體" pitchFamily="34" charset="-120"/>
-                <a:ea typeface="微軟正黑體" pitchFamily="34" charset="-120"/>
-                <a:cs typeface="+mn-cs"/>
-              </a:defRPr>
-            </a:lvl3pPr>
-            <a:lvl4pPr marL="1343025" indent="-180975" algn="l" defTabSz="914400" rtl="0" eaLnBrk="1" latinLnBrk="0" hangingPunct="1">
-              <a:lnSpc>
-                <a:spcPct val="100000"/>
-              </a:lnSpc>
-              <a:spcBef>
-                <a:spcPts val="600"/>
-              </a:spcBef>
-              <a:spcAft>
-                <a:spcPts val="600"/>
-              </a:spcAft>
-              <a:buClr>
-                <a:schemeClr val="accent4"/>
-              </a:buClr>
-              <a:buFont typeface="Arial" pitchFamily="34" charset="0"/>
-              <a:buChar char="–"/>
-              <a:defRPr sz="1800" kern="1200">
-                <a:solidFill>
-                  <a:srgbClr val="393939"/>
-                </a:solidFill>
-                <a:latin typeface="微軟正黑體" pitchFamily="34" charset="-120"/>
-                <a:ea typeface="微軟正黑體" pitchFamily="34" charset="-120"/>
-                <a:cs typeface="+mn-cs"/>
-              </a:defRPr>
-            </a:lvl4pPr>
-            <a:lvl5pPr marL="1619250" indent="-276225" algn="l" defTabSz="914400" rtl="0" eaLnBrk="1" latinLnBrk="0" hangingPunct="1">
-              <a:lnSpc>
-                <a:spcPct val="100000"/>
-              </a:lnSpc>
-              <a:spcBef>
-                <a:spcPts val="600"/>
-              </a:spcBef>
-              <a:spcAft>
-                <a:spcPts val="600"/>
-              </a:spcAft>
-              <a:buClr>
-                <a:schemeClr val="accent5"/>
-              </a:buClr>
-              <a:buFont typeface="Arial" pitchFamily="34" charset="0"/>
-              <a:buChar char="»"/>
-              <a:tabLst>
-                <a:tab pos="7981950" algn="l"/>
-              </a:tabLst>
-              <a:defRPr sz="1800" kern="1200">
-                <a:solidFill>
-                  <a:srgbClr val="393939"/>
-                </a:solidFill>
-                <a:latin typeface="微軟正黑體" pitchFamily="34" charset="-120"/>
-                <a:ea typeface="微軟正黑體" pitchFamily="34" charset="-120"/>
-                <a:cs typeface="+mn-cs"/>
-              </a:defRPr>
-            </a:lvl5pPr>
-            <a:lvl6pPr marL="2514600" indent="-228600" algn="l" defTabSz="914400" rtl="0" eaLnBrk="1" latinLnBrk="0" hangingPunct="1">
-              <a:spcBef>
-                <a:spcPct val="20000"/>
-              </a:spcBef>
-              <a:buFont typeface="Arial" pitchFamily="34" charset="0"/>
-              <a:buChar char="•"/>
-              <a:defRPr sz="2000" kern="1200">
-                <a:solidFill>
-                  <a:schemeClr val="tx1"/>
-                </a:solidFill>
-                <a:latin typeface="+mn-lt"/>
-                <a:ea typeface="+mn-ea"/>
-                <a:cs typeface="+mn-cs"/>
-              </a:defRPr>
-            </a:lvl6pPr>
-            <a:lvl7pPr marL="2971800" indent="-228600" algn="l" defTabSz="914400" rtl="0" eaLnBrk="1" latinLnBrk="0" hangingPunct="1">
-              <a:spcBef>
-                <a:spcPct val="20000"/>
-              </a:spcBef>
-              <a:buFont typeface="Arial" pitchFamily="34" charset="0"/>
-              <a:buChar char="•"/>
-              <a:defRPr sz="2000" kern="1200">
-                <a:solidFill>
-                  <a:schemeClr val="tx1"/>
-                </a:solidFill>
-                <a:latin typeface="+mn-lt"/>
-                <a:ea typeface="+mn-ea"/>
-                <a:cs typeface="+mn-cs"/>
-              </a:defRPr>
-            </a:lvl7pPr>
-            <a:lvl8pPr marL="3429000" indent="-228600" algn="l" defTabSz="914400" rtl="0" eaLnBrk="1" latinLnBrk="0" hangingPunct="1">
-              <a:spcBef>
-                <a:spcPct val="20000"/>
-              </a:spcBef>
-              <a:buFont typeface="Arial" pitchFamily="34" charset="0"/>
-              <a:buChar char="•"/>
-              <a:defRPr sz="2000" kern="1200">
-                <a:solidFill>
-                  <a:schemeClr val="tx1"/>
-                </a:solidFill>
-                <a:latin typeface="+mn-lt"/>
-                <a:ea typeface="+mn-ea"/>
-                <a:cs typeface="+mn-cs"/>
-              </a:defRPr>
-            </a:lvl8pPr>
-            <a:lvl9pPr marL="3886200" indent="-228600" algn="l" defTabSz="914400" rtl="0" eaLnBrk="1" latinLnBrk="0" hangingPunct="1">
-              <a:spcBef>
-                <a:spcPct val="20000"/>
-              </a:spcBef>
-              <a:buFont typeface="Arial" pitchFamily="34" charset="0"/>
-              <a:buChar char="•"/>
-              <a:defRPr sz="2000" kern="1200">
-                <a:solidFill>
-                  <a:schemeClr val="tx1"/>
-                </a:solidFill>
-                <a:latin typeface="+mn-lt"/>
-                <a:ea typeface="+mn-ea"/>
-                <a:cs typeface="+mn-cs"/>
-              </a:defRPr>
-            </a:lvl9pPr>
-          </a:lstStyle>
-          <a:p>
-            <a:pPr marL="0" indent="0">
-              <a:lnSpc>
-                <a:spcPts val="3600"/>
-              </a:lnSpc>
-              <a:buNone/>
-            </a:pPr>
-            <a:endParaRPr kumimoji="0" lang="en-US" altLang="zh-TW" sz="2800" b="1" i="0" u="none" strike="noStrike" kern="1200" cap="none" spc="0" normalizeH="0" baseline="0" noProof="0" dirty="0">
-              <a:ln>
-                <a:noFill/>
-              </a:ln>
-              <a:solidFill>
-                <a:schemeClr val="bg1"/>
-              </a:solidFill>
-              <a:effectLst/>
-              <a:uLnTx/>
-              <a:uFillTx/>
-              <a:latin typeface="微軟正黑體" pitchFamily="34" charset="-120"/>
-              <a:ea typeface="微軟正黑體" pitchFamily="34" charset="-120"/>
-              <a:cs typeface="+mn-cs"/>
-            </a:endParaRPr>
-          </a:p>
-        </p:txBody>
-      </p:sp>
-      <p:pic>
-        <p:nvPicPr>
-          <p:cNvPr id="5123" name="Picture 3"/>
-          <p:cNvPicPr>
-            <a:picLocks noChangeAspect="1" noChangeArrowheads="1"/>
-          </p:cNvPicPr>
-          <p:nvPr/>
-        </p:nvPicPr>
-        <p:blipFill>
-          <a:blip r:embed="rId2">
-            <a:extLst>
-              <a:ext uri="{28A0092B-C50C-407E-A947-70E740481C1C}">
-                <a14:useLocalDpi xmlns:a14="http://schemas.microsoft.com/office/drawing/2010/main" val="0"/>
-              </a:ext>
-            </a:extLst>
-          </a:blip>
-          <a:srcRect/>
-          <a:stretch>
-            <a:fillRect/>
-          </a:stretch>
-        </p:blipFill>
-        <p:spPr bwMode="auto">
-          <a:xfrm>
-            <a:off x="543338" y="1124744"/>
-            <a:ext cx="8964524" cy="5059834"/>
-          </a:xfrm>
-          <a:prstGeom prst="rect">
-            <a:avLst/>
-          </a:prstGeom>
-          <a:noFill/>
-          <a:ln>
-            <a:noFill/>
-          </a:ln>
-          <a:effectLst/>
-          <a:extLst>
-            <a:ext uri="{909E8E84-426E-40DD-AFC4-6F175D3DCCD1}">
-              <a14:hiddenFill xmlns:a14="http://schemas.microsoft.com/office/drawing/2010/main">
-                <a:solidFill>
-                  <a:schemeClr val="accent1"/>
-                </a:solidFill>
-              </a14:hiddenFill>
-            </a:ext>
-            <a:ext uri="{91240B29-F687-4F45-9708-019B960494DF}">
-              <a14:hiddenLine xmlns:a14="http://schemas.microsoft.com/office/drawing/2010/main" w="9525">
-                <a:solidFill>
-                  <a:schemeClr val="tx1"/>
-                </a:solidFill>
-                <a:miter lim="800000"/>
-                <a:headEnd/>
-                <a:tailEnd/>
-              </a14:hiddenLine>
-            </a:ext>
-            <a:ext uri="{AF507438-7753-43E0-B8FC-AC1667EBCBE1}">
-              <a14:hiddenEffects xmlns:a14="http://schemas.microsoft.com/office/drawing/2010/main">
-                <a:effectLst>
-                  <a:outerShdw dist="35921" dir="2700000" algn="ctr" rotWithShape="0">
-                    <a:schemeClr val="bg2"/>
-                  </a:outerShdw>
-                </a:effectLst>
-              </a14:hiddenEffects>
-            </a:ext>
-          </a:extLst>
-        </p:spPr>
-      </p:pic>
-    </p:spTree>
-    <p:extLst>
-      <p:ext uri="{BB962C8B-B14F-4D97-AF65-F5344CB8AC3E}">
-        <p14:creationId xmlns:p14="http://schemas.microsoft.com/office/powerpoint/2010/main" val="1462243957"/>
+        <p14:creationId xmlns:p14="http://schemas.microsoft.com/office/powerpoint/2010/main" val="320194135"/>
       </p:ext>
     </p:extLst>
   </p:cSld>
@@ -6362,17 +9173,15 @@
       </p:grpSpPr>
       <p:sp>
         <p:nvSpPr>
-          <p:cNvPr id="4" name="標題 3"/>
-          <p:cNvSpPr>
-            <a:spLocks noGrp="1"/>
+          <p:cNvPr id="5" name="標題 3"/>
+          <p:cNvSpPr txBox="1">
+            <a:spLocks/>
           </p:cNvSpPr>
-          <p:nvPr>
-            <p:ph type="title" idx="4294967295"/>
-          </p:nvPr>
+          <p:nvPr/>
         </p:nvSpPr>
         <p:spPr>
           <a:xfrm>
-            <a:off x="632520" y="0"/>
+            <a:off x="632520" y="548680"/>
             <a:ext cx="8640960" cy="692696"/>
           </a:xfrm>
           <a:prstGeom prst="rect">
@@ -6380,327 +9189,1013 @@
           </a:prstGeom>
         </p:spPr>
         <p:txBody>
-          <a:bodyPr/>
-          <a:lstStyle/>
-          <a:p>
-            <a:r>
-              <a:rPr lang="zh-TW" altLang="en-US" dirty="0" smtClean="0"/>
-              <a:t>影片內容</a:t>
-            </a:r>
-            <a:r>
-              <a:rPr lang="zh-TW" altLang="en-US" dirty="0" smtClean="0"/>
-              <a:t>頁面</a:t>
-            </a:r>
-            <a:r>
-              <a:rPr lang="en-US" altLang="zh-TW" dirty="0" smtClean="0"/>
-              <a:t>-</a:t>
-            </a:r>
-            <a:r>
-              <a:rPr lang="zh-TW" altLang="en-US" dirty="0"/>
-              <a:t>下</a:t>
-            </a:r>
-            <a:endParaRPr lang="zh-TW" altLang="en-US" dirty="0"/>
-          </a:p>
-        </p:txBody>
-      </p:sp>
-      <p:sp>
-        <p:nvSpPr>
-          <p:cNvPr id="6" name="內容版面配置區 1"/>
-          <p:cNvSpPr txBox="1">
-            <a:spLocks/>
-          </p:cNvSpPr>
-          <p:nvPr/>
-        </p:nvSpPr>
-        <p:spPr bwMode="ltGray">
-          <a:xfrm>
-            <a:off x="1065600" y="979200"/>
-            <a:ext cx="7920000" cy="4824536"/>
-          </a:xfrm>
-          <a:prstGeom prst="rect">
-            <a:avLst/>
-          </a:prstGeom>
-        </p:spPr>
-        <p:txBody>
-          <a:bodyPr vert="horz" lIns="91440" tIns="45720" rIns="91440" bIns="45720" rtlCol="0">
+          <a:bodyPr vert="horz" lIns="91440" tIns="45720" rIns="91440" bIns="45720" rtlCol="0" anchor="ctr">
             <a:normAutofit/>
           </a:bodyPr>
           <a:lstStyle>
-            <a:lvl1pPr marL="342900" indent="-342900" algn="l" defTabSz="914400" rtl="0" eaLnBrk="1" latinLnBrk="0" hangingPunct="1">
-              <a:lnSpc>
-                <a:spcPct val="100000"/>
-              </a:lnSpc>
+            <a:lvl1pPr algn="ctr" defTabSz="914400" rtl="0" eaLnBrk="1" latinLnBrk="0" hangingPunct="1">
               <a:spcBef>
-                <a:spcPts val="600"/>
+                <a:spcPct val="0"/>
               </a:spcBef>
-              <a:spcAft>
-                <a:spcPts val="600"/>
-              </a:spcAft>
-              <a:buClr>
-                <a:schemeClr val="accent1"/>
-              </a:buClr>
-              <a:buFont typeface="Arial" pitchFamily="34" charset="0"/>
-              <a:buChar char="•"/>
-              <a:defRPr sz="2800" b="1" kern="1200">
-                <a:solidFill>
-                  <a:srgbClr val="393939"/>
-                </a:solidFill>
-                <a:latin typeface="微軟正黑體" pitchFamily="34" charset="-120"/>
-                <a:ea typeface="微軟正黑體" pitchFamily="34" charset="-120"/>
-                <a:cs typeface="+mn-cs"/>
+              <a:buNone/>
+              <a:defRPr lang="zh-TW" altLang="en-US" sz="3600" b="1" kern="1200" spc="300" dirty="0">
+                <a:solidFill>
+                  <a:srgbClr val="FFC000"/>
+                </a:solidFill>
+                <a:latin typeface="+mn-ea"/>
+                <a:ea typeface="+mn-ea"/>
+                <a:cs typeface="+mj-cs"/>
               </a:defRPr>
             </a:lvl1pPr>
-            <a:lvl2pPr marL="714375" indent="-352425" algn="l" defTabSz="914400" rtl="0" eaLnBrk="1" latinLnBrk="0" hangingPunct="1">
-              <a:lnSpc>
-                <a:spcPct val="100000"/>
-              </a:lnSpc>
-              <a:spcBef>
-                <a:spcPts val="600"/>
-              </a:spcBef>
-              <a:spcAft>
-                <a:spcPts val="600"/>
-              </a:spcAft>
-              <a:buClr>
-                <a:schemeClr val="accent2"/>
-              </a:buClr>
-              <a:buFont typeface="Arial" pitchFamily="34" charset="0"/>
-              <a:buChar char="–"/>
-              <a:defRPr sz="2400" b="1" kern="1200">
-                <a:solidFill>
-                  <a:srgbClr val="393939"/>
-                </a:solidFill>
-                <a:latin typeface="微軟正黑體" pitchFamily="34" charset="-120"/>
-                <a:ea typeface="微軟正黑體" pitchFamily="34" charset="-120"/>
-                <a:cs typeface="+mn-cs"/>
-              </a:defRPr>
-            </a:lvl2pPr>
-            <a:lvl3pPr marL="1076325" indent="-266700" algn="l" defTabSz="914400" rtl="0" eaLnBrk="1" latinLnBrk="0" hangingPunct="1">
-              <a:lnSpc>
-                <a:spcPct val="100000"/>
-              </a:lnSpc>
-              <a:spcBef>
-                <a:spcPts val="600"/>
-              </a:spcBef>
-              <a:spcAft>
-                <a:spcPts val="600"/>
-              </a:spcAft>
-              <a:buClr>
-                <a:schemeClr val="accent3"/>
-              </a:buClr>
-              <a:buFont typeface="Arial" pitchFamily="34" charset="0"/>
-              <a:buChar char="•"/>
-              <a:defRPr sz="2000" kern="1200">
-                <a:solidFill>
-                  <a:srgbClr val="393939"/>
-                </a:solidFill>
-                <a:latin typeface="微軟正黑體" pitchFamily="34" charset="-120"/>
-                <a:ea typeface="微軟正黑體" pitchFamily="34" charset="-120"/>
-                <a:cs typeface="+mn-cs"/>
-              </a:defRPr>
-            </a:lvl3pPr>
-            <a:lvl4pPr marL="1343025" indent="-180975" algn="l" defTabSz="914400" rtl="0" eaLnBrk="1" latinLnBrk="0" hangingPunct="1">
-              <a:lnSpc>
-                <a:spcPct val="100000"/>
-              </a:lnSpc>
-              <a:spcBef>
-                <a:spcPts val="600"/>
-              </a:spcBef>
-              <a:spcAft>
-                <a:spcPts val="600"/>
-              </a:spcAft>
-              <a:buClr>
-                <a:schemeClr val="accent4"/>
-              </a:buClr>
-              <a:buFont typeface="Arial" pitchFamily="34" charset="0"/>
-              <a:buChar char="–"/>
-              <a:defRPr sz="1800" kern="1200">
-                <a:solidFill>
-                  <a:srgbClr val="393939"/>
-                </a:solidFill>
-                <a:latin typeface="微軟正黑體" pitchFamily="34" charset="-120"/>
-                <a:ea typeface="微軟正黑體" pitchFamily="34" charset="-120"/>
-                <a:cs typeface="+mn-cs"/>
-              </a:defRPr>
-            </a:lvl4pPr>
-            <a:lvl5pPr marL="1619250" indent="-276225" algn="l" defTabSz="914400" rtl="0" eaLnBrk="1" latinLnBrk="0" hangingPunct="1">
-              <a:lnSpc>
-                <a:spcPct val="100000"/>
-              </a:lnSpc>
-              <a:spcBef>
-                <a:spcPts val="600"/>
-              </a:spcBef>
-              <a:spcAft>
-                <a:spcPts val="600"/>
-              </a:spcAft>
-              <a:buClr>
-                <a:schemeClr val="accent5"/>
-              </a:buClr>
-              <a:buFont typeface="Arial" pitchFamily="34" charset="0"/>
-              <a:buChar char="»"/>
-              <a:tabLst>
-                <a:tab pos="7981950" algn="l"/>
-              </a:tabLst>
-              <a:defRPr sz="1800" kern="1200">
-                <a:solidFill>
-                  <a:srgbClr val="393939"/>
-                </a:solidFill>
-                <a:latin typeface="微軟正黑體" pitchFamily="34" charset="-120"/>
-                <a:ea typeface="微軟正黑體" pitchFamily="34" charset="-120"/>
-                <a:cs typeface="+mn-cs"/>
-              </a:defRPr>
-            </a:lvl5pPr>
-            <a:lvl6pPr marL="2514600" indent="-228600" algn="l" defTabSz="914400" rtl="0" eaLnBrk="1" latinLnBrk="0" hangingPunct="1">
-              <a:spcBef>
-                <a:spcPct val="20000"/>
-              </a:spcBef>
-              <a:buFont typeface="Arial" pitchFamily="34" charset="0"/>
-              <a:buChar char="•"/>
-              <a:defRPr sz="2000" kern="1200">
-                <a:solidFill>
-                  <a:schemeClr val="tx1"/>
-                </a:solidFill>
-                <a:latin typeface="+mn-lt"/>
-                <a:ea typeface="+mn-ea"/>
-                <a:cs typeface="+mn-cs"/>
-              </a:defRPr>
-            </a:lvl6pPr>
-            <a:lvl7pPr marL="2971800" indent="-228600" algn="l" defTabSz="914400" rtl="0" eaLnBrk="1" latinLnBrk="0" hangingPunct="1">
-              <a:spcBef>
-                <a:spcPct val="20000"/>
-              </a:spcBef>
-              <a:buFont typeface="Arial" pitchFamily="34" charset="0"/>
-              <a:buChar char="•"/>
-              <a:defRPr sz="2000" kern="1200">
-                <a:solidFill>
-                  <a:schemeClr val="tx1"/>
-                </a:solidFill>
-                <a:latin typeface="+mn-lt"/>
-                <a:ea typeface="+mn-ea"/>
-                <a:cs typeface="+mn-cs"/>
-              </a:defRPr>
-            </a:lvl7pPr>
-            <a:lvl8pPr marL="3429000" indent="-228600" algn="l" defTabSz="914400" rtl="0" eaLnBrk="1" latinLnBrk="0" hangingPunct="1">
-              <a:spcBef>
-                <a:spcPct val="20000"/>
-              </a:spcBef>
-              <a:buFont typeface="Arial" pitchFamily="34" charset="0"/>
-              <a:buChar char="•"/>
-              <a:defRPr sz="2000" kern="1200">
-                <a:solidFill>
-                  <a:schemeClr val="tx1"/>
-                </a:solidFill>
-                <a:latin typeface="+mn-lt"/>
-                <a:ea typeface="+mn-ea"/>
-                <a:cs typeface="+mn-cs"/>
-              </a:defRPr>
-            </a:lvl8pPr>
-            <a:lvl9pPr marL="3886200" indent="-228600" algn="l" defTabSz="914400" rtl="0" eaLnBrk="1" latinLnBrk="0" hangingPunct="1">
-              <a:spcBef>
-                <a:spcPct val="20000"/>
-              </a:spcBef>
-              <a:buFont typeface="Arial" pitchFamily="34" charset="0"/>
-              <a:buChar char="•"/>
-              <a:defRPr sz="2000" kern="1200">
-                <a:solidFill>
-                  <a:schemeClr val="tx1"/>
-                </a:solidFill>
-                <a:latin typeface="+mn-lt"/>
-                <a:ea typeface="+mn-ea"/>
-                <a:cs typeface="+mn-cs"/>
-              </a:defRPr>
-            </a:lvl9pPr>
           </a:lstStyle>
           <a:p>
-            <a:pPr marL="0" indent="0">
-              <a:lnSpc>
-                <a:spcPts val="3600"/>
-              </a:lnSpc>
-              <a:buNone/>
-            </a:pPr>
-            <a:endParaRPr kumimoji="0" lang="en-US" altLang="zh-TW" sz="2800" b="1" i="0" u="none" strike="noStrike" kern="1200" cap="none" spc="0" normalizeH="0" baseline="0" noProof="0" dirty="0">
-              <a:ln>
-                <a:noFill/>
-              </a:ln>
-              <a:solidFill>
-                <a:schemeClr val="bg1"/>
-              </a:solidFill>
-              <a:effectLst/>
-              <a:uLnTx/>
-              <a:uFillTx/>
-              <a:latin typeface="微軟正黑體" pitchFamily="34" charset="-120"/>
-              <a:ea typeface="微軟正黑體" pitchFamily="34" charset="-120"/>
-              <a:cs typeface="+mn-cs"/>
-            </a:endParaRPr>
+            <a:r>
+              <a:rPr lang="zh-TW" altLang="en-US" dirty="0" smtClean="0"/>
+              <a:t>技術要點</a:t>
+            </a:r>
+            <a:endParaRPr lang="en-US" altLang="zh-TW" dirty="0"/>
           </a:p>
         </p:txBody>
       </p:sp>
-      <p:pic>
-        <p:nvPicPr>
-          <p:cNvPr id="6146" name="Picture 2"/>
-          <p:cNvPicPr>
-            <a:picLocks noChangeAspect="1" noChangeArrowheads="1"/>
-          </p:cNvPicPr>
+      <p:grpSp>
+        <p:nvGrpSpPr>
+          <p:cNvPr id="99" name="群組 98"/>
+          <p:cNvGrpSpPr/>
           <p:nvPr/>
-        </p:nvPicPr>
-        <p:blipFill>
-          <a:blip r:embed="rId2">
-            <a:extLst>
-              <a:ext uri="{28A0092B-C50C-407E-A947-70E740481C1C}">
-                <a14:useLocalDpi xmlns:a14="http://schemas.microsoft.com/office/drawing/2010/main" val="0"/>
-              </a:ext>
-            </a:extLst>
-          </a:blip>
-          <a:srcRect/>
-          <a:stretch>
-            <a:fillRect/>
-          </a:stretch>
-        </p:blipFill>
-        <p:spPr bwMode="auto">
+        </p:nvGrpSpPr>
+        <p:grpSpPr>
           <a:xfrm>
-            <a:off x="892602" y="908720"/>
-            <a:ext cx="8265996" cy="5204991"/>
+            <a:off x="1384470" y="1628800"/>
+            <a:ext cx="7137059" cy="3968021"/>
+            <a:chOff x="912285" y="1664804"/>
+            <a:chExt cx="8081429" cy="4493066"/>
           </a:xfrm>
-          <a:prstGeom prst="rect">
-            <a:avLst/>
-          </a:prstGeom>
-          <a:noFill/>
-          <a:ln>
+        </p:grpSpPr>
+        <p:sp>
+          <p:nvSpPr>
+            <p:cNvPr id="6" name="Google Shape;134;p5"/>
+            <p:cNvSpPr/>
+            <p:nvPr/>
+          </p:nvSpPr>
+          <p:spPr>
+            <a:xfrm>
+              <a:off x="4021106" y="3590424"/>
+              <a:ext cx="1903095" cy="634365"/>
+            </a:xfrm>
+            <a:prstGeom prst="roundRect">
+              <a:avLst/>
+            </a:prstGeom>
+            <a:solidFill>
+              <a:schemeClr val="accent4"/>
+            </a:solidFill>
+            <a:ln w="28575">
+              <a:solidFill>
+                <a:schemeClr val="accent4"/>
+              </a:solidFill>
+            </a:ln>
+          </p:spPr>
+          <p:txBody>
+            <a:bodyPr spcFirstLastPara="1" wrap="square" lIns="91425" tIns="45700" rIns="91425" bIns="45700" anchor="ctr" anchorCtr="0">
+              <a:noAutofit/>
+            </a:bodyPr>
+            <a:lstStyle/>
+            <a:p>
+              <a:pPr marL="0" marR="0" lvl="0" indent="0" algn="ctr" rtl="0">
+                <a:spcBef>
+                  <a:spcPts val="0"/>
+                </a:spcBef>
+                <a:spcAft>
+                  <a:spcPts val="0"/>
+                </a:spcAft>
+                <a:buNone/>
+              </a:pPr>
+              <a:r>
+                <a:rPr lang="zh-TW" altLang="en-US" b="1" dirty="0" smtClean="0">
+                  <a:solidFill>
+                    <a:srgbClr val="292929"/>
+                  </a:solidFill>
+                  <a:latin typeface="Microsoft JhengHei"/>
+                  <a:ea typeface="Microsoft JhengHei"/>
+                  <a:cs typeface="Microsoft JhengHei"/>
+                  <a:sym typeface="Microsoft JhengHei"/>
+                </a:rPr>
+                <a:t>技術要點</a:t>
+              </a:r>
+              <a:endParaRPr dirty="0">
+                <a:solidFill>
+                  <a:srgbClr val="292929"/>
+                </a:solidFill>
+              </a:endParaRPr>
+            </a:p>
+          </p:txBody>
+        </p:sp>
+        <p:sp>
+          <p:nvSpPr>
+            <p:cNvPr id="7" name="Google Shape;134;p5"/>
+            <p:cNvSpPr>
+              <a:spLocks noChangeAspect="1"/>
+            </p:cNvSpPr>
+            <p:nvPr/>
+          </p:nvSpPr>
+          <p:spPr>
+            <a:xfrm>
+              <a:off x="912285" y="1680171"/>
+              <a:ext cx="1903095" cy="613853"/>
+            </a:xfrm>
+            <a:prstGeom prst="roundRect">
+              <a:avLst/>
+            </a:prstGeom>
             <a:noFill/>
-          </a:ln>
-          <a:effectLst/>
-          <a:extLst>
-            <a:ext uri="{909E8E84-426E-40DD-AFC4-6F175D3DCCD1}">
-              <a14:hiddenFill xmlns:a14="http://schemas.microsoft.com/office/drawing/2010/main">
-                <a:solidFill>
-                  <a:schemeClr val="accent1"/>
-                </a:solidFill>
-              </a14:hiddenFill>
-            </a:ext>
-            <a:ext uri="{91240B29-F687-4F45-9708-019B960494DF}">
-              <a14:hiddenLine xmlns:a14="http://schemas.microsoft.com/office/drawing/2010/main" w="9525">
-                <a:solidFill>
-                  <a:schemeClr val="tx1"/>
-                </a:solidFill>
-                <a:miter lim="800000"/>
-                <a:headEnd/>
-                <a:tailEnd/>
-              </a14:hiddenLine>
-            </a:ext>
-            <a:ext uri="{AF507438-7753-43E0-B8FC-AC1667EBCBE1}">
-              <a14:hiddenEffects xmlns:a14="http://schemas.microsoft.com/office/drawing/2010/main">
-                <a:effectLst>
-                  <a:outerShdw dist="35921" dir="2700000" algn="ctr" rotWithShape="0">
-                    <a:schemeClr val="bg2"/>
-                  </a:outerShdw>
-                </a:effectLst>
-              </a14:hiddenEffects>
-            </a:ext>
-          </a:extLst>
-        </p:spPr>
-      </p:pic>
+            <a:ln w="28575">
+              <a:solidFill>
+                <a:schemeClr val="accent4"/>
+              </a:solidFill>
+            </a:ln>
+          </p:spPr>
+          <p:txBody>
+            <a:bodyPr spcFirstLastPara="1" wrap="square" lIns="91425" tIns="45700" rIns="91425" bIns="45700" anchor="ctr" anchorCtr="0">
+              <a:noAutofit/>
+            </a:bodyPr>
+            <a:lstStyle/>
+            <a:p>
+              <a:pPr marL="0" marR="0" lvl="0" indent="0" algn="ctr" rtl="0">
+                <a:spcBef>
+                  <a:spcPts val="0"/>
+                </a:spcBef>
+                <a:spcAft>
+                  <a:spcPts val="0"/>
+                </a:spcAft>
+                <a:buNone/>
+              </a:pPr>
+              <a:r>
+                <a:rPr lang="en-US" b="1" dirty="0" smtClean="0">
+                  <a:solidFill>
+                    <a:schemeClr val="bg1"/>
+                  </a:solidFill>
+                  <a:latin typeface="Microsoft JhengHei"/>
+                  <a:ea typeface="Microsoft JhengHei"/>
+                  <a:cs typeface="Microsoft JhengHei"/>
+                  <a:sym typeface="Microsoft JhengHei"/>
+                </a:rPr>
+                <a:t>UI</a:t>
+              </a:r>
+              <a:r>
+                <a:rPr lang="zh-TW" altLang="en-US" b="1" dirty="0" smtClean="0">
+                  <a:solidFill>
+                    <a:schemeClr val="bg1"/>
+                  </a:solidFill>
+                  <a:latin typeface="Microsoft JhengHei"/>
+                  <a:ea typeface="Microsoft JhengHei"/>
+                  <a:cs typeface="Microsoft JhengHei"/>
+                  <a:sym typeface="Microsoft JhengHei"/>
+                </a:rPr>
+                <a:t>、配色</a:t>
+              </a:r>
+              <a:endParaRPr dirty="0">
+                <a:solidFill>
+                  <a:schemeClr val="bg1"/>
+                </a:solidFill>
+              </a:endParaRPr>
+            </a:p>
+          </p:txBody>
+        </p:sp>
+        <p:cxnSp>
+          <p:nvCxnSpPr>
+            <p:cNvPr id="14" name="肘形接點 13"/>
+            <p:cNvCxnSpPr>
+              <a:stCxn id="6" idx="1"/>
+              <a:endCxn id="7" idx="3"/>
+            </p:cNvCxnSpPr>
+            <p:nvPr/>
+          </p:nvCxnSpPr>
+          <p:spPr>
+            <a:xfrm rot="10800000">
+              <a:off x="2815380" y="1987099"/>
+              <a:ext cx="1205726" cy="1920509"/>
+            </a:xfrm>
+            <a:prstGeom prst="bentConnector3">
+              <a:avLst>
+                <a:gd name="adj1" fmla="val 50000"/>
+              </a:avLst>
+            </a:prstGeom>
+            <a:ln w="19050">
+              <a:tailEnd type="triangle"/>
+            </a:ln>
+          </p:spPr>
+          <p:style>
+            <a:lnRef idx="1">
+              <a:schemeClr val="accent1"/>
+            </a:lnRef>
+            <a:fillRef idx="0">
+              <a:schemeClr val="accent1"/>
+            </a:fillRef>
+            <a:effectRef idx="0">
+              <a:schemeClr val="accent1"/>
+            </a:effectRef>
+            <a:fontRef idx="minor">
+              <a:schemeClr val="tx1"/>
+            </a:fontRef>
+          </p:style>
+        </p:cxnSp>
+        <p:sp>
+          <p:nvSpPr>
+            <p:cNvPr id="15" name="Google Shape;134;p5"/>
+            <p:cNvSpPr/>
+            <p:nvPr/>
+          </p:nvSpPr>
+          <p:spPr>
+            <a:xfrm>
+              <a:off x="912293" y="2644846"/>
+              <a:ext cx="1903095" cy="634365"/>
+            </a:xfrm>
+            <a:prstGeom prst="roundRect">
+              <a:avLst/>
+            </a:prstGeom>
+            <a:noFill/>
+            <a:ln w="28575">
+              <a:solidFill>
+                <a:schemeClr val="accent4"/>
+              </a:solidFill>
+            </a:ln>
+          </p:spPr>
+          <p:txBody>
+            <a:bodyPr spcFirstLastPara="1" wrap="square" lIns="91425" tIns="45700" rIns="91425" bIns="45700" anchor="ctr" anchorCtr="0">
+              <a:noAutofit/>
+            </a:bodyPr>
+            <a:lstStyle/>
+            <a:p>
+              <a:pPr lvl="0" algn="ctr"/>
+              <a:r>
+                <a:rPr lang="zh-TW" altLang="en-US" b="1" dirty="0">
+                  <a:solidFill>
+                    <a:schemeClr val="bg1"/>
+                  </a:solidFill>
+                  <a:latin typeface="Microsoft JhengHei"/>
+                  <a:ea typeface="Microsoft JhengHei"/>
+                  <a:cs typeface="Microsoft JhengHei"/>
+                  <a:sym typeface="Microsoft JhengHei"/>
+                </a:rPr>
+                <a:t>搜尋、輪播</a:t>
+              </a:r>
+              <a:endParaRPr lang="zh-TW" altLang="en-US" dirty="0">
+                <a:solidFill>
+                  <a:schemeClr val="bg1"/>
+                </a:solidFill>
+              </a:endParaRPr>
+            </a:p>
+          </p:txBody>
+        </p:sp>
+        <p:cxnSp>
+          <p:nvCxnSpPr>
+            <p:cNvPr id="16" name="肘形接點 15"/>
+            <p:cNvCxnSpPr>
+              <a:stCxn id="6" idx="1"/>
+            </p:cNvCxnSpPr>
+            <p:nvPr/>
+          </p:nvCxnSpPr>
+          <p:spPr>
+            <a:xfrm rot="10800000">
+              <a:off x="2815390" y="2962029"/>
+              <a:ext cx="1205717" cy="945578"/>
+            </a:xfrm>
+            <a:prstGeom prst="bentConnector3">
+              <a:avLst/>
+            </a:prstGeom>
+            <a:ln w="19050">
+              <a:tailEnd type="triangle"/>
+            </a:ln>
+          </p:spPr>
+          <p:style>
+            <a:lnRef idx="1">
+              <a:schemeClr val="accent1"/>
+            </a:lnRef>
+            <a:fillRef idx="0">
+              <a:schemeClr val="accent1"/>
+            </a:fillRef>
+            <a:effectRef idx="0">
+              <a:schemeClr val="accent1"/>
+            </a:effectRef>
+            <a:fontRef idx="minor">
+              <a:schemeClr val="tx1"/>
+            </a:fontRef>
+          </p:style>
+        </p:cxnSp>
+        <p:sp>
+          <p:nvSpPr>
+            <p:cNvPr id="19" name="Google Shape;134;p5"/>
+            <p:cNvSpPr/>
+            <p:nvPr/>
+          </p:nvSpPr>
+          <p:spPr>
+            <a:xfrm>
+              <a:off x="912293" y="3594153"/>
+              <a:ext cx="1903095" cy="634365"/>
+            </a:xfrm>
+            <a:prstGeom prst="roundRect">
+              <a:avLst/>
+            </a:prstGeom>
+            <a:noFill/>
+            <a:ln w="28575">
+              <a:solidFill>
+                <a:schemeClr val="accent4"/>
+              </a:solidFill>
+            </a:ln>
+          </p:spPr>
+          <p:txBody>
+            <a:bodyPr spcFirstLastPara="1" wrap="square" lIns="91425" tIns="45700" rIns="91425" bIns="45700" anchor="ctr" anchorCtr="0">
+              <a:noAutofit/>
+            </a:bodyPr>
+            <a:lstStyle/>
+            <a:p>
+              <a:pPr lvl="0" algn="ctr"/>
+              <a:r>
+                <a:rPr lang="zh-TW" altLang="en-US" b="1" dirty="0">
+                  <a:solidFill>
+                    <a:schemeClr val="bg1"/>
+                  </a:solidFill>
+                  <a:latin typeface="Microsoft JhengHei"/>
+                  <a:ea typeface="Microsoft JhengHei"/>
+                  <a:cs typeface="Microsoft JhengHei"/>
+                  <a:sym typeface="Microsoft JhengHei"/>
+                </a:rPr>
+                <a:t>切分頁</a:t>
+              </a:r>
+              <a:endParaRPr lang="zh-TW" altLang="en-US" dirty="0">
+                <a:solidFill>
+                  <a:schemeClr val="bg1"/>
+                </a:solidFill>
+              </a:endParaRPr>
+            </a:p>
+          </p:txBody>
+        </p:sp>
+        <p:cxnSp>
+          <p:nvCxnSpPr>
+            <p:cNvPr id="26" name="肘形接點 25"/>
+            <p:cNvCxnSpPr>
+              <a:stCxn id="6" idx="1"/>
+            </p:cNvCxnSpPr>
+            <p:nvPr/>
+          </p:nvCxnSpPr>
+          <p:spPr>
+            <a:xfrm rot="10800000" flipV="1">
+              <a:off x="2815390" y="3907607"/>
+              <a:ext cx="1205717" cy="3728"/>
+            </a:xfrm>
+            <a:prstGeom prst="bentConnector3">
+              <a:avLst/>
+            </a:prstGeom>
+            <a:ln w="19050">
+              <a:tailEnd type="triangle"/>
+            </a:ln>
+          </p:spPr>
+          <p:style>
+            <a:lnRef idx="1">
+              <a:schemeClr val="accent1"/>
+            </a:lnRef>
+            <a:fillRef idx="0">
+              <a:schemeClr val="accent1"/>
+            </a:fillRef>
+            <a:effectRef idx="0">
+              <a:schemeClr val="accent1"/>
+            </a:effectRef>
+            <a:fontRef idx="minor">
+              <a:schemeClr val="tx1"/>
+            </a:fontRef>
+          </p:style>
+        </p:cxnSp>
+        <p:sp>
+          <p:nvSpPr>
+            <p:cNvPr id="29" name="Google Shape;134;p5"/>
+            <p:cNvSpPr/>
+            <p:nvPr/>
+          </p:nvSpPr>
+          <p:spPr>
+            <a:xfrm>
+              <a:off x="912293" y="4558830"/>
+              <a:ext cx="1903095" cy="634365"/>
+            </a:xfrm>
+            <a:prstGeom prst="roundRect">
+              <a:avLst/>
+            </a:prstGeom>
+            <a:noFill/>
+            <a:ln w="28575">
+              <a:solidFill>
+                <a:schemeClr val="accent4"/>
+              </a:solidFill>
+            </a:ln>
+          </p:spPr>
+          <p:txBody>
+            <a:bodyPr spcFirstLastPara="1" wrap="square" lIns="91425" tIns="45700" rIns="91425" bIns="45700" anchor="ctr" anchorCtr="0">
+              <a:noAutofit/>
+            </a:bodyPr>
+            <a:lstStyle/>
+            <a:p>
+              <a:pPr lvl="0" algn="ctr"/>
+              <a:r>
+                <a:rPr lang="zh-TW" altLang="en-US" b="1" dirty="0">
+                  <a:solidFill>
+                    <a:schemeClr val="bg1"/>
+                  </a:solidFill>
+                  <a:latin typeface="Microsoft JhengHei"/>
+                  <a:ea typeface="Microsoft JhengHei"/>
+                  <a:cs typeface="Microsoft JhengHei"/>
+                  <a:sym typeface="Microsoft JhengHei"/>
+                </a:rPr>
+                <a:t>登入、註冊</a:t>
+              </a:r>
+              <a:endParaRPr lang="zh-TW" altLang="en-US" dirty="0">
+                <a:solidFill>
+                  <a:schemeClr val="bg1"/>
+                </a:solidFill>
+              </a:endParaRPr>
+            </a:p>
+          </p:txBody>
+        </p:sp>
+        <p:cxnSp>
+          <p:nvCxnSpPr>
+            <p:cNvPr id="31" name="肘形接點 30"/>
+            <p:cNvCxnSpPr>
+              <a:stCxn id="6" idx="1"/>
+            </p:cNvCxnSpPr>
+            <p:nvPr/>
+          </p:nvCxnSpPr>
+          <p:spPr>
+            <a:xfrm rot="10800000" flipV="1">
+              <a:off x="2815390" y="3907606"/>
+              <a:ext cx="1205717" cy="968405"/>
+            </a:xfrm>
+            <a:prstGeom prst="bentConnector3">
+              <a:avLst/>
+            </a:prstGeom>
+            <a:ln w="19050">
+              <a:tailEnd type="triangle"/>
+            </a:ln>
+          </p:spPr>
+          <p:style>
+            <a:lnRef idx="1">
+              <a:schemeClr val="accent1"/>
+            </a:lnRef>
+            <a:fillRef idx="0">
+              <a:schemeClr val="accent1"/>
+            </a:fillRef>
+            <a:effectRef idx="0">
+              <a:schemeClr val="accent1"/>
+            </a:effectRef>
+            <a:fontRef idx="minor">
+              <a:schemeClr val="tx1"/>
+            </a:fontRef>
+          </p:style>
+        </p:cxnSp>
+        <p:sp>
+          <p:nvSpPr>
+            <p:cNvPr id="42" name="Google Shape;134;p5"/>
+            <p:cNvSpPr/>
+            <p:nvPr/>
+          </p:nvSpPr>
+          <p:spPr>
+            <a:xfrm>
+              <a:off x="7090619" y="1664804"/>
+              <a:ext cx="1903095" cy="634365"/>
+            </a:xfrm>
+            <a:prstGeom prst="roundRect">
+              <a:avLst/>
+            </a:prstGeom>
+            <a:noFill/>
+            <a:ln w="28575">
+              <a:solidFill>
+                <a:schemeClr val="accent4"/>
+              </a:solidFill>
+            </a:ln>
+          </p:spPr>
+          <p:txBody>
+            <a:bodyPr spcFirstLastPara="1" wrap="square" lIns="91425" tIns="45700" rIns="91425" bIns="45700" anchor="ctr" anchorCtr="0">
+              <a:noAutofit/>
+            </a:bodyPr>
+            <a:lstStyle/>
+            <a:p>
+              <a:pPr marL="0" marR="0" lvl="0" indent="0" algn="ctr" rtl="0">
+                <a:spcBef>
+                  <a:spcPts val="0"/>
+                </a:spcBef>
+                <a:spcAft>
+                  <a:spcPts val="0"/>
+                </a:spcAft>
+                <a:buNone/>
+              </a:pPr>
+              <a:r>
+                <a:rPr lang="zh-TW" altLang="en-US" b="1" dirty="0" smtClean="0">
+                  <a:solidFill>
+                    <a:schemeClr val="bg1"/>
+                  </a:solidFill>
+                  <a:latin typeface="Microsoft JhengHei"/>
+                  <a:ea typeface="Microsoft JhengHei"/>
+                  <a:cs typeface="Microsoft JhengHei"/>
+                  <a:sym typeface="Microsoft JhengHei"/>
+                </a:rPr>
+                <a:t>購物車</a:t>
+              </a:r>
+              <a:endParaRPr dirty="0">
+                <a:solidFill>
+                  <a:schemeClr val="bg1"/>
+                </a:solidFill>
+              </a:endParaRPr>
+            </a:p>
+          </p:txBody>
+        </p:sp>
+        <p:sp>
+          <p:nvSpPr>
+            <p:cNvPr id="43" name="Google Shape;134;p5"/>
+            <p:cNvSpPr/>
+            <p:nvPr/>
+          </p:nvSpPr>
+          <p:spPr>
+            <a:xfrm>
+              <a:off x="7089098" y="2629479"/>
+              <a:ext cx="1903095" cy="634365"/>
+            </a:xfrm>
+            <a:prstGeom prst="roundRect">
+              <a:avLst/>
+            </a:prstGeom>
+            <a:noFill/>
+            <a:ln w="28575">
+              <a:solidFill>
+                <a:schemeClr val="accent4"/>
+              </a:solidFill>
+            </a:ln>
+          </p:spPr>
+          <p:txBody>
+            <a:bodyPr spcFirstLastPara="1" wrap="square" lIns="91425" tIns="45700" rIns="91425" bIns="45700" anchor="ctr" anchorCtr="0">
+              <a:noAutofit/>
+            </a:bodyPr>
+            <a:lstStyle/>
+            <a:p>
+              <a:pPr marL="0" marR="0" lvl="0" indent="0" algn="ctr" rtl="0">
+                <a:spcBef>
+                  <a:spcPts val="0"/>
+                </a:spcBef>
+                <a:spcAft>
+                  <a:spcPts val="0"/>
+                </a:spcAft>
+                <a:buNone/>
+              </a:pPr>
+              <a:r>
+                <a:rPr lang="zh-TW" altLang="en-US" b="1" dirty="0" smtClean="0">
+                  <a:solidFill>
+                    <a:schemeClr val="bg1"/>
+                  </a:solidFill>
+                  <a:latin typeface="Microsoft JhengHei"/>
+                  <a:ea typeface="Microsoft JhengHei"/>
+                  <a:cs typeface="Microsoft JhengHei"/>
+                  <a:sym typeface="Microsoft JhengHei"/>
+                </a:rPr>
+                <a:t>放大鏡</a:t>
+              </a:r>
+              <a:endParaRPr dirty="0">
+                <a:solidFill>
+                  <a:schemeClr val="bg1"/>
+                </a:solidFill>
+              </a:endParaRPr>
+            </a:p>
+          </p:txBody>
+        </p:sp>
+        <p:sp>
+          <p:nvSpPr>
+            <p:cNvPr id="44" name="Google Shape;134;p5"/>
+            <p:cNvSpPr/>
+            <p:nvPr/>
+          </p:nvSpPr>
+          <p:spPr>
+            <a:xfrm>
+              <a:off x="7089098" y="3594155"/>
+              <a:ext cx="1903095" cy="634365"/>
+            </a:xfrm>
+            <a:prstGeom prst="roundRect">
+              <a:avLst/>
+            </a:prstGeom>
+            <a:noFill/>
+            <a:ln w="28575">
+              <a:solidFill>
+                <a:schemeClr val="accent4"/>
+              </a:solidFill>
+            </a:ln>
+          </p:spPr>
+          <p:txBody>
+            <a:bodyPr spcFirstLastPara="1" wrap="square" lIns="91425" tIns="45700" rIns="91425" bIns="45700" anchor="ctr" anchorCtr="0">
+              <a:noAutofit/>
+            </a:bodyPr>
+            <a:lstStyle/>
+            <a:p>
+              <a:pPr lvl="0" algn="ctr"/>
+              <a:r>
+                <a:rPr lang="zh-TW" altLang="en-US" b="1" dirty="0">
+                  <a:solidFill>
+                    <a:schemeClr val="bg1"/>
+                  </a:solidFill>
+                  <a:latin typeface="Microsoft JhengHei"/>
+                  <a:ea typeface="Microsoft JhengHei"/>
+                  <a:cs typeface="Microsoft JhengHei"/>
+                  <a:sym typeface="Microsoft JhengHei"/>
+                </a:rPr>
+                <a:t>畫面渲染</a:t>
+              </a:r>
+              <a:endParaRPr lang="zh-TW" altLang="en-US" dirty="0">
+                <a:solidFill>
+                  <a:schemeClr val="bg1"/>
+                </a:solidFill>
+              </a:endParaRPr>
+            </a:p>
+          </p:txBody>
+        </p:sp>
+        <p:cxnSp>
+          <p:nvCxnSpPr>
+            <p:cNvPr id="45" name="肘形接點 44"/>
+            <p:cNvCxnSpPr>
+              <a:stCxn id="6" idx="3"/>
+              <a:endCxn id="42" idx="1"/>
+            </p:cNvCxnSpPr>
+            <p:nvPr/>
+          </p:nvCxnSpPr>
+          <p:spPr>
+            <a:xfrm flipV="1">
+              <a:off x="5924201" y="1981987"/>
+              <a:ext cx="1166418" cy="1925620"/>
+            </a:xfrm>
+            <a:prstGeom prst="bentConnector3">
+              <a:avLst>
+                <a:gd name="adj1" fmla="val 50000"/>
+              </a:avLst>
+            </a:prstGeom>
+            <a:ln w="19050">
+              <a:tailEnd type="triangle"/>
+            </a:ln>
+          </p:spPr>
+          <p:style>
+            <a:lnRef idx="1">
+              <a:schemeClr val="accent1"/>
+            </a:lnRef>
+            <a:fillRef idx="0">
+              <a:schemeClr val="accent1"/>
+            </a:fillRef>
+            <a:effectRef idx="0">
+              <a:schemeClr val="accent1"/>
+            </a:effectRef>
+            <a:fontRef idx="minor">
+              <a:schemeClr val="tx1"/>
+            </a:fontRef>
+          </p:style>
+        </p:cxnSp>
+        <p:cxnSp>
+          <p:nvCxnSpPr>
+            <p:cNvPr id="48" name="肘形接點 47"/>
+            <p:cNvCxnSpPr>
+              <a:stCxn id="6" idx="3"/>
+            </p:cNvCxnSpPr>
+            <p:nvPr/>
+          </p:nvCxnSpPr>
+          <p:spPr>
+            <a:xfrm flipV="1">
+              <a:off x="5924201" y="2946663"/>
+              <a:ext cx="1164897" cy="960944"/>
+            </a:xfrm>
+            <a:prstGeom prst="bentConnector3">
+              <a:avLst>
+                <a:gd name="adj1" fmla="val 50000"/>
+              </a:avLst>
+            </a:prstGeom>
+            <a:ln w="19050">
+              <a:tailEnd type="triangle"/>
+            </a:ln>
+          </p:spPr>
+          <p:style>
+            <a:lnRef idx="1">
+              <a:schemeClr val="accent1"/>
+            </a:lnRef>
+            <a:fillRef idx="0">
+              <a:schemeClr val="accent1"/>
+            </a:fillRef>
+            <a:effectRef idx="0">
+              <a:schemeClr val="accent1"/>
+            </a:effectRef>
+            <a:fontRef idx="minor">
+              <a:schemeClr val="tx1"/>
+            </a:fontRef>
+          </p:style>
+        </p:cxnSp>
+        <p:cxnSp>
+          <p:nvCxnSpPr>
+            <p:cNvPr id="51" name="肘形接點 50"/>
+            <p:cNvCxnSpPr>
+              <a:stCxn id="6" idx="3"/>
+            </p:cNvCxnSpPr>
+            <p:nvPr/>
+          </p:nvCxnSpPr>
+          <p:spPr>
+            <a:xfrm>
+              <a:off x="5924201" y="3907607"/>
+              <a:ext cx="1164897" cy="3730"/>
+            </a:xfrm>
+            <a:prstGeom prst="bentConnector3">
+              <a:avLst>
+                <a:gd name="adj1" fmla="val 50000"/>
+              </a:avLst>
+            </a:prstGeom>
+            <a:ln w="19050">
+              <a:tailEnd type="triangle"/>
+            </a:ln>
+          </p:spPr>
+          <p:style>
+            <a:lnRef idx="1">
+              <a:schemeClr val="accent1"/>
+            </a:lnRef>
+            <a:fillRef idx="0">
+              <a:schemeClr val="accent1"/>
+            </a:fillRef>
+            <a:effectRef idx="0">
+              <a:schemeClr val="accent1"/>
+            </a:effectRef>
+            <a:fontRef idx="minor">
+              <a:schemeClr val="tx1"/>
+            </a:fontRef>
+          </p:style>
+        </p:cxnSp>
+        <p:sp>
+          <p:nvSpPr>
+            <p:cNvPr id="57" name="Google Shape;134;p5"/>
+            <p:cNvSpPr/>
+            <p:nvPr/>
+          </p:nvSpPr>
+          <p:spPr>
+            <a:xfrm>
+              <a:off x="7066396" y="4558830"/>
+              <a:ext cx="1903095" cy="634365"/>
+            </a:xfrm>
+            <a:prstGeom prst="roundRect">
+              <a:avLst/>
+            </a:prstGeom>
+            <a:noFill/>
+            <a:ln w="28575">
+              <a:solidFill>
+                <a:schemeClr val="accent4"/>
+              </a:solidFill>
+            </a:ln>
+          </p:spPr>
+          <p:txBody>
+            <a:bodyPr spcFirstLastPara="1" wrap="square" lIns="91425" tIns="45700" rIns="91425" bIns="45700" anchor="ctr" anchorCtr="0">
+              <a:noAutofit/>
+            </a:bodyPr>
+            <a:lstStyle/>
+            <a:p>
+              <a:pPr lvl="0" algn="ctr"/>
+              <a:r>
+                <a:rPr lang="zh-TW" altLang="en-US" b="1" dirty="0" smtClean="0">
+                  <a:solidFill>
+                    <a:schemeClr val="bg1"/>
+                  </a:solidFill>
+                  <a:latin typeface="Microsoft JhengHei"/>
+                  <a:ea typeface="Microsoft JhengHei"/>
+                  <a:cs typeface="Microsoft JhengHei"/>
+                  <a:sym typeface="Microsoft JhengHei"/>
+                </a:rPr>
+                <a:t>指定路由</a:t>
+              </a:r>
+              <a:endParaRPr lang="zh-TW" altLang="en-US" dirty="0">
+                <a:solidFill>
+                  <a:schemeClr val="bg1"/>
+                </a:solidFill>
+              </a:endParaRPr>
+            </a:p>
+          </p:txBody>
+        </p:sp>
+        <p:cxnSp>
+          <p:nvCxnSpPr>
+            <p:cNvPr id="58" name="肘形接點 57"/>
+            <p:cNvCxnSpPr>
+              <a:stCxn id="6" idx="3"/>
+            </p:cNvCxnSpPr>
+            <p:nvPr/>
+          </p:nvCxnSpPr>
+          <p:spPr>
+            <a:xfrm>
+              <a:off x="5924201" y="3907607"/>
+              <a:ext cx="1142195" cy="968406"/>
+            </a:xfrm>
+            <a:prstGeom prst="bentConnector3">
+              <a:avLst>
+                <a:gd name="adj1" fmla="val 50000"/>
+              </a:avLst>
+            </a:prstGeom>
+            <a:ln w="19050">
+              <a:tailEnd type="triangle"/>
+            </a:ln>
+          </p:spPr>
+          <p:style>
+            <a:lnRef idx="1">
+              <a:schemeClr val="accent1"/>
+            </a:lnRef>
+            <a:fillRef idx="0">
+              <a:schemeClr val="accent1"/>
+            </a:fillRef>
+            <a:effectRef idx="0">
+              <a:schemeClr val="accent1"/>
+            </a:effectRef>
+            <a:fontRef idx="minor">
+              <a:schemeClr val="tx1"/>
+            </a:fontRef>
+          </p:style>
+        </p:cxnSp>
+        <p:sp>
+          <p:nvSpPr>
+            <p:cNvPr id="74" name="Google Shape;134;p5"/>
+            <p:cNvSpPr/>
+            <p:nvPr/>
+          </p:nvSpPr>
+          <p:spPr>
+            <a:xfrm>
+              <a:off x="7066396" y="5523505"/>
+              <a:ext cx="1903095" cy="634365"/>
+            </a:xfrm>
+            <a:prstGeom prst="roundRect">
+              <a:avLst/>
+            </a:prstGeom>
+            <a:noFill/>
+            <a:ln w="28575">
+              <a:solidFill>
+                <a:schemeClr val="accent4"/>
+              </a:solidFill>
+            </a:ln>
+          </p:spPr>
+          <p:txBody>
+            <a:bodyPr spcFirstLastPara="1" wrap="square" lIns="91425" tIns="45700" rIns="91425" bIns="45700" anchor="ctr" anchorCtr="0">
+              <a:noAutofit/>
+            </a:bodyPr>
+            <a:lstStyle/>
+            <a:p>
+              <a:pPr marL="0" marR="0" lvl="0" indent="0" algn="ctr" rtl="0">
+                <a:spcBef>
+                  <a:spcPts val="0"/>
+                </a:spcBef>
+                <a:spcAft>
+                  <a:spcPts val="0"/>
+                </a:spcAft>
+                <a:buNone/>
+              </a:pPr>
+              <a:r>
+                <a:rPr lang="zh-TW" altLang="en-US" b="1" dirty="0" smtClean="0">
+                  <a:solidFill>
+                    <a:schemeClr val="bg1"/>
+                  </a:solidFill>
+                  <a:latin typeface="Microsoft JhengHei"/>
+                  <a:ea typeface="Microsoft JhengHei"/>
+                  <a:cs typeface="Microsoft JhengHei"/>
+                  <a:sym typeface="Microsoft JhengHei"/>
+                </a:rPr>
+                <a:t>統計圖表</a:t>
+              </a:r>
+              <a:endParaRPr dirty="0">
+                <a:solidFill>
+                  <a:schemeClr val="bg1"/>
+                </a:solidFill>
+              </a:endParaRPr>
+            </a:p>
+          </p:txBody>
+        </p:sp>
+        <p:cxnSp>
+          <p:nvCxnSpPr>
+            <p:cNvPr id="75" name="肘形接點 74"/>
+            <p:cNvCxnSpPr>
+              <a:stCxn id="6" idx="3"/>
+              <a:endCxn id="74" idx="1"/>
+            </p:cNvCxnSpPr>
+            <p:nvPr/>
+          </p:nvCxnSpPr>
+          <p:spPr>
+            <a:xfrm>
+              <a:off x="5924201" y="3907607"/>
+              <a:ext cx="1142195" cy="1933081"/>
+            </a:xfrm>
+            <a:prstGeom prst="bentConnector3">
+              <a:avLst>
+                <a:gd name="adj1" fmla="val 50000"/>
+              </a:avLst>
+            </a:prstGeom>
+            <a:ln w="19050">
+              <a:tailEnd type="triangle"/>
+            </a:ln>
+          </p:spPr>
+          <p:style>
+            <a:lnRef idx="1">
+              <a:schemeClr val="accent1"/>
+            </a:lnRef>
+            <a:fillRef idx="0">
+              <a:schemeClr val="accent1"/>
+            </a:fillRef>
+            <a:effectRef idx="0">
+              <a:schemeClr val="accent1"/>
+            </a:effectRef>
+            <a:fontRef idx="minor">
+              <a:schemeClr val="tx1"/>
+            </a:fontRef>
+          </p:style>
+        </p:cxnSp>
+        <p:sp>
+          <p:nvSpPr>
+            <p:cNvPr id="78" name="Google Shape;134;p5"/>
+            <p:cNvSpPr/>
+            <p:nvPr/>
+          </p:nvSpPr>
+          <p:spPr>
+            <a:xfrm>
+              <a:off x="912285" y="5502918"/>
+              <a:ext cx="1903095" cy="634365"/>
+            </a:xfrm>
+            <a:prstGeom prst="roundRect">
+              <a:avLst/>
+            </a:prstGeom>
+            <a:noFill/>
+            <a:ln w="28575">
+              <a:solidFill>
+                <a:schemeClr val="accent4"/>
+              </a:solidFill>
+            </a:ln>
+          </p:spPr>
+          <p:txBody>
+            <a:bodyPr spcFirstLastPara="1" wrap="square" lIns="91425" tIns="45700" rIns="91425" bIns="45700" anchor="ctr" anchorCtr="0">
+              <a:noAutofit/>
+            </a:bodyPr>
+            <a:lstStyle/>
+            <a:p>
+              <a:pPr marL="0" marR="0" lvl="0" indent="0" algn="ctr" rtl="0">
+                <a:spcBef>
+                  <a:spcPts val="0"/>
+                </a:spcBef>
+                <a:spcAft>
+                  <a:spcPts val="0"/>
+                </a:spcAft>
+                <a:buNone/>
+              </a:pPr>
+              <a:r>
+                <a:rPr lang="zh-TW" altLang="en-US" b="1" dirty="0" smtClean="0">
+                  <a:solidFill>
+                    <a:schemeClr val="bg1"/>
+                  </a:solidFill>
+                  <a:latin typeface="Microsoft JhengHei"/>
+                  <a:ea typeface="Microsoft JhengHei"/>
+                  <a:cs typeface="Microsoft JhengHei"/>
+                  <a:sym typeface="Microsoft JhengHei"/>
+                </a:rPr>
+                <a:t>會員資料</a:t>
+              </a:r>
+              <a:endParaRPr dirty="0">
+                <a:solidFill>
+                  <a:schemeClr val="bg1"/>
+                </a:solidFill>
+              </a:endParaRPr>
+            </a:p>
+          </p:txBody>
+        </p:sp>
+        <p:cxnSp>
+          <p:nvCxnSpPr>
+            <p:cNvPr id="80" name="肘形接點 79"/>
+            <p:cNvCxnSpPr>
+              <a:stCxn id="6" idx="1"/>
+              <a:endCxn id="78" idx="3"/>
+            </p:cNvCxnSpPr>
+            <p:nvPr/>
+          </p:nvCxnSpPr>
+          <p:spPr>
+            <a:xfrm rot="10800000" flipV="1">
+              <a:off x="2815380" y="3907607"/>
+              <a:ext cx="1205726" cy="1912494"/>
+            </a:xfrm>
+            <a:prstGeom prst="bentConnector3">
+              <a:avLst>
+                <a:gd name="adj1" fmla="val 50000"/>
+              </a:avLst>
+            </a:prstGeom>
+            <a:ln w="19050">
+              <a:tailEnd type="triangle"/>
+            </a:ln>
+          </p:spPr>
+          <p:style>
+            <a:lnRef idx="1">
+              <a:schemeClr val="accent1"/>
+            </a:lnRef>
+            <a:fillRef idx="0">
+              <a:schemeClr val="accent1"/>
+            </a:fillRef>
+            <a:effectRef idx="0">
+              <a:schemeClr val="accent1"/>
+            </a:effectRef>
+            <a:fontRef idx="minor">
+              <a:schemeClr val="tx1"/>
+            </a:fontRef>
+          </p:style>
+        </p:cxnSp>
+      </p:grpSp>
     </p:spTree>
     <p:extLst>
       <p:ext uri="{BB962C8B-B14F-4D97-AF65-F5344CB8AC3E}">
-        <p14:creationId xmlns:p14="http://schemas.microsoft.com/office/powerpoint/2010/main" val="2426754469"/>
+        <p14:creationId xmlns:p14="http://schemas.microsoft.com/office/powerpoint/2010/main" val="1606663761"/>
       </p:ext>
     </p:extLst>
   </p:cSld>
@@ -6962,7 +10457,7 @@
   <a:extraClrSchemeLst/>
   <a:extLst>
     <a:ext uri="{05A4C25C-085E-4340-85A3-A5531E510DB2}">
-      <thm15:themeFamily xmlns:thm15="http://schemas.microsoft.com/office/thememl/2012/main" xmlns="" name="資策會2021簡報範本_dark.potx" id="{81C76F81-1671-4B56-BD0F-02ECACBEA1CD}" vid="{64F81388-CB1B-4503-9A85-CB10ADCB8F38}"/>
+      <thm15:themeFamily xmlns="" xmlns:thm15="http://schemas.microsoft.com/office/thememl/2012/main" name="資策會2021簡報範本_dark.potx" id="{81C76F81-1671-4B56-BD0F-02ECACBEA1CD}" vid="{64F81388-CB1B-4503-9A85-CB10ADCB8F38}"/>
     </a:ext>
   </a:extLst>
 </a:theme>
